--- a/Document/React Presentation2.pptx
+++ b/Document/React Presentation2.pptx
@@ -5,7 +5,7 @@
     <p:sldMasterId id="2147483779" r:id="rId1"/>
   </p:sldMasterIdLst>
   <p:notesMasterIdLst>
-    <p:notesMasterId r:id="rId59"/>
+    <p:notesMasterId r:id="rId60"/>
   </p:notesMasterIdLst>
   <p:sldIdLst>
     <p:sldId id="256" r:id="rId2"/>
@@ -46,25 +46,26 @@
     <p:sldId id="307" r:id="rId37"/>
     <p:sldId id="313" r:id="rId38"/>
     <p:sldId id="314" r:id="rId39"/>
-    <p:sldId id="266" r:id="rId40"/>
-    <p:sldId id="267" r:id="rId41"/>
-    <p:sldId id="268" r:id="rId42"/>
-    <p:sldId id="269" r:id="rId43"/>
-    <p:sldId id="270" r:id="rId44"/>
-    <p:sldId id="271" r:id="rId45"/>
-    <p:sldId id="272" r:id="rId46"/>
-    <p:sldId id="306" r:id="rId47"/>
-    <p:sldId id="273" r:id="rId48"/>
-    <p:sldId id="274" r:id="rId49"/>
-    <p:sldId id="275" r:id="rId50"/>
-    <p:sldId id="276" r:id="rId51"/>
-    <p:sldId id="277" r:id="rId52"/>
-    <p:sldId id="278" r:id="rId53"/>
-    <p:sldId id="279" r:id="rId54"/>
-    <p:sldId id="280" r:id="rId55"/>
-    <p:sldId id="281" r:id="rId56"/>
-    <p:sldId id="282" r:id="rId57"/>
-    <p:sldId id="286" r:id="rId58"/>
+    <p:sldId id="316" r:id="rId40"/>
+    <p:sldId id="266" r:id="rId41"/>
+    <p:sldId id="267" r:id="rId42"/>
+    <p:sldId id="268" r:id="rId43"/>
+    <p:sldId id="269" r:id="rId44"/>
+    <p:sldId id="270" r:id="rId45"/>
+    <p:sldId id="271" r:id="rId46"/>
+    <p:sldId id="272" r:id="rId47"/>
+    <p:sldId id="306" r:id="rId48"/>
+    <p:sldId id="273" r:id="rId49"/>
+    <p:sldId id="274" r:id="rId50"/>
+    <p:sldId id="275" r:id="rId51"/>
+    <p:sldId id="276" r:id="rId52"/>
+    <p:sldId id="277" r:id="rId53"/>
+    <p:sldId id="278" r:id="rId54"/>
+    <p:sldId id="279" r:id="rId55"/>
+    <p:sldId id="280" r:id="rId56"/>
+    <p:sldId id="281" r:id="rId57"/>
+    <p:sldId id="282" r:id="rId58"/>
+    <p:sldId id="286" r:id="rId59"/>
   </p:sldIdLst>
   <p:sldSz cx="12192000" cy="6858000"/>
   <p:notesSz cx="6858000" cy="9144000"/>
@@ -265,7 +266,7 @@
             <a:fld id="{65593617-3995-4B7F-9605-2BBDB1EC45ED}" type="datetimeFigureOut">
               <a:rPr lang="en-US" smtClean="0"/>
               <a:pPr/>
-              <a:t>4/21/2016</a:t>
+              <a:t>4/22/2016</a:t>
             </a:fld>
             <a:endParaRPr lang="en-US"/>
           </a:p>
@@ -663,224 +664,6 @@
           <a:bodyPr/>
           <a:lstStyle/>
           <a:p>
-            <a:r>
-              <a:rPr lang="en-US" baseline="0" dirty="0" err="1" smtClean="0"/>
-              <a:t>Để</a:t>
-            </a:r>
-            <a:r>
-              <a:rPr lang="en-US" baseline="0" dirty="0" smtClean="0"/>
-              <a:t> </a:t>
-            </a:r>
-            <a:r>
-              <a:rPr lang="en-US" baseline="0" dirty="0" err="1" smtClean="0"/>
-              <a:t>mã</a:t>
-            </a:r>
-            <a:r>
-              <a:rPr lang="en-US" baseline="0" dirty="0" smtClean="0"/>
-              <a:t> </a:t>
-            </a:r>
-            <a:r>
-              <a:rPr lang="en-US" baseline="0" dirty="0" err="1" smtClean="0"/>
-              <a:t>nguồn</a:t>
-            </a:r>
-            <a:r>
-              <a:rPr lang="en-US" baseline="0" dirty="0" smtClean="0"/>
-              <a:t> </a:t>
-            </a:r>
-            <a:r>
-              <a:rPr lang="en-US" baseline="0" dirty="0" err="1" smtClean="0"/>
-              <a:t>rỏ</a:t>
-            </a:r>
-            <a:r>
-              <a:rPr lang="en-US" baseline="0" dirty="0" smtClean="0"/>
-              <a:t> rang </a:t>
-            </a:r>
-            <a:r>
-              <a:rPr lang="en-US" baseline="0" dirty="0" err="1" smtClean="0"/>
-              <a:t>và</a:t>
-            </a:r>
-            <a:r>
-              <a:rPr lang="en-US" baseline="0" dirty="0" smtClean="0"/>
-              <a:t> </a:t>
-            </a:r>
-            <a:r>
-              <a:rPr lang="en-US" baseline="0" dirty="0" err="1" smtClean="0"/>
-              <a:t>thẩm</a:t>
-            </a:r>
-            <a:r>
-              <a:rPr lang="en-US" baseline="0" dirty="0" smtClean="0"/>
-              <a:t> </a:t>
-            </a:r>
-            <a:r>
-              <a:rPr lang="en-US" baseline="0" dirty="0" err="1" smtClean="0"/>
-              <a:t>mỹ</a:t>
-            </a:r>
-            <a:r>
-              <a:rPr lang="en-US" baseline="0" dirty="0" smtClean="0"/>
-              <a:t> </a:t>
-            </a:r>
-            <a:r>
-              <a:rPr lang="en-US" baseline="0" dirty="0" err="1" smtClean="0"/>
-              <a:t>hơn</a:t>
-            </a:r>
-            <a:r>
-              <a:rPr lang="en-US" baseline="0" dirty="0" smtClean="0"/>
-              <a:t> ta </a:t>
-            </a:r>
-            <a:r>
-              <a:rPr lang="en-US" baseline="0" dirty="0" err="1" smtClean="0"/>
-              <a:t>có</a:t>
-            </a:r>
-            <a:r>
-              <a:rPr lang="en-US" baseline="0" dirty="0" smtClean="0"/>
-              <a:t> </a:t>
-            </a:r>
-            <a:r>
-              <a:rPr lang="en-US" baseline="0" dirty="0" err="1" smtClean="0"/>
-              <a:t>thể</a:t>
-            </a:r>
-            <a:r>
-              <a:rPr lang="en-US" baseline="0" dirty="0" smtClean="0"/>
-              <a:t> </a:t>
-            </a:r>
-            <a:r>
-              <a:rPr lang="en-US" baseline="0" dirty="0" err="1" smtClean="0"/>
-              <a:t>tạo</a:t>
-            </a:r>
-            <a:r>
-              <a:rPr lang="en-US" baseline="0" dirty="0" smtClean="0"/>
-              <a:t> </a:t>
-            </a:r>
-            <a:r>
-              <a:rPr lang="en-US" baseline="0" dirty="0" err="1" smtClean="0"/>
-              <a:t>và</a:t>
-            </a:r>
-            <a:r>
-              <a:rPr lang="en-US" baseline="0" dirty="0" smtClean="0"/>
-              <a:t> </a:t>
-            </a:r>
-            <a:r>
-              <a:rPr lang="en-US" baseline="0" dirty="0" err="1" smtClean="0"/>
-              <a:t>chyaj</a:t>
-            </a:r>
-            <a:r>
-              <a:rPr lang="en-US" baseline="0" dirty="0" smtClean="0"/>
-              <a:t> </a:t>
-            </a:r>
-            <a:r>
-              <a:rPr lang="en-US" baseline="0" dirty="0" err="1" smtClean="0"/>
-              <a:t>hàm</a:t>
-            </a:r>
-            <a:r>
-              <a:rPr lang="en-US" baseline="0" dirty="0" smtClean="0"/>
-              <a:t> </a:t>
-            </a:r>
-            <a:r>
-              <a:rPr lang="en-US" baseline="0" dirty="0" err="1" smtClean="0"/>
-              <a:t>ngay</a:t>
-            </a:r>
-            <a:r>
-              <a:rPr lang="en-US" baseline="0" dirty="0" smtClean="0"/>
-              <a:t> </a:t>
-            </a:r>
-            <a:r>
-              <a:rPr lang="en-US" baseline="0" dirty="0" err="1" smtClean="0"/>
-              <a:t>trong</a:t>
-            </a:r>
-            <a:r>
-              <a:rPr lang="en-US" baseline="0" dirty="0" smtClean="0"/>
-              <a:t> </a:t>
-            </a:r>
-            <a:r>
-              <a:rPr lang="en-US" baseline="0" dirty="0" err="1" smtClean="0"/>
-              <a:t>jsx</a:t>
-            </a:r>
-            <a:r>
-              <a:rPr lang="en-US" baseline="0" dirty="0" smtClean="0"/>
-              <a:t> </a:t>
-            </a:r>
-            <a:r>
-              <a:rPr lang="en-US" baseline="0" dirty="0" err="1" smtClean="0"/>
-              <a:t>để</a:t>
-            </a:r>
-            <a:r>
-              <a:rPr lang="en-US" baseline="0" dirty="0" smtClean="0"/>
-              <a:t> </a:t>
-            </a:r>
-            <a:r>
-              <a:rPr lang="en-US" baseline="0" dirty="0" err="1" smtClean="0"/>
-              <a:t>sự</a:t>
-            </a:r>
-            <a:r>
-              <a:rPr lang="en-US" baseline="0" dirty="0" smtClean="0"/>
-              <a:t> </a:t>
-            </a:r>
-            <a:r>
-              <a:rPr lang="en-US" baseline="0" dirty="0" err="1" smtClean="0"/>
-              <a:t>dụng</a:t>
-            </a:r>
-            <a:r>
-              <a:rPr lang="en-US" baseline="0" dirty="0" smtClean="0"/>
-              <a:t> </a:t>
-            </a:r>
-            <a:r>
-              <a:rPr lang="en-US" baseline="0" dirty="0" err="1" smtClean="0"/>
-              <a:t>javascript</a:t>
-            </a:r>
-            <a:r>
-              <a:rPr lang="en-US" baseline="0" dirty="0" smtClean="0"/>
-              <a:t> </a:t>
-            </a:r>
-            <a:r>
-              <a:rPr lang="en-US" baseline="0" dirty="0" err="1" smtClean="0"/>
-              <a:t>tính</a:t>
-            </a:r>
-            <a:r>
-              <a:rPr lang="en-US" baseline="0" dirty="0" smtClean="0"/>
-              <a:t> </a:t>
-            </a:r>
-            <a:r>
-              <a:rPr lang="en-US" baseline="0" dirty="0" err="1" smtClean="0"/>
-              <a:t>toán</a:t>
-            </a:r>
-            <a:r>
-              <a:rPr lang="en-US" baseline="0" dirty="0" smtClean="0"/>
-              <a:t> </a:t>
-            </a:r>
-            <a:r>
-              <a:rPr lang="en-US" baseline="0" dirty="0" err="1" smtClean="0"/>
-              <a:t>và</a:t>
-            </a:r>
-            <a:r>
-              <a:rPr lang="en-US" baseline="0" dirty="0" smtClean="0"/>
-              <a:t> </a:t>
-            </a:r>
-            <a:r>
-              <a:rPr lang="en-US" baseline="0" dirty="0" err="1" smtClean="0"/>
-              <a:t>trả</a:t>
-            </a:r>
-            <a:r>
-              <a:rPr lang="en-US" baseline="0" dirty="0" smtClean="0"/>
-              <a:t> </a:t>
-            </a:r>
-            <a:r>
-              <a:rPr lang="en-US" baseline="0" dirty="0" err="1" smtClean="0"/>
-              <a:t>về</a:t>
-            </a:r>
-            <a:r>
-              <a:rPr lang="en-US" baseline="0" dirty="0" smtClean="0"/>
-              <a:t> </a:t>
-            </a:r>
-            <a:r>
-              <a:rPr lang="en-US" baseline="0" dirty="0" err="1" smtClean="0"/>
-              <a:t>những</a:t>
-            </a:r>
-            <a:r>
-              <a:rPr lang="en-US" baseline="0" dirty="0" smtClean="0"/>
-              <a:t> element</a:t>
-            </a:r>
-          </a:p>
-          <a:p>
             <a:endParaRPr lang="en-US" dirty="0"/>
           </a:p>
         </p:txBody>
@@ -903,7 +686,7 @@
             <a:fld id="{DFA466F2-9CED-4F1F-9613-11D467DD3EBF}" type="slidenum">
               <a:rPr lang="en-US" smtClean="0"/>
               <a:pPr/>
-              <a:t>16</a:t>
+              <a:t>15</a:t>
             </a:fld>
             <a:endParaRPr lang="en-US"/>
           </a:p>
@@ -912,7 +695,7 @@
     </p:spTree>
     <p:extLst>
       <p:ext uri="{BB962C8B-B14F-4D97-AF65-F5344CB8AC3E}">
-        <p14:creationId xmlns:p14="http://schemas.microsoft.com/office/powerpoint/2010/main" val="2182225059"/>
+        <p14:creationId xmlns:p14="http://schemas.microsoft.com/office/powerpoint/2010/main" val="897308346"/>
       </p:ext>
     </p:extLst>
   </p:cSld>
@@ -1206,7 +989,7 @@
             <a:fld id="{DFA466F2-9CED-4F1F-9613-11D467DD3EBF}" type="slidenum">
               <a:rPr lang="en-US" smtClean="0"/>
               <a:pPr/>
-              <a:t>17</a:t>
+              <a:t>16</a:t>
             </a:fld>
             <a:endParaRPr lang="en-US"/>
           </a:p>
@@ -1509,7 +1292,7 @@
             <a:fld id="{DFA466F2-9CED-4F1F-9613-11D467DD3EBF}" type="slidenum">
               <a:rPr lang="en-US" smtClean="0"/>
               <a:pPr/>
-              <a:t>18</a:t>
+              <a:t>17</a:t>
             </a:fld>
             <a:endParaRPr lang="en-US"/>
           </a:p>
@@ -1572,6 +1355,224 @@
           <a:bodyPr/>
           <a:lstStyle/>
           <a:p>
+            <a:r>
+              <a:rPr lang="en-US" baseline="0" dirty="0" err="1" smtClean="0"/>
+              <a:t>Để</a:t>
+            </a:r>
+            <a:r>
+              <a:rPr lang="en-US" baseline="0" dirty="0" smtClean="0"/>
+              <a:t> </a:t>
+            </a:r>
+            <a:r>
+              <a:rPr lang="en-US" baseline="0" dirty="0" err="1" smtClean="0"/>
+              <a:t>mã</a:t>
+            </a:r>
+            <a:r>
+              <a:rPr lang="en-US" baseline="0" dirty="0" smtClean="0"/>
+              <a:t> </a:t>
+            </a:r>
+            <a:r>
+              <a:rPr lang="en-US" baseline="0" dirty="0" err="1" smtClean="0"/>
+              <a:t>nguồn</a:t>
+            </a:r>
+            <a:r>
+              <a:rPr lang="en-US" baseline="0" dirty="0" smtClean="0"/>
+              <a:t> </a:t>
+            </a:r>
+            <a:r>
+              <a:rPr lang="en-US" baseline="0" dirty="0" err="1" smtClean="0"/>
+              <a:t>rỏ</a:t>
+            </a:r>
+            <a:r>
+              <a:rPr lang="en-US" baseline="0" dirty="0" smtClean="0"/>
+              <a:t> rang </a:t>
+            </a:r>
+            <a:r>
+              <a:rPr lang="en-US" baseline="0" dirty="0" err="1" smtClean="0"/>
+              <a:t>và</a:t>
+            </a:r>
+            <a:r>
+              <a:rPr lang="en-US" baseline="0" dirty="0" smtClean="0"/>
+              <a:t> </a:t>
+            </a:r>
+            <a:r>
+              <a:rPr lang="en-US" baseline="0" dirty="0" err="1" smtClean="0"/>
+              <a:t>thẩm</a:t>
+            </a:r>
+            <a:r>
+              <a:rPr lang="en-US" baseline="0" dirty="0" smtClean="0"/>
+              <a:t> </a:t>
+            </a:r>
+            <a:r>
+              <a:rPr lang="en-US" baseline="0" dirty="0" err="1" smtClean="0"/>
+              <a:t>mỹ</a:t>
+            </a:r>
+            <a:r>
+              <a:rPr lang="en-US" baseline="0" dirty="0" smtClean="0"/>
+              <a:t> </a:t>
+            </a:r>
+            <a:r>
+              <a:rPr lang="en-US" baseline="0" dirty="0" err="1" smtClean="0"/>
+              <a:t>hơn</a:t>
+            </a:r>
+            <a:r>
+              <a:rPr lang="en-US" baseline="0" dirty="0" smtClean="0"/>
+              <a:t> ta </a:t>
+            </a:r>
+            <a:r>
+              <a:rPr lang="en-US" baseline="0" dirty="0" err="1" smtClean="0"/>
+              <a:t>có</a:t>
+            </a:r>
+            <a:r>
+              <a:rPr lang="en-US" baseline="0" dirty="0" smtClean="0"/>
+              <a:t> </a:t>
+            </a:r>
+            <a:r>
+              <a:rPr lang="en-US" baseline="0" dirty="0" err="1" smtClean="0"/>
+              <a:t>thể</a:t>
+            </a:r>
+            <a:r>
+              <a:rPr lang="en-US" baseline="0" dirty="0" smtClean="0"/>
+              <a:t> </a:t>
+            </a:r>
+            <a:r>
+              <a:rPr lang="en-US" baseline="0" dirty="0" err="1" smtClean="0"/>
+              <a:t>tạo</a:t>
+            </a:r>
+            <a:r>
+              <a:rPr lang="en-US" baseline="0" dirty="0" smtClean="0"/>
+              <a:t> </a:t>
+            </a:r>
+            <a:r>
+              <a:rPr lang="en-US" baseline="0" dirty="0" err="1" smtClean="0"/>
+              <a:t>và</a:t>
+            </a:r>
+            <a:r>
+              <a:rPr lang="en-US" baseline="0" dirty="0" smtClean="0"/>
+              <a:t> </a:t>
+            </a:r>
+            <a:r>
+              <a:rPr lang="en-US" baseline="0" dirty="0" err="1" smtClean="0"/>
+              <a:t>chyaj</a:t>
+            </a:r>
+            <a:r>
+              <a:rPr lang="en-US" baseline="0" dirty="0" smtClean="0"/>
+              <a:t> </a:t>
+            </a:r>
+            <a:r>
+              <a:rPr lang="en-US" baseline="0" dirty="0" err="1" smtClean="0"/>
+              <a:t>hàm</a:t>
+            </a:r>
+            <a:r>
+              <a:rPr lang="en-US" baseline="0" dirty="0" smtClean="0"/>
+              <a:t> </a:t>
+            </a:r>
+            <a:r>
+              <a:rPr lang="en-US" baseline="0" dirty="0" err="1" smtClean="0"/>
+              <a:t>ngay</a:t>
+            </a:r>
+            <a:r>
+              <a:rPr lang="en-US" baseline="0" dirty="0" smtClean="0"/>
+              <a:t> </a:t>
+            </a:r>
+            <a:r>
+              <a:rPr lang="en-US" baseline="0" dirty="0" err="1" smtClean="0"/>
+              <a:t>trong</a:t>
+            </a:r>
+            <a:r>
+              <a:rPr lang="en-US" baseline="0" dirty="0" smtClean="0"/>
+              <a:t> </a:t>
+            </a:r>
+            <a:r>
+              <a:rPr lang="en-US" baseline="0" dirty="0" err="1" smtClean="0"/>
+              <a:t>jsx</a:t>
+            </a:r>
+            <a:r>
+              <a:rPr lang="en-US" baseline="0" dirty="0" smtClean="0"/>
+              <a:t> </a:t>
+            </a:r>
+            <a:r>
+              <a:rPr lang="en-US" baseline="0" dirty="0" err="1" smtClean="0"/>
+              <a:t>để</a:t>
+            </a:r>
+            <a:r>
+              <a:rPr lang="en-US" baseline="0" dirty="0" smtClean="0"/>
+              <a:t> </a:t>
+            </a:r>
+            <a:r>
+              <a:rPr lang="en-US" baseline="0" dirty="0" err="1" smtClean="0"/>
+              <a:t>sự</a:t>
+            </a:r>
+            <a:r>
+              <a:rPr lang="en-US" baseline="0" dirty="0" smtClean="0"/>
+              <a:t> </a:t>
+            </a:r>
+            <a:r>
+              <a:rPr lang="en-US" baseline="0" dirty="0" err="1" smtClean="0"/>
+              <a:t>dụng</a:t>
+            </a:r>
+            <a:r>
+              <a:rPr lang="en-US" baseline="0" dirty="0" smtClean="0"/>
+              <a:t> </a:t>
+            </a:r>
+            <a:r>
+              <a:rPr lang="en-US" baseline="0" dirty="0" err="1" smtClean="0"/>
+              <a:t>javascript</a:t>
+            </a:r>
+            <a:r>
+              <a:rPr lang="en-US" baseline="0" dirty="0" smtClean="0"/>
+              <a:t> </a:t>
+            </a:r>
+            <a:r>
+              <a:rPr lang="en-US" baseline="0" dirty="0" err="1" smtClean="0"/>
+              <a:t>tính</a:t>
+            </a:r>
+            <a:r>
+              <a:rPr lang="en-US" baseline="0" dirty="0" smtClean="0"/>
+              <a:t> </a:t>
+            </a:r>
+            <a:r>
+              <a:rPr lang="en-US" baseline="0" dirty="0" err="1" smtClean="0"/>
+              <a:t>toán</a:t>
+            </a:r>
+            <a:r>
+              <a:rPr lang="en-US" baseline="0" dirty="0" smtClean="0"/>
+              <a:t> </a:t>
+            </a:r>
+            <a:r>
+              <a:rPr lang="en-US" baseline="0" dirty="0" err="1" smtClean="0"/>
+              <a:t>và</a:t>
+            </a:r>
+            <a:r>
+              <a:rPr lang="en-US" baseline="0" dirty="0" smtClean="0"/>
+              <a:t> </a:t>
+            </a:r>
+            <a:r>
+              <a:rPr lang="en-US" baseline="0" dirty="0" err="1" smtClean="0"/>
+              <a:t>trả</a:t>
+            </a:r>
+            <a:r>
+              <a:rPr lang="en-US" baseline="0" dirty="0" smtClean="0"/>
+              <a:t> </a:t>
+            </a:r>
+            <a:r>
+              <a:rPr lang="en-US" baseline="0" dirty="0" err="1" smtClean="0"/>
+              <a:t>về</a:t>
+            </a:r>
+            <a:r>
+              <a:rPr lang="en-US" baseline="0" dirty="0" smtClean="0"/>
+              <a:t> </a:t>
+            </a:r>
+            <a:r>
+              <a:rPr lang="en-US" baseline="0" dirty="0" err="1" smtClean="0"/>
+              <a:t>những</a:t>
+            </a:r>
+            <a:r>
+              <a:rPr lang="en-US" baseline="0" dirty="0" smtClean="0"/>
+              <a:t> element</a:t>
+            </a:r>
+          </a:p>
+          <a:p>
             <a:endParaRPr lang="en-US" dirty="0"/>
           </a:p>
         </p:txBody>
@@ -1594,7 +1595,7 @@
             <a:fld id="{DFA466F2-9CED-4F1F-9613-11D467DD3EBF}" type="slidenum">
               <a:rPr lang="en-US" smtClean="0"/>
               <a:pPr/>
-              <a:t>23</a:t>
+              <a:t>18</a:t>
             </a:fld>
             <a:endParaRPr lang="en-US"/>
           </a:p>
@@ -1603,7 +1604,7 @@
     </p:spTree>
     <p:extLst>
       <p:ext uri="{BB962C8B-B14F-4D97-AF65-F5344CB8AC3E}">
-        <p14:creationId xmlns:p14="http://schemas.microsoft.com/office/powerpoint/2010/main" val="513742409"/>
+        <p14:creationId xmlns:p14="http://schemas.microsoft.com/office/powerpoint/2010/main" val="2182225059"/>
       </p:ext>
     </p:extLst>
   </p:cSld>
@@ -1657,88 +1658,6 @@
           <a:bodyPr/>
           <a:lstStyle/>
           <a:p>
-            <a:r>
-              <a:rPr lang="en-US" dirty="0" err="1" smtClean="0"/>
-              <a:t>Xong</a:t>
-            </a:r>
-            <a:r>
-              <a:rPr lang="en-US" dirty="0" smtClean="0"/>
-              <a:t> react </a:t>
-            </a:r>
-            <a:r>
-              <a:rPr lang="en-US" dirty="0" err="1" smtClean="0"/>
-              <a:t>js</a:t>
-            </a:r>
-            <a:r>
-              <a:rPr lang="en-US" dirty="0" smtClean="0"/>
-              <a:t> </a:t>
-            </a:r>
-          </a:p>
-          <a:p>
-            <a:r>
-              <a:rPr lang="en-US" dirty="0" smtClean="0"/>
-              <a:t>React</a:t>
-            </a:r>
-            <a:r>
-              <a:rPr lang="en-US" baseline="0" dirty="0" smtClean="0"/>
-              <a:t> </a:t>
-            </a:r>
-            <a:r>
-              <a:rPr lang="en-US" baseline="0" dirty="0" err="1" smtClean="0"/>
-              <a:t>chỉ</a:t>
-            </a:r>
-            <a:r>
-              <a:rPr lang="en-US" baseline="0" dirty="0" smtClean="0"/>
-              <a:t> </a:t>
-            </a:r>
-            <a:r>
-              <a:rPr lang="en-US" baseline="0" dirty="0" err="1" smtClean="0"/>
-              <a:t>chỉ</a:t>
-            </a:r>
-            <a:r>
-              <a:rPr lang="en-US" baseline="0" dirty="0" smtClean="0"/>
-              <a:t> </a:t>
-            </a:r>
-            <a:r>
-              <a:rPr lang="en-US" baseline="0" dirty="0" err="1" smtClean="0"/>
-              <a:t>hộ</a:t>
-            </a:r>
-            <a:r>
-              <a:rPr lang="en-US" baseline="0" dirty="0" smtClean="0"/>
-              <a:t> </a:t>
-            </a:r>
-            <a:r>
-              <a:rPr lang="en-US" baseline="0" dirty="0" err="1" smtClean="0"/>
-              <a:t>trợ</a:t>
-            </a:r>
-            <a:r>
-              <a:rPr lang="en-US" baseline="0" dirty="0" smtClean="0"/>
-              <a:t> </a:t>
-            </a:r>
-            <a:r>
-              <a:rPr lang="en-US" baseline="0" dirty="0" err="1" smtClean="0"/>
-              <a:t>các</a:t>
-            </a:r>
-            <a:r>
-              <a:rPr lang="en-US" baseline="0" dirty="0" smtClean="0"/>
-              <a:t> </a:t>
-            </a:r>
-            <a:r>
-              <a:rPr lang="en-US" baseline="0" dirty="0" err="1" smtClean="0"/>
-              <a:t>hàm</a:t>
-            </a:r>
-            <a:r>
-              <a:rPr lang="en-US" baseline="0" dirty="0" smtClean="0"/>
-              <a:t> </a:t>
-            </a:r>
-            <a:r>
-              <a:rPr lang="en-US" baseline="0" dirty="0" err="1" smtClean="0"/>
-              <a:t>để</a:t>
-            </a:r>
-            <a:r>
-              <a:rPr lang="en-US" baseline="0" dirty="0" smtClean="0"/>
-              <a:t> render view </a:t>
-            </a:r>
             <a:endParaRPr lang="en-US" dirty="0"/>
           </a:p>
         </p:txBody>
@@ -1761,7 +1680,7 @@
             <a:fld id="{DFA466F2-9CED-4F1F-9613-11D467DD3EBF}" type="slidenum">
               <a:rPr lang="en-US" smtClean="0"/>
               <a:pPr/>
-              <a:t>37</a:t>
+              <a:t>23</a:t>
             </a:fld>
             <a:endParaRPr lang="en-US"/>
           </a:p>
@@ -1770,7 +1689,7 @@
     </p:spTree>
     <p:extLst>
       <p:ext uri="{BB962C8B-B14F-4D97-AF65-F5344CB8AC3E}">
-        <p14:creationId xmlns:p14="http://schemas.microsoft.com/office/powerpoint/2010/main" val="1509100711"/>
+        <p14:creationId xmlns:p14="http://schemas.microsoft.com/office/powerpoint/2010/main" val="513742409"/>
       </p:ext>
     </p:extLst>
   </p:cSld>
@@ -1824,6 +1743,88 @@
           <a:bodyPr/>
           <a:lstStyle/>
           <a:p>
+            <a:r>
+              <a:rPr lang="en-US" dirty="0" err="1" smtClean="0"/>
+              <a:t>Xong</a:t>
+            </a:r>
+            <a:r>
+              <a:rPr lang="en-US" dirty="0" smtClean="0"/>
+              <a:t> react </a:t>
+            </a:r>
+            <a:r>
+              <a:rPr lang="en-US" dirty="0" err="1" smtClean="0"/>
+              <a:t>js</a:t>
+            </a:r>
+            <a:r>
+              <a:rPr lang="en-US" dirty="0" smtClean="0"/>
+              <a:t> </a:t>
+            </a:r>
+          </a:p>
+          <a:p>
+            <a:r>
+              <a:rPr lang="en-US" dirty="0" smtClean="0"/>
+              <a:t>React</a:t>
+            </a:r>
+            <a:r>
+              <a:rPr lang="en-US" baseline="0" dirty="0" smtClean="0"/>
+              <a:t> </a:t>
+            </a:r>
+            <a:r>
+              <a:rPr lang="en-US" baseline="0" dirty="0" err="1" smtClean="0"/>
+              <a:t>chỉ</a:t>
+            </a:r>
+            <a:r>
+              <a:rPr lang="en-US" baseline="0" dirty="0" smtClean="0"/>
+              <a:t> </a:t>
+            </a:r>
+            <a:r>
+              <a:rPr lang="en-US" baseline="0" dirty="0" err="1" smtClean="0"/>
+              <a:t>chỉ</a:t>
+            </a:r>
+            <a:r>
+              <a:rPr lang="en-US" baseline="0" dirty="0" smtClean="0"/>
+              <a:t> </a:t>
+            </a:r>
+            <a:r>
+              <a:rPr lang="en-US" baseline="0" dirty="0" err="1" smtClean="0"/>
+              <a:t>hộ</a:t>
+            </a:r>
+            <a:r>
+              <a:rPr lang="en-US" baseline="0" dirty="0" smtClean="0"/>
+              <a:t> </a:t>
+            </a:r>
+            <a:r>
+              <a:rPr lang="en-US" baseline="0" dirty="0" err="1" smtClean="0"/>
+              <a:t>trợ</a:t>
+            </a:r>
+            <a:r>
+              <a:rPr lang="en-US" baseline="0" dirty="0" smtClean="0"/>
+              <a:t> </a:t>
+            </a:r>
+            <a:r>
+              <a:rPr lang="en-US" baseline="0" dirty="0" err="1" smtClean="0"/>
+              <a:t>các</a:t>
+            </a:r>
+            <a:r>
+              <a:rPr lang="en-US" baseline="0" dirty="0" smtClean="0"/>
+              <a:t> </a:t>
+            </a:r>
+            <a:r>
+              <a:rPr lang="en-US" baseline="0" dirty="0" err="1" smtClean="0"/>
+              <a:t>hàm</a:t>
+            </a:r>
+            <a:r>
+              <a:rPr lang="en-US" baseline="0" dirty="0" smtClean="0"/>
+              <a:t> </a:t>
+            </a:r>
+            <a:r>
+              <a:rPr lang="en-US" baseline="0" dirty="0" err="1" smtClean="0"/>
+              <a:t>để</a:t>
+            </a:r>
+            <a:r>
+              <a:rPr lang="en-US" baseline="0" dirty="0" smtClean="0"/>
+              <a:t> render view </a:t>
+            </a:r>
             <a:endParaRPr lang="en-US" dirty="0"/>
           </a:p>
         </p:txBody>
@@ -1846,7 +1847,7 @@
             <a:fld id="{DFA466F2-9CED-4F1F-9613-11D467DD3EBF}" type="slidenum">
               <a:rPr lang="en-US" smtClean="0"/>
               <a:pPr/>
-              <a:t>38</a:t>
+              <a:t>37</a:t>
             </a:fld>
             <a:endParaRPr lang="en-US"/>
           </a:p>
@@ -1855,7 +1856,7 @@
     </p:spTree>
     <p:extLst>
       <p:ext uri="{BB962C8B-B14F-4D97-AF65-F5344CB8AC3E}">
-        <p14:creationId xmlns:p14="http://schemas.microsoft.com/office/powerpoint/2010/main" val="838945662"/>
+        <p14:creationId xmlns:p14="http://schemas.microsoft.com/office/powerpoint/2010/main" val="1509100711"/>
       </p:ext>
     </p:extLst>
   </p:cSld>
@@ -1909,62 +1910,6 @@
           <a:bodyPr/>
           <a:lstStyle/>
           <a:p>
-            <a:r>
-              <a:rPr lang="en-US" dirty="0" err="1" smtClean="0"/>
-              <a:t>Tạo</a:t>
-            </a:r>
-            <a:r>
-              <a:rPr lang="en-US" baseline="0" dirty="0" smtClean="0"/>
-              <a:t> </a:t>
-            </a:r>
-            <a:r>
-              <a:rPr lang="en-US" baseline="0" dirty="0" err="1" smtClean="0"/>
-              <a:t>một</a:t>
-            </a:r>
-            <a:r>
-              <a:rPr lang="en-US" baseline="0" dirty="0" smtClean="0"/>
-              <a:t> </a:t>
-            </a:r>
-            <a:r>
-              <a:rPr lang="en-US" baseline="0" dirty="0" err="1" smtClean="0"/>
-              <a:t>cây</a:t>
-            </a:r>
-            <a:r>
-              <a:rPr lang="en-US" baseline="0" dirty="0" smtClean="0"/>
-              <a:t> component </a:t>
-            </a:r>
-            <a:r>
-              <a:rPr lang="en-US" baseline="0" dirty="0" err="1" smtClean="0"/>
-              <a:t>với</a:t>
-            </a:r>
-            <a:r>
-              <a:rPr lang="en-US" baseline="0" dirty="0" smtClean="0"/>
-              <a:t> root </a:t>
-            </a:r>
-            <a:r>
-              <a:rPr lang="en-US" baseline="0" dirty="0" err="1" smtClean="0"/>
-              <a:t>là</a:t>
-            </a:r>
-            <a:r>
-              <a:rPr lang="en-US" baseline="0" dirty="0" smtClean="0"/>
-              <a:t> </a:t>
-            </a:r>
-            <a:r>
-              <a:rPr lang="en-US" baseline="0" dirty="0" err="1" smtClean="0"/>
-              <a:t>một</a:t>
-            </a:r>
-            <a:r>
-              <a:rPr lang="en-US" baseline="0" dirty="0" smtClean="0"/>
-              <a:t> router </a:t>
-            </a:r>
-            <a:r>
-              <a:rPr lang="en-US" baseline="0" dirty="0" err="1" smtClean="0"/>
-              <a:t>và</a:t>
-            </a:r>
-            <a:r>
-              <a:rPr lang="en-US" baseline="0" dirty="0" smtClean="0"/>
-              <a:t> </a:t>
-            </a:r>
             <a:endParaRPr lang="en-US" dirty="0"/>
           </a:p>
         </p:txBody>
@@ -1987,7 +1932,7 @@
             <a:fld id="{DFA466F2-9CED-4F1F-9613-11D467DD3EBF}" type="slidenum">
               <a:rPr lang="en-US" smtClean="0"/>
               <a:pPr/>
-              <a:t>39</a:t>
+              <a:t>38</a:t>
             </a:fld>
             <a:endParaRPr lang="en-US"/>
           </a:p>
@@ -1996,7 +1941,7 @@
     </p:spTree>
     <p:extLst>
       <p:ext uri="{BB962C8B-B14F-4D97-AF65-F5344CB8AC3E}">
-        <p14:creationId xmlns:p14="http://schemas.microsoft.com/office/powerpoint/2010/main" val="418663034"/>
+        <p14:creationId xmlns:p14="http://schemas.microsoft.com/office/powerpoint/2010/main" val="838945662"/>
       </p:ext>
     </p:extLst>
   </p:cSld>
@@ -2072,7 +2017,233 @@
             <a:fld id="{DFA466F2-9CED-4F1F-9613-11D467DD3EBF}" type="slidenum">
               <a:rPr lang="en-US" smtClean="0"/>
               <a:pPr/>
+              <a:t>39</a:t>
+            </a:fld>
+            <a:endParaRPr lang="en-US"/>
+          </a:p>
+        </p:txBody>
+      </p:sp>
+    </p:spTree>
+    <p:extLst>
+      <p:ext uri="{BB962C8B-B14F-4D97-AF65-F5344CB8AC3E}">
+        <p14:creationId xmlns:p14="http://schemas.microsoft.com/office/powerpoint/2010/main" val="3706648596"/>
+      </p:ext>
+    </p:extLst>
+  </p:cSld>
+  <p:clrMapOvr>
+    <a:masterClrMapping/>
+  </p:clrMapOvr>
+</p:notes>
+</file>
+
+<file path=ppt/notesSlides/notesSlide18.xml><?xml version="1.0" encoding="utf-8"?>
+<p:notes xmlns:a="http://schemas.openxmlformats.org/drawingml/2006/main" xmlns:r="http://schemas.openxmlformats.org/officeDocument/2006/relationships" xmlns:p="http://schemas.openxmlformats.org/presentationml/2006/main">
+  <p:cSld>
+    <p:spTree>
+      <p:nvGrpSpPr>
+        <p:cNvPr id="1" name=""/>
+        <p:cNvGrpSpPr/>
+        <p:nvPr/>
+      </p:nvGrpSpPr>
+      <p:grpSpPr>
+        <a:xfrm>
+          <a:off x="0" y="0"/>
+          <a:ext cx="0" cy="0"/>
+          <a:chOff x="0" y="0"/>
+          <a:chExt cx="0" cy="0"/>
+        </a:xfrm>
+      </p:grpSpPr>
+      <p:sp>
+        <p:nvSpPr>
+          <p:cNvPr id="2" name="Slide Image Placeholder 1"/>
+          <p:cNvSpPr>
+            <a:spLocks noGrp="1" noRot="1" noChangeAspect="1"/>
+          </p:cNvSpPr>
+          <p:nvPr>
+            <p:ph type="sldImg"/>
+          </p:nvPr>
+        </p:nvSpPr>
+        <p:spPr/>
+      </p:sp>
+      <p:sp>
+        <p:nvSpPr>
+          <p:cNvPr id="3" name="Notes Placeholder 2"/>
+          <p:cNvSpPr>
+            <a:spLocks noGrp="1"/>
+          </p:cNvSpPr>
+          <p:nvPr>
+            <p:ph type="body" idx="1"/>
+          </p:nvPr>
+        </p:nvSpPr>
+        <p:spPr/>
+        <p:txBody>
+          <a:bodyPr/>
+          <a:lstStyle/>
+          <a:p>
+            <a:r>
+              <a:rPr lang="en-US" dirty="0" err="1" smtClean="0"/>
+              <a:t>Tạo</a:t>
+            </a:r>
+            <a:r>
+              <a:rPr lang="en-US" baseline="0" dirty="0" smtClean="0"/>
+              <a:t> </a:t>
+            </a:r>
+            <a:r>
+              <a:rPr lang="en-US" baseline="0" dirty="0" err="1" smtClean="0"/>
+              <a:t>một</a:t>
+            </a:r>
+            <a:r>
+              <a:rPr lang="en-US" baseline="0" dirty="0" smtClean="0"/>
+              <a:t> </a:t>
+            </a:r>
+            <a:r>
+              <a:rPr lang="en-US" baseline="0" dirty="0" err="1" smtClean="0"/>
+              <a:t>cây</a:t>
+            </a:r>
+            <a:r>
+              <a:rPr lang="en-US" baseline="0" dirty="0" smtClean="0"/>
+              <a:t> component </a:t>
+            </a:r>
+            <a:r>
+              <a:rPr lang="en-US" baseline="0" dirty="0" err="1" smtClean="0"/>
+              <a:t>với</a:t>
+            </a:r>
+            <a:r>
+              <a:rPr lang="en-US" baseline="0" dirty="0" smtClean="0"/>
+              <a:t> root </a:t>
+            </a:r>
+            <a:r>
+              <a:rPr lang="en-US" baseline="0" dirty="0" err="1" smtClean="0"/>
+              <a:t>là</a:t>
+            </a:r>
+            <a:r>
+              <a:rPr lang="en-US" baseline="0" dirty="0" smtClean="0"/>
+              <a:t> </a:t>
+            </a:r>
+            <a:r>
+              <a:rPr lang="en-US" baseline="0" dirty="0" err="1" smtClean="0"/>
+              <a:t>một</a:t>
+            </a:r>
+            <a:r>
+              <a:rPr lang="en-US" baseline="0" dirty="0" smtClean="0"/>
+              <a:t> router </a:t>
+            </a:r>
+            <a:r>
+              <a:rPr lang="en-US" baseline="0" dirty="0" err="1" smtClean="0"/>
+              <a:t>và</a:t>
+            </a:r>
+            <a:r>
+              <a:rPr lang="en-US" baseline="0" dirty="0" smtClean="0"/>
+              <a:t> </a:t>
+            </a:r>
+            <a:endParaRPr lang="en-US" dirty="0"/>
+          </a:p>
+        </p:txBody>
+      </p:sp>
+      <p:sp>
+        <p:nvSpPr>
+          <p:cNvPr id="4" name="Slide Number Placeholder 3"/>
+          <p:cNvSpPr>
+            <a:spLocks noGrp="1"/>
+          </p:cNvSpPr>
+          <p:nvPr>
+            <p:ph type="sldNum" sz="quarter" idx="10"/>
+          </p:nvPr>
+        </p:nvSpPr>
+        <p:spPr/>
+        <p:txBody>
+          <a:bodyPr/>
+          <a:lstStyle/>
+          <a:p>
+            <a:fld id="{DFA466F2-9CED-4F1F-9613-11D467DD3EBF}" type="slidenum">
+              <a:rPr lang="en-US" smtClean="0"/>
+              <a:pPr/>
               <a:t>40</a:t>
+            </a:fld>
+            <a:endParaRPr lang="en-US"/>
+          </a:p>
+        </p:txBody>
+      </p:sp>
+    </p:spTree>
+    <p:extLst>
+      <p:ext uri="{BB962C8B-B14F-4D97-AF65-F5344CB8AC3E}">
+        <p14:creationId xmlns:p14="http://schemas.microsoft.com/office/powerpoint/2010/main" val="418663034"/>
+      </p:ext>
+    </p:extLst>
+  </p:cSld>
+  <p:clrMapOvr>
+    <a:masterClrMapping/>
+  </p:clrMapOvr>
+</p:notes>
+</file>
+
+<file path=ppt/notesSlides/notesSlide19.xml><?xml version="1.0" encoding="utf-8"?>
+<p:notes xmlns:a="http://schemas.openxmlformats.org/drawingml/2006/main" xmlns:r="http://schemas.openxmlformats.org/officeDocument/2006/relationships" xmlns:p="http://schemas.openxmlformats.org/presentationml/2006/main">
+  <p:cSld>
+    <p:spTree>
+      <p:nvGrpSpPr>
+        <p:cNvPr id="1" name=""/>
+        <p:cNvGrpSpPr/>
+        <p:nvPr/>
+      </p:nvGrpSpPr>
+      <p:grpSpPr>
+        <a:xfrm>
+          <a:off x="0" y="0"/>
+          <a:ext cx="0" cy="0"/>
+          <a:chOff x="0" y="0"/>
+          <a:chExt cx="0" cy="0"/>
+        </a:xfrm>
+      </p:grpSpPr>
+      <p:sp>
+        <p:nvSpPr>
+          <p:cNvPr id="2" name="Slide Image Placeholder 1"/>
+          <p:cNvSpPr>
+            <a:spLocks noGrp="1" noRot="1" noChangeAspect="1"/>
+          </p:cNvSpPr>
+          <p:nvPr>
+            <p:ph type="sldImg"/>
+          </p:nvPr>
+        </p:nvSpPr>
+        <p:spPr/>
+      </p:sp>
+      <p:sp>
+        <p:nvSpPr>
+          <p:cNvPr id="3" name="Notes Placeholder 2"/>
+          <p:cNvSpPr>
+            <a:spLocks noGrp="1"/>
+          </p:cNvSpPr>
+          <p:nvPr>
+            <p:ph type="body" idx="1"/>
+          </p:nvPr>
+        </p:nvSpPr>
+        <p:spPr/>
+        <p:txBody>
+          <a:bodyPr/>
+          <a:lstStyle/>
+          <a:p>
+            <a:endParaRPr lang="en-US" dirty="0"/>
+          </a:p>
+        </p:txBody>
+      </p:sp>
+      <p:sp>
+        <p:nvSpPr>
+          <p:cNvPr id="4" name="Slide Number Placeholder 3"/>
+          <p:cNvSpPr>
+            <a:spLocks noGrp="1"/>
+          </p:cNvSpPr>
+          <p:nvPr>
+            <p:ph type="sldNum" sz="quarter" idx="10"/>
+          </p:nvPr>
+        </p:nvSpPr>
+        <p:spPr/>
+        <p:txBody>
+          <a:bodyPr/>
+          <a:lstStyle/>
+          <a:p>
+            <a:fld id="{DFA466F2-9CED-4F1F-9613-11D467DD3EBF}" type="slidenum">
+              <a:rPr lang="en-US" smtClean="0"/>
+              <a:pPr/>
+              <a:t>41</a:t>
             </a:fld>
             <a:endParaRPr lang="en-US"/>
           </a:p>
@@ -2563,15 +2734,23 @@
           <a:p>
             <a:r>
               <a:rPr lang="en-US" dirty="0" err="1" smtClean="0"/>
-              <a:t>Sử</a:t>
+              <a:t>Rắc</a:t>
+            </a:r>
+            <a:r>
+              <a:rPr lang="en-US" dirty="0" smtClean="0"/>
+              <a:t> </a:t>
+            </a:r>
+            <a:r>
+              <a:rPr lang="en-US" dirty="0" err="1" smtClean="0"/>
+              <a:t>rối</a:t>
             </a:r>
             <a:r>
               <a:rPr lang="en-US" baseline="0" dirty="0" smtClean="0"/>
-              <a:t> </a:t>
+              <a:t> ở </a:t>
             </a:r>
             <a:r>
               <a:rPr lang="en-US" baseline="0" dirty="0" err="1" smtClean="0"/>
-              <a:t>dụng</a:t>
+              <a:t>chổ</a:t>
             </a:r>
             <a:r>
               <a:rPr lang="en-US" baseline="0" dirty="0" smtClean="0"/>
@@ -2579,7 +2758,7 @@
             </a:r>
             <a:r>
               <a:rPr lang="en-US" baseline="0" dirty="0" err="1" smtClean="0"/>
-              <a:t>browserify</a:t>
+              <a:t>khi</a:t>
             </a:r>
             <a:r>
               <a:rPr lang="en-US" baseline="0" dirty="0" smtClean="0"/>
@@ -2587,150 +2766,15 @@
             </a:r>
             <a:r>
               <a:rPr lang="en-US" baseline="0" dirty="0" err="1" smtClean="0"/>
-              <a:t>để</a:t>
+              <a:t>số</a:t>
             </a:r>
             <a:r>
               <a:rPr lang="en-US" baseline="0" dirty="0" smtClean="0"/>
-              <a:t> chia </a:t>
+              <a:t> </a:t>
             </a:r>
             <a:r>
               <a:rPr lang="en-US" baseline="0" dirty="0" err="1" smtClean="0"/>
-              <a:t>nhỏ</a:t>
-            </a:r>
-            <a:r>
-              <a:rPr lang="en-US" baseline="0" dirty="0" smtClean="0"/>
-              <a:t> source code </a:t>
-            </a:r>
-            <a:r>
-              <a:rPr lang="en-US" baseline="0" dirty="0" err="1" smtClean="0"/>
-              <a:t>thành</a:t>
-            </a:r>
-            <a:r>
-              <a:rPr lang="en-US" baseline="0" dirty="0" smtClean="0"/>
-              <a:t> </a:t>
-            </a:r>
-            <a:r>
-              <a:rPr lang="en-US" baseline="0" dirty="0" err="1" smtClean="0"/>
-              <a:t>nhiều</a:t>
-            </a:r>
-            <a:r>
-              <a:rPr lang="en-US" baseline="0" dirty="0" smtClean="0"/>
-              <a:t> file </a:t>
-            </a:r>
-            <a:r>
-              <a:rPr lang="en-US" baseline="0" dirty="0" err="1" smtClean="0"/>
-              <a:t>js</a:t>
-            </a:r>
-            <a:r>
-              <a:rPr lang="en-US" baseline="0" dirty="0" smtClean="0"/>
-              <a:t> </a:t>
-            </a:r>
-            <a:r>
-              <a:rPr lang="en-US" baseline="0" dirty="0" err="1" smtClean="0"/>
-              <a:t>và</a:t>
-            </a:r>
-            <a:r>
-              <a:rPr lang="en-US" baseline="0" dirty="0" smtClean="0"/>
-              <a:t> </a:t>
-            </a:r>
-            <a:r>
-              <a:rPr lang="en-US" baseline="0" dirty="0" err="1" smtClean="0"/>
-              <a:t>để</a:t>
-            </a:r>
-            <a:r>
-              <a:rPr lang="en-US" baseline="0" dirty="0" smtClean="0"/>
-              <a:t> </a:t>
-            </a:r>
-            <a:r>
-              <a:rPr lang="en-US" baseline="0" dirty="0" err="1" smtClean="0"/>
-              <a:t>trong</a:t>
-            </a:r>
-            <a:r>
-              <a:rPr lang="en-US" baseline="0" dirty="0" smtClean="0"/>
-              <a:t> </a:t>
-            </a:r>
-            <a:r>
-              <a:rPr lang="en-US" baseline="0" dirty="0" err="1" smtClean="0"/>
-              <a:t>những</a:t>
-            </a:r>
-            <a:r>
-              <a:rPr lang="en-US" baseline="0" dirty="0" smtClean="0"/>
-              <a:t> </a:t>
-            </a:r>
-            <a:r>
-              <a:rPr lang="en-US" baseline="0" dirty="0" err="1" smtClean="0"/>
-              <a:t>thư</a:t>
-            </a:r>
-            <a:r>
-              <a:rPr lang="en-US" baseline="0" dirty="0" smtClean="0"/>
-              <a:t> </a:t>
-            </a:r>
-            <a:r>
-              <a:rPr lang="en-US" baseline="0" dirty="0" err="1" smtClean="0"/>
-              <a:t>mục</a:t>
-            </a:r>
-            <a:r>
-              <a:rPr lang="en-US" baseline="0" dirty="0" smtClean="0"/>
-              <a:t> </a:t>
-            </a:r>
-            <a:r>
-              <a:rPr lang="en-US" baseline="0" dirty="0" err="1" smtClean="0"/>
-              <a:t>khác</a:t>
-            </a:r>
-            <a:r>
-              <a:rPr lang="en-US" baseline="0" dirty="0" smtClean="0"/>
-              <a:t> </a:t>
-            </a:r>
-            <a:r>
-              <a:rPr lang="en-US" baseline="0" dirty="0" err="1" smtClean="0"/>
-              <a:t>nhau</a:t>
-            </a:r>
-            <a:endParaRPr lang="en-US" baseline="0" dirty="0" smtClean="0"/>
-          </a:p>
-          <a:p>
-            <a:r>
-              <a:rPr lang="en-US" dirty="0" err="1" smtClean="0"/>
-              <a:t>Sử</a:t>
-            </a:r>
-            <a:r>
-              <a:rPr lang="en-US" baseline="0" dirty="0" smtClean="0"/>
-              <a:t> </a:t>
-            </a:r>
-            <a:r>
-              <a:rPr lang="en-US" baseline="0" dirty="0" err="1" smtClean="0"/>
-              <a:t>dụng</a:t>
-            </a:r>
-            <a:r>
-              <a:rPr lang="en-US" baseline="0" dirty="0" smtClean="0"/>
-              <a:t> require </a:t>
-            </a:r>
-            <a:r>
-              <a:rPr lang="en-US" baseline="0" dirty="0" err="1" smtClean="0"/>
-              <a:t>không</a:t>
-            </a:r>
-            <a:r>
-              <a:rPr lang="en-US" baseline="0" dirty="0" smtClean="0"/>
-              <a:t> </a:t>
-            </a:r>
-            <a:r>
-              <a:rPr lang="en-US" baseline="0" dirty="0" err="1" smtClean="0"/>
-              <a:t>ảnh</a:t>
-            </a:r>
-            <a:r>
-              <a:rPr lang="en-US" baseline="0" dirty="0" smtClean="0"/>
-              <a:t> </a:t>
-            </a:r>
-            <a:r>
-              <a:rPr lang="en-US" baseline="0" dirty="0" err="1" smtClean="0"/>
-              <a:t>hưởng</a:t>
-            </a:r>
-            <a:r>
-              <a:rPr lang="en-US" baseline="0" dirty="0" smtClean="0"/>
-              <a:t> </a:t>
-            </a:r>
-            <a:r>
-              <a:rPr lang="en-US" baseline="0" dirty="0" err="1" smtClean="0"/>
-              <a:t>đén</a:t>
+              <a:t>lượng</a:t>
             </a:r>
             <a:r>
               <a:rPr lang="en-US" baseline="0" dirty="0" smtClean="0"/>
@@ -2742,19 +2786,19 @@
             </a:r>
             <a:r>
               <a:rPr lang="en-US" baseline="0" dirty="0" smtClean="0"/>
-              <a:t> </a:t>
+              <a:t> module </a:t>
             </a:r>
             <a:r>
               <a:rPr lang="en-US" baseline="0" dirty="0" err="1" smtClean="0"/>
-              <a:t>biên</a:t>
+              <a:t>ngày</a:t>
             </a:r>
             <a:r>
               <a:rPr lang="en-US" baseline="0" dirty="0" smtClean="0"/>
-              <a:t> global </a:t>
+              <a:t> </a:t>
             </a:r>
             <a:r>
               <a:rPr lang="en-US" baseline="0" dirty="0" err="1" smtClean="0"/>
-              <a:t>scop</a:t>
+              <a:t>càng</a:t>
             </a:r>
             <a:r>
               <a:rPr lang="en-US" baseline="0" dirty="0" smtClean="0"/>
@@ -2762,7 +2806,7 @@
             </a:r>
             <a:r>
               <a:rPr lang="en-US" baseline="0" dirty="0" err="1" smtClean="0"/>
-              <a:t>mà</a:t>
+              <a:t>nhìu</a:t>
             </a:r>
             <a:r>
               <a:rPr lang="en-US" baseline="0" dirty="0" smtClean="0"/>
@@ -2770,7 +2814,7 @@
             </a:r>
             <a:r>
               <a:rPr lang="en-US" baseline="0" dirty="0" err="1" smtClean="0"/>
-              <a:t>chỉ</a:t>
+              <a:t>càng</a:t>
             </a:r>
             <a:r>
               <a:rPr lang="en-US" baseline="0" dirty="0" smtClean="0"/>
@@ -2778,7 +2822,7 @@
             </a:r>
             <a:r>
               <a:rPr lang="en-US" baseline="0" dirty="0" err="1" smtClean="0"/>
-              <a:t>có</a:t>
+              <a:t>khó</a:t>
             </a:r>
             <a:r>
               <a:rPr lang="en-US" baseline="0" dirty="0" smtClean="0"/>
@@ -2786,7 +2830,7 @@
             </a:r>
             <a:r>
               <a:rPr lang="en-US" baseline="0" dirty="0" err="1" smtClean="0"/>
-              <a:t>tác</a:t>
+              <a:t>quản</a:t>
             </a:r>
             <a:r>
               <a:rPr lang="en-US" baseline="0" dirty="0" smtClean="0"/>
@@ -2794,19 +2838,7 @@
             </a:r>
             <a:r>
               <a:rPr lang="en-US" baseline="0" dirty="0" err="1" smtClean="0"/>
-              <a:t>cụng</a:t>
-            </a:r>
-            <a:r>
-              <a:rPr lang="en-US" baseline="0" dirty="0" smtClean="0"/>
-              <a:t> </a:t>
-            </a:r>
-            <a:r>
-              <a:rPr lang="en-US" baseline="0" dirty="0" err="1" smtClean="0"/>
-              <a:t>trong</a:t>
-            </a:r>
-            <a:r>
-              <a:rPr lang="en-US" baseline="0" dirty="0" smtClean="0"/>
-              <a:t> module</a:t>
+              <a:t>lý</a:t>
             </a:r>
             <a:endParaRPr lang="en-US" dirty="0"/>
           </a:p>
@@ -2830,7 +2862,7 @@
             <a:fld id="{DFA466F2-9CED-4F1F-9613-11D467DD3EBF}" type="slidenum">
               <a:rPr lang="en-US" smtClean="0"/>
               <a:pPr/>
-              <a:t>9</a:t>
+              <a:t>8</a:t>
             </a:fld>
             <a:endParaRPr lang="en-US"/>
           </a:p>
@@ -2839,7 +2871,7 @@
     </p:spTree>
     <p:extLst>
       <p:ext uri="{BB962C8B-B14F-4D97-AF65-F5344CB8AC3E}">
-        <p14:creationId xmlns:p14="http://schemas.microsoft.com/office/powerpoint/2010/main" val="1625585020"/>
+        <p14:creationId xmlns:p14="http://schemas.microsoft.com/office/powerpoint/2010/main" val="2844112476"/>
       </p:ext>
     </p:extLst>
   </p:cSld>
@@ -2895,7 +2927,63 @@
           <a:p>
             <a:r>
               <a:rPr lang="en-US" dirty="0" err="1" smtClean="0"/>
-              <a:t>Grun</a:t>
+              <a:t>Sử</a:t>
+            </a:r>
+            <a:r>
+              <a:rPr lang="en-US" baseline="0" dirty="0" smtClean="0"/>
+              <a:t> </a:t>
+            </a:r>
+            <a:r>
+              <a:rPr lang="en-US" baseline="0" dirty="0" err="1" smtClean="0"/>
+              <a:t>dụng</a:t>
+            </a:r>
+            <a:r>
+              <a:rPr lang="en-US" baseline="0" dirty="0" smtClean="0"/>
+              <a:t> </a:t>
+            </a:r>
+            <a:r>
+              <a:rPr lang="en-US" baseline="0" dirty="0" err="1" smtClean="0"/>
+              <a:t>browserify</a:t>
+            </a:r>
+            <a:r>
+              <a:rPr lang="en-US" baseline="0" dirty="0" smtClean="0"/>
+              <a:t> </a:t>
+            </a:r>
+            <a:r>
+              <a:rPr lang="en-US" baseline="0" dirty="0" err="1" smtClean="0"/>
+              <a:t>để</a:t>
+            </a:r>
+            <a:r>
+              <a:rPr lang="en-US" baseline="0" dirty="0" smtClean="0"/>
+              <a:t> chia </a:t>
+            </a:r>
+            <a:r>
+              <a:rPr lang="en-US" baseline="0" dirty="0" err="1" smtClean="0"/>
+              <a:t>nhỏ</a:t>
+            </a:r>
+            <a:r>
+              <a:rPr lang="en-US" baseline="0" dirty="0" smtClean="0"/>
+              <a:t> source code </a:t>
+            </a:r>
+            <a:r>
+              <a:rPr lang="en-US" baseline="0" dirty="0" err="1" smtClean="0"/>
+              <a:t>thành</a:t>
+            </a:r>
+            <a:r>
+              <a:rPr lang="en-US" baseline="0" dirty="0" smtClean="0"/>
+              <a:t> </a:t>
+            </a:r>
+            <a:r>
+              <a:rPr lang="en-US" baseline="0" dirty="0" err="1" smtClean="0"/>
+              <a:t>nhiều</a:t>
+            </a:r>
+            <a:r>
+              <a:rPr lang="en-US" baseline="0" dirty="0" smtClean="0"/>
+              <a:t> file </a:t>
+            </a:r>
+            <a:r>
+              <a:rPr lang="en-US" baseline="0" dirty="0" err="1" smtClean="0"/>
+              <a:t>js</a:t>
             </a:r>
             <a:r>
               <a:rPr lang="en-US" baseline="0" dirty="0" smtClean="0"/>
@@ -2907,15 +2995,7 @@
             </a:r>
             <a:r>
               <a:rPr lang="en-US" baseline="0" dirty="0" smtClean="0"/>
-              <a:t> gulp </a:t>
-            </a:r>
-            <a:r>
-              <a:rPr lang="en-US" baseline="0" dirty="0" err="1" smtClean="0"/>
-              <a:t>là</a:t>
-            </a:r>
-            <a:r>
-              <a:rPr lang="en-US" baseline="0" dirty="0" smtClean="0"/>
-              <a:t> task runner </a:t>
+              <a:t> </a:t>
             </a:r>
             <a:r>
               <a:rPr lang="en-US" baseline="0" dirty="0" err="1" smtClean="0"/>
@@ -2923,11 +3003,11 @@
             </a:r>
             <a:r>
               <a:rPr lang="en-US" baseline="0" dirty="0" smtClean="0"/>
-              <a:t> build </a:t>
+              <a:t> </a:t>
             </a:r>
             <a:r>
               <a:rPr lang="en-US" baseline="0" dirty="0" err="1" smtClean="0"/>
-              <a:t>và</a:t>
+              <a:t>trong</a:t>
             </a:r>
             <a:r>
               <a:rPr lang="en-US" baseline="0" dirty="0" smtClean="0"/>
@@ -2935,7 +3015,86 @@
             </a:r>
             <a:r>
               <a:rPr lang="en-US" baseline="0" dirty="0" err="1" smtClean="0"/>
-              <a:t>chạy</a:t>
+              <a:t>những</a:t>
+            </a:r>
+            <a:r>
+              <a:rPr lang="en-US" baseline="0" dirty="0" smtClean="0"/>
+              <a:t> </a:t>
+            </a:r>
+            <a:r>
+              <a:rPr lang="en-US" baseline="0" dirty="0" err="1" smtClean="0"/>
+              <a:t>thư</a:t>
+            </a:r>
+            <a:r>
+              <a:rPr lang="en-US" baseline="0" dirty="0" smtClean="0"/>
+              <a:t> </a:t>
+            </a:r>
+            <a:r>
+              <a:rPr lang="en-US" baseline="0" dirty="0" err="1" smtClean="0"/>
+              <a:t>mục</a:t>
+            </a:r>
+            <a:r>
+              <a:rPr lang="en-US" baseline="0" dirty="0" smtClean="0"/>
+              <a:t> </a:t>
+            </a:r>
+            <a:r>
+              <a:rPr lang="en-US" baseline="0" dirty="0" err="1" smtClean="0"/>
+              <a:t>khác</a:t>
+            </a:r>
+            <a:r>
+              <a:rPr lang="en-US" baseline="0" dirty="0" smtClean="0"/>
+              <a:t> </a:t>
+            </a:r>
+            <a:r>
+              <a:rPr lang="en-US" baseline="0" dirty="0" err="1" smtClean="0"/>
+              <a:t>nhau</a:t>
+            </a:r>
+            <a:endParaRPr lang="en-US" baseline="0" dirty="0" smtClean="0"/>
+          </a:p>
+          <a:p>
+            <a:r>
+              <a:rPr lang="en-US" dirty="0" err="1" smtClean="0"/>
+              <a:t>Sử</a:t>
+            </a:r>
+            <a:r>
+              <a:rPr lang="en-US" baseline="0" dirty="0" smtClean="0"/>
+              <a:t> </a:t>
+            </a:r>
+            <a:r>
+              <a:rPr lang="en-US" baseline="0" dirty="0" err="1" smtClean="0"/>
+              <a:t>dụng</a:t>
+            </a:r>
+            <a:r>
+              <a:rPr lang="en-US" baseline="0" dirty="0" smtClean="0"/>
+              <a:t> require </a:t>
+            </a:r>
+            <a:r>
+              <a:rPr lang="en-US" baseline="0" dirty="0" err="1" smtClean="0"/>
+              <a:t>không</a:t>
+            </a:r>
+            <a:r>
+              <a:rPr lang="en-US" baseline="0" dirty="0" smtClean="0"/>
+              <a:t> </a:t>
+            </a:r>
+            <a:r>
+              <a:rPr lang="en-US" baseline="0" dirty="0" err="1" smtClean="0"/>
+              <a:t>ảnh</a:t>
+            </a:r>
+            <a:r>
+              <a:rPr lang="en-US" baseline="0" dirty="0" smtClean="0"/>
+              <a:t> </a:t>
+            </a:r>
+            <a:r>
+              <a:rPr lang="en-US" baseline="0" dirty="0" err="1" smtClean="0"/>
+              <a:t>hưởng</a:t>
+            </a:r>
+            <a:r>
+              <a:rPr lang="en-US" baseline="0" dirty="0" smtClean="0"/>
+              <a:t> </a:t>
+            </a:r>
+            <a:r>
+              <a:rPr lang="en-US" baseline="0" dirty="0" err="1" smtClean="0"/>
+              <a:t>đén</a:t>
             </a:r>
             <a:r>
               <a:rPr lang="en-US" baseline="0" dirty="0" smtClean="0"/>
@@ -2951,178 +3110,7 @@
             </a:r>
             <a:r>
               <a:rPr lang="en-US" baseline="0" dirty="0" err="1" smtClean="0"/>
-              <a:t>một</a:t>
-            </a:r>
-            <a:r>
-              <a:rPr lang="en-US" baseline="0" dirty="0" smtClean="0"/>
-              <a:t> </a:t>
-            </a:r>
-            <a:r>
-              <a:rPr lang="en-US" baseline="0" dirty="0" err="1" smtClean="0"/>
-              <a:t>số</a:t>
-            </a:r>
-            <a:r>
-              <a:rPr lang="en-US" baseline="0" dirty="0" smtClean="0"/>
-              <a:t> task </a:t>
-            </a:r>
-            <a:r>
-              <a:rPr lang="en-US" baseline="0" dirty="0" err="1" smtClean="0"/>
-              <a:t>cùng</a:t>
-            </a:r>
-            <a:r>
-              <a:rPr lang="en-US" baseline="0" dirty="0" smtClean="0"/>
-              <a:t> </a:t>
-            </a:r>
-            <a:r>
-              <a:rPr lang="en-US" baseline="0" dirty="0" err="1" smtClean="0"/>
-              <a:t>một</a:t>
-            </a:r>
-            <a:r>
-              <a:rPr lang="en-US" baseline="0" dirty="0" smtClean="0"/>
-              <a:t> </a:t>
-            </a:r>
-            <a:r>
-              <a:rPr lang="en-US" baseline="0" dirty="0" err="1" smtClean="0"/>
-              <a:t>lúc</a:t>
-            </a:r>
-            <a:r>
-              <a:rPr lang="en-US" baseline="0" dirty="0" smtClean="0"/>
-              <a:t> </a:t>
-            </a:r>
-            <a:r>
-              <a:rPr lang="en-US" baseline="0" dirty="0" err="1" smtClean="0"/>
-              <a:t>bằng</a:t>
-            </a:r>
-            <a:r>
-              <a:rPr lang="en-US" baseline="0" dirty="0" smtClean="0"/>
-              <a:t> </a:t>
-            </a:r>
-            <a:r>
-              <a:rPr lang="en-US" baseline="0" dirty="0" err="1" smtClean="0"/>
-              <a:t>ngôn</a:t>
-            </a:r>
-            <a:r>
-              <a:rPr lang="en-US" baseline="0" dirty="0" smtClean="0"/>
-              <a:t> </a:t>
-            </a:r>
-            <a:r>
-              <a:rPr lang="en-US" baseline="0" dirty="0" err="1" smtClean="0"/>
-              <a:t>ngữ</a:t>
-            </a:r>
-            <a:r>
-              <a:rPr lang="en-US" baseline="0" dirty="0" smtClean="0"/>
-              <a:t> </a:t>
-            </a:r>
-            <a:r>
-              <a:rPr lang="en-US" baseline="0" dirty="0" err="1" smtClean="0"/>
-              <a:t>javascript</a:t>
-            </a:r>
-            <a:r>
-              <a:rPr lang="en-US" baseline="0" dirty="0" smtClean="0"/>
-              <a:t> , </a:t>
-            </a:r>
-            <a:endParaRPr lang="en-US" baseline="0" dirty="0" smtClean="0"/>
-          </a:p>
-          <a:p>
-            <a:endParaRPr lang="en-US" baseline="0" dirty="0" smtClean="0"/>
-          </a:p>
-          <a:p>
-            <a:r>
-              <a:rPr lang="en-US" baseline="0" dirty="0" err="1" smtClean="0"/>
-              <a:t>Vidu</a:t>
-            </a:r>
-            <a:r>
-              <a:rPr lang="en-US" baseline="0" dirty="0" smtClean="0"/>
-              <a:t>: </a:t>
-            </a:r>
-            <a:r>
-              <a:rPr lang="en-US" baseline="0" dirty="0" err="1" smtClean="0"/>
-              <a:t>gọi</a:t>
-            </a:r>
-            <a:r>
-              <a:rPr lang="en-US" baseline="0" dirty="0" smtClean="0"/>
-              <a:t> task </a:t>
-            </a:r>
-            <a:endParaRPr lang="en-US" baseline="0" dirty="0" smtClean="0"/>
-          </a:p>
-          <a:p>
-            <a:r>
-              <a:rPr lang="en-US" baseline="0" dirty="0" err="1" smtClean="0"/>
-              <a:t>Cài</a:t>
-            </a:r>
-            <a:r>
-              <a:rPr lang="en-US" baseline="0" dirty="0" smtClean="0"/>
-              <a:t> </a:t>
-            </a:r>
-            <a:r>
-              <a:rPr lang="en-US" baseline="0" dirty="0" err="1" smtClean="0"/>
-              <a:t>đặt</a:t>
-            </a:r>
-            <a:r>
-              <a:rPr lang="en-US" baseline="0" dirty="0" smtClean="0"/>
-              <a:t> </a:t>
-            </a:r>
-            <a:r>
-              <a:rPr lang="en-US" baseline="0" dirty="0" err="1" smtClean="0"/>
-              <a:t>grun</a:t>
-            </a:r>
-            <a:r>
-              <a:rPr lang="en-US" baseline="0" dirty="0" smtClean="0"/>
-              <a:t> </a:t>
-            </a:r>
-            <a:r>
-              <a:rPr lang="en-US" baseline="0" dirty="0" err="1" smtClean="0"/>
-              <a:t>và</a:t>
-            </a:r>
-            <a:r>
-              <a:rPr lang="en-US" baseline="0" dirty="0" smtClean="0"/>
-              <a:t> </a:t>
-            </a:r>
-            <a:r>
-              <a:rPr lang="en-US" baseline="0" dirty="0" err="1" smtClean="0"/>
-              <a:t>grup</a:t>
-            </a:r>
-            <a:r>
-              <a:rPr lang="en-US" baseline="0" dirty="0" smtClean="0"/>
-              <a:t> </a:t>
-            </a:r>
-            <a:r>
-              <a:rPr lang="en-US" baseline="0" dirty="0" err="1" smtClean="0"/>
-              <a:t>thông</a:t>
-            </a:r>
-            <a:r>
-              <a:rPr lang="en-US" baseline="0" dirty="0" smtClean="0"/>
-              <a:t> qua </a:t>
-            </a:r>
-            <a:r>
-              <a:rPr lang="en-US" baseline="0" dirty="0" err="1" smtClean="0"/>
-              <a:t>npm</a:t>
-            </a:r>
-            <a:r>
-              <a:rPr lang="en-US" baseline="0" dirty="0" smtClean="0"/>
-              <a:t> </a:t>
-            </a:r>
-          </a:p>
-          <a:p>
-            <a:r>
-              <a:rPr lang="en-US" baseline="0" dirty="0" err="1" smtClean="0"/>
-              <a:t>Có</a:t>
-            </a:r>
-            <a:r>
-              <a:rPr lang="en-US" baseline="0" dirty="0" smtClean="0"/>
-              <a:t> </a:t>
-            </a:r>
-            <a:r>
-              <a:rPr lang="en-US" baseline="0" dirty="0" err="1" smtClean="0"/>
-              <a:t>thể</a:t>
-            </a:r>
-            <a:r>
-              <a:rPr lang="en-US" baseline="0" dirty="0" smtClean="0"/>
-              <a:t> </a:t>
-            </a:r>
-            <a:r>
-              <a:rPr lang="en-US" baseline="0" dirty="0" err="1" smtClean="0"/>
-              <a:t>cài</a:t>
+              <a:t>biên</a:t>
             </a:r>
             <a:r>
               <a:rPr lang="en-US" baseline="0" dirty="0" smtClean="0"/>
@@ -3130,7 +3118,7 @@
             </a:r>
             <a:r>
               <a:rPr lang="en-US" baseline="0" dirty="0" err="1" smtClean="0"/>
-              <a:t>để</a:t>
+              <a:t>scop</a:t>
             </a:r>
             <a:r>
               <a:rPr lang="en-US" baseline="0" dirty="0" smtClean="0"/>
@@ -3138,7 +3126,7 @@
             </a:r>
             <a:r>
               <a:rPr lang="en-US" baseline="0" dirty="0" err="1" smtClean="0"/>
-              <a:t>chạy</a:t>
+              <a:t>mà</a:t>
             </a:r>
             <a:r>
               <a:rPr lang="en-US" baseline="0" dirty="0" smtClean="0"/>
@@ -3146,7 +3134,7 @@
             </a:r>
             <a:r>
               <a:rPr lang="en-US" baseline="0" dirty="0" err="1" smtClean="0"/>
-              <a:t>trực</a:t>
+              <a:t>chỉ</a:t>
             </a:r>
             <a:r>
               <a:rPr lang="en-US" baseline="0" dirty="0" smtClean="0"/>
@@ -3154,7 +3142,7 @@
             </a:r>
             <a:r>
               <a:rPr lang="en-US" baseline="0" dirty="0" err="1" smtClean="0"/>
-              <a:t>tiếp</a:t>
+              <a:t>có</a:t>
             </a:r>
             <a:r>
               <a:rPr lang="en-US" baseline="0" dirty="0" smtClean="0"/>
@@ -3162,7 +3150,7 @@
             </a:r>
             <a:r>
               <a:rPr lang="en-US" baseline="0" dirty="0" err="1" smtClean="0"/>
-              <a:t>không</a:t>
+              <a:t>tác</a:t>
             </a:r>
             <a:r>
               <a:rPr lang="en-US" baseline="0" dirty="0" smtClean="0"/>
@@ -3170,23 +3158,20 @@
             </a:r>
             <a:r>
               <a:rPr lang="en-US" baseline="0" dirty="0" err="1" smtClean="0"/>
-              <a:t>thông</a:t>
+              <a:t>cụng</a:t>
             </a:r>
             <a:r>
               <a:rPr lang="en-US" baseline="0" dirty="0" smtClean="0"/>
-              <a:t> qua </a:t>
+              <a:t> </a:t>
             </a:r>
             <a:r>
               <a:rPr lang="en-US" baseline="0" dirty="0" err="1" smtClean="0"/>
-              <a:t>npm</a:t>
+              <a:t>trong</a:t>
             </a:r>
             <a:r>
               <a:rPr lang="en-US" baseline="0" dirty="0" smtClean="0"/>
-              <a:t> </a:t>
-            </a:r>
-            <a:endParaRPr lang="en-US" baseline="0" dirty="0" smtClean="0"/>
-          </a:p>
-          <a:p>
+              <a:t> module</a:t>
+            </a:r>
             <a:endParaRPr lang="en-US" dirty="0"/>
           </a:p>
         </p:txBody>
@@ -3209,7 +3194,7 @@
             <a:fld id="{DFA466F2-9CED-4F1F-9613-11D467DD3EBF}" type="slidenum">
               <a:rPr lang="en-US" smtClean="0"/>
               <a:pPr/>
-              <a:t>10</a:t>
+              <a:t>9</a:t>
             </a:fld>
             <a:endParaRPr lang="en-US"/>
           </a:p>
@@ -3218,7 +3203,7 @@
     </p:spTree>
     <p:extLst>
       <p:ext uri="{BB962C8B-B14F-4D97-AF65-F5344CB8AC3E}">
-        <p14:creationId xmlns:p14="http://schemas.microsoft.com/office/powerpoint/2010/main" val="3362712890"/>
+        <p14:creationId xmlns:p14="http://schemas.microsoft.com/office/powerpoint/2010/main" val="1625585020"/>
       </p:ext>
     </p:extLst>
   </p:cSld>
@@ -3274,15 +3259,19 @@
           <a:p>
             <a:r>
               <a:rPr lang="en-US" dirty="0" err="1" smtClean="0"/>
-              <a:t>Web</a:t>
+              <a:t>Grun</a:t>
+            </a:r>
+            <a:r>
+              <a:rPr lang="en-US" baseline="0" dirty="0" smtClean="0"/>
+              <a:t> </a:t>
             </a:r>
             <a:r>
               <a:rPr lang="en-US" baseline="0" dirty="0" err="1" smtClean="0"/>
-              <a:t>pack</a:t>
+              <a:t>và</a:t>
             </a:r>
             <a:r>
               <a:rPr lang="en-US" baseline="0" dirty="0" smtClean="0"/>
-              <a:t> </a:t>
+              <a:t> gulp </a:t>
             </a:r>
             <a:r>
               <a:rPr lang="en-US" baseline="0" dirty="0" err="1" smtClean="0"/>
@@ -3290,39 +3279,15 @@
             </a:r>
             <a:r>
               <a:rPr lang="en-US" baseline="0" dirty="0" smtClean="0"/>
-              <a:t> tool </a:t>
+              <a:t> task runner </a:t>
             </a:r>
             <a:r>
               <a:rPr lang="en-US" baseline="0" dirty="0" err="1" smtClean="0"/>
-              <a:t>mới</a:t>
+              <a:t>để</a:t>
             </a:r>
             <a:r>
               <a:rPr lang="en-US" baseline="0" dirty="0" smtClean="0"/>
-              <a:t> </a:t>
-            </a:r>
-            <a:r>
-              <a:rPr lang="en-US" baseline="0" dirty="0" err="1" smtClean="0"/>
-              <a:t>được</a:t>
-            </a:r>
-            <a:r>
-              <a:rPr lang="en-US" baseline="0" dirty="0" smtClean="0"/>
-              <a:t> </a:t>
-            </a:r>
-            <a:r>
-              <a:rPr lang="en-US" baseline="0" dirty="0" err="1" smtClean="0"/>
-              <a:t>phát</a:t>
-            </a:r>
-            <a:r>
-              <a:rPr lang="en-US" baseline="0" dirty="0" smtClean="0"/>
-              <a:t> </a:t>
-            </a:r>
-            <a:r>
-              <a:rPr lang="en-US" baseline="0" dirty="0" err="1" smtClean="0"/>
-              <a:t>triển</a:t>
-            </a:r>
-            <a:r>
-              <a:rPr lang="en-US" baseline="0" dirty="0" smtClean="0"/>
-              <a:t> </a:t>
+              <a:t> build </a:t>
             </a:r>
             <a:r>
               <a:rPr lang="en-US" baseline="0" dirty="0" err="1" smtClean="0"/>
@@ -3334,7 +3299,7 @@
             </a:r>
             <a:r>
               <a:rPr lang="en-US" baseline="0" dirty="0" err="1" smtClean="0"/>
-              <a:t>được</a:t>
+              <a:t>chạy</a:t>
             </a:r>
             <a:r>
               <a:rPr lang="en-US" baseline="0" dirty="0" smtClean="0"/>
@@ -3342,152 +3307,7 @@
             </a:r>
             <a:r>
               <a:rPr lang="en-US" baseline="0" dirty="0" err="1" smtClean="0"/>
-              <a:t>sử</a:t>
-            </a:r>
-            <a:r>
-              <a:rPr lang="en-US" baseline="0" dirty="0" smtClean="0"/>
-              <a:t> </a:t>
-            </a:r>
-            <a:r>
-              <a:rPr lang="en-US" baseline="0" dirty="0" err="1" smtClean="0"/>
-              <a:t>dụng</a:t>
-            </a:r>
-            <a:r>
-              <a:rPr lang="en-US" baseline="0" dirty="0" smtClean="0"/>
-              <a:t> </a:t>
-            </a:r>
-            <a:r>
-              <a:rPr lang="en-US" baseline="0" dirty="0" err="1" smtClean="0"/>
-              <a:t>rất</a:t>
-            </a:r>
-            <a:r>
-              <a:rPr lang="en-US" baseline="0" dirty="0" smtClean="0"/>
-              <a:t> </a:t>
-            </a:r>
-            <a:r>
-              <a:rPr lang="en-US" baseline="0" dirty="0" err="1" smtClean="0"/>
-              <a:t>phổ</a:t>
-            </a:r>
-            <a:r>
-              <a:rPr lang="en-US" baseline="0" dirty="0" smtClean="0"/>
-              <a:t> </a:t>
-            </a:r>
-            <a:r>
-              <a:rPr lang="en-US" baseline="0" dirty="0" err="1" smtClean="0"/>
-              <a:t>biến</a:t>
-            </a:r>
-            <a:r>
-              <a:rPr lang="en-US" baseline="0" dirty="0" smtClean="0"/>
-              <a:t> </a:t>
-            </a:r>
-            <a:r>
-              <a:rPr lang="en-US" baseline="0" dirty="0" err="1" smtClean="0"/>
-              <a:t>với</a:t>
-            </a:r>
-            <a:r>
-              <a:rPr lang="en-US" baseline="0" dirty="0" smtClean="0"/>
-              <a:t> </a:t>
-            </a:r>
-            <a:r>
-              <a:rPr lang="en-US" baseline="0" dirty="0" err="1" smtClean="0"/>
-              <a:t>nhiều</a:t>
-            </a:r>
-            <a:r>
-              <a:rPr lang="en-US" baseline="0" dirty="0" smtClean="0"/>
-              <a:t> </a:t>
-            </a:r>
-            <a:r>
-              <a:rPr lang="en-US" baseline="0" dirty="0" err="1" smtClean="0"/>
-              <a:t>tinsnh</a:t>
-            </a:r>
-            <a:r>
-              <a:rPr lang="en-US" baseline="0" dirty="0" smtClean="0"/>
-              <a:t> </a:t>
-            </a:r>
-            <a:r>
-              <a:rPr lang="en-US" baseline="0" dirty="0" err="1" smtClean="0"/>
-              <a:t>năng</a:t>
-            </a:r>
-            <a:r>
-              <a:rPr lang="en-US" baseline="0" dirty="0" smtClean="0"/>
-              <a:t> </a:t>
-            </a:r>
-            <a:r>
-              <a:rPr lang="en-US" baseline="0" dirty="0" err="1" smtClean="0"/>
-              <a:t>vược</a:t>
-            </a:r>
-            <a:r>
-              <a:rPr lang="en-US" baseline="0" dirty="0" smtClean="0"/>
-              <a:t> </a:t>
-            </a:r>
-            <a:r>
-              <a:rPr lang="en-US" baseline="0" dirty="0" err="1" smtClean="0"/>
-              <a:t>trội</a:t>
-            </a:r>
-            <a:r>
-              <a:rPr lang="en-US" baseline="0" dirty="0" smtClean="0"/>
-              <a:t> </a:t>
-            </a:r>
-            <a:r>
-              <a:rPr lang="en-US" baseline="0" dirty="0" err="1" smtClean="0"/>
-              <a:t>hơn</a:t>
-            </a:r>
-            <a:endParaRPr lang="en-US" baseline="0" dirty="0" smtClean="0"/>
-          </a:p>
-          <a:p>
-            <a:r>
-              <a:rPr lang="en-US" baseline="0" dirty="0" err="1" smtClean="0"/>
-              <a:t>Weback</a:t>
-            </a:r>
-            <a:r>
-              <a:rPr lang="en-US" baseline="0" dirty="0" smtClean="0"/>
-              <a:t> </a:t>
-            </a:r>
-            <a:r>
-              <a:rPr lang="en-US" baseline="0" dirty="0" err="1" smtClean="0"/>
-              <a:t>chuyên</a:t>
-            </a:r>
-            <a:r>
-              <a:rPr lang="en-US" baseline="0" dirty="0" smtClean="0"/>
-              <a:t> </a:t>
-            </a:r>
-            <a:r>
-              <a:rPr lang="en-US" baseline="0" dirty="0" err="1" smtClean="0"/>
-              <a:t>dụng</a:t>
-            </a:r>
-            <a:r>
-              <a:rPr lang="en-US" baseline="0" dirty="0" smtClean="0"/>
-              <a:t> </a:t>
-            </a:r>
-            <a:r>
-              <a:rPr lang="en-US" baseline="0" dirty="0" err="1" smtClean="0"/>
-              <a:t>cho</a:t>
-            </a:r>
-            <a:r>
-              <a:rPr lang="en-US" baseline="0" dirty="0" smtClean="0"/>
-              <a:t> compile </a:t>
-            </a:r>
-            <a:r>
-              <a:rPr lang="en-US" baseline="0" dirty="0" err="1" smtClean="0"/>
-              <a:t>budle</a:t>
-            </a:r>
-            <a:r>
-              <a:rPr lang="en-US" baseline="0" dirty="0" smtClean="0"/>
-              <a:t> modules </a:t>
-            </a:r>
-          </a:p>
-          <a:p>
-            <a:r>
-              <a:rPr lang="en-US" baseline="0" dirty="0" err="1" smtClean="0"/>
-              <a:t>Chỉ</a:t>
-            </a:r>
-            <a:r>
-              <a:rPr lang="en-US" baseline="0" dirty="0" smtClean="0"/>
-              <a:t> </a:t>
-            </a:r>
-            <a:r>
-              <a:rPr lang="en-US" baseline="0" dirty="0" err="1" smtClean="0"/>
-              <a:t>cần</a:t>
+              <a:t>các</a:t>
             </a:r>
             <a:r>
               <a:rPr lang="en-US" baseline="0" dirty="0" smtClean="0"/>
@@ -3503,15 +3323,15 @@
             </a:r>
             <a:r>
               <a:rPr lang="en-US" baseline="0" dirty="0" err="1" smtClean="0"/>
-              <a:t>vài</a:t>
+              <a:t>số</a:t>
             </a:r>
             <a:r>
               <a:rPr lang="en-US" baseline="0" dirty="0" smtClean="0"/>
-              <a:t> </a:t>
+              <a:t> task </a:t>
             </a:r>
             <a:r>
               <a:rPr lang="en-US" baseline="0" dirty="0" err="1" smtClean="0"/>
-              <a:t>config</a:t>
+              <a:t>cùng</a:t>
             </a:r>
             <a:r>
               <a:rPr lang="en-US" baseline="0" dirty="0" smtClean="0"/>
@@ -3519,7 +3339,7 @@
             </a:r>
             <a:r>
               <a:rPr lang="en-US" baseline="0" dirty="0" err="1" smtClean="0"/>
-              <a:t>đơn</a:t>
+              <a:t>một</a:t>
             </a:r>
             <a:r>
               <a:rPr lang="en-US" baseline="0" dirty="0" smtClean="0"/>
@@ -3527,7 +3347,7 @@
             </a:r>
             <a:r>
               <a:rPr lang="en-US" baseline="0" dirty="0" err="1" smtClean="0"/>
-              <a:t>giảng</a:t>
+              <a:t>lúc</a:t>
             </a:r>
             <a:r>
               <a:rPr lang="en-US" baseline="0" dirty="0" smtClean="0"/>
@@ -3535,7 +3355,7 @@
             </a:r>
             <a:r>
               <a:rPr lang="en-US" baseline="0" dirty="0" err="1" smtClean="0"/>
-              <a:t>sau</a:t>
+              <a:t>bằng</a:t>
             </a:r>
             <a:r>
               <a:rPr lang="en-US" baseline="0" dirty="0" smtClean="0"/>
@@ -3543,7 +3363,136 @@
             </a:r>
             <a:r>
               <a:rPr lang="en-US" baseline="0" dirty="0" err="1" smtClean="0"/>
-              <a:t>đó</a:t>
+              <a:t>ngôn</a:t>
+            </a:r>
+            <a:r>
+              <a:rPr lang="en-US" baseline="0" dirty="0" smtClean="0"/>
+              <a:t> </a:t>
+            </a:r>
+            <a:r>
+              <a:rPr lang="en-US" baseline="0" dirty="0" err="1" smtClean="0"/>
+              <a:t>ngữ</a:t>
+            </a:r>
+            <a:r>
+              <a:rPr lang="en-US" baseline="0" dirty="0" smtClean="0"/>
+              <a:t> </a:t>
+            </a:r>
+            <a:r>
+              <a:rPr lang="en-US" baseline="0" dirty="0" err="1" smtClean="0"/>
+              <a:t>javascript</a:t>
+            </a:r>
+            <a:r>
+              <a:rPr lang="en-US" baseline="0" dirty="0" smtClean="0"/>
+              <a:t> , </a:t>
+            </a:r>
+          </a:p>
+          <a:p>
+            <a:endParaRPr lang="en-US" baseline="0" dirty="0" smtClean="0"/>
+          </a:p>
+          <a:p>
+            <a:r>
+              <a:rPr lang="en-US" baseline="0" dirty="0" err="1" smtClean="0"/>
+              <a:t>Vidu</a:t>
+            </a:r>
+            <a:r>
+              <a:rPr lang="en-US" baseline="0" dirty="0" smtClean="0"/>
+              <a:t>: </a:t>
+            </a:r>
+            <a:r>
+              <a:rPr lang="en-US" baseline="0" dirty="0" err="1" smtClean="0"/>
+              <a:t>gọi</a:t>
+            </a:r>
+            <a:r>
+              <a:rPr lang="en-US" baseline="0" dirty="0" smtClean="0"/>
+              <a:t> task </a:t>
+            </a:r>
+          </a:p>
+          <a:p>
+            <a:r>
+              <a:rPr lang="en-US" baseline="0" dirty="0" err="1" smtClean="0"/>
+              <a:t>Cài</a:t>
+            </a:r>
+            <a:r>
+              <a:rPr lang="en-US" baseline="0" dirty="0" smtClean="0"/>
+              <a:t> </a:t>
+            </a:r>
+            <a:r>
+              <a:rPr lang="en-US" baseline="0" dirty="0" err="1" smtClean="0"/>
+              <a:t>đặt</a:t>
+            </a:r>
+            <a:r>
+              <a:rPr lang="en-US" baseline="0" dirty="0" smtClean="0"/>
+              <a:t> </a:t>
+            </a:r>
+            <a:r>
+              <a:rPr lang="en-US" baseline="0" dirty="0" err="1" smtClean="0"/>
+              <a:t>grun</a:t>
+            </a:r>
+            <a:r>
+              <a:rPr lang="en-US" baseline="0" dirty="0" smtClean="0"/>
+              <a:t> </a:t>
+            </a:r>
+            <a:r>
+              <a:rPr lang="en-US" baseline="0" dirty="0" err="1" smtClean="0"/>
+              <a:t>và</a:t>
+            </a:r>
+            <a:r>
+              <a:rPr lang="en-US" baseline="0" dirty="0" smtClean="0"/>
+              <a:t> </a:t>
+            </a:r>
+            <a:r>
+              <a:rPr lang="en-US" baseline="0" dirty="0" err="1" smtClean="0"/>
+              <a:t>grup</a:t>
+            </a:r>
+            <a:r>
+              <a:rPr lang="en-US" baseline="0" dirty="0" smtClean="0"/>
+              <a:t> </a:t>
+            </a:r>
+            <a:r>
+              <a:rPr lang="en-US" baseline="0" dirty="0" err="1" smtClean="0"/>
+              <a:t>thông</a:t>
+            </a:r>
+            <a:r>
+              <a:rPr lang="en-US" baseline="0" dirty="0" smtClean="0"/>
+              <a:t> qua </a:t>
+            </a:r>
+            <a:r>
+              <a:rPr lang="en-US" baseline="0" dirty="0" err="1" smtClean="0"/>
+              <a:t>npm</a:t>
+            </a:r>
+            <a:r>
+              <a:rPr lang="en-US" baseline="0" dirty="0" smtClean="0"/>
+              <a:t> </a:t>
+            </a:r>
+          </a:p>
+          <a:p>
+            <a:r>
+              <a:rPr lang="en-US" baseline="0" dirty="0" err="1" smtClean="0"/>
+              <a:t>Có</a:t>
+            </a:r>
+            <a:r>
+              <a:rPr lang="en-US" baseline="0" dirty="0" smtClean="0"/>
+              <a:t> </a:t>
+            </a:r>
+            <a:r>
+              <a:rPr lang="en-US" baseline="0" dirty="0" err="1" smtClean="0"/>
+              <a:t>thể</a:t>
+            </a:r>
+            <a:r>
+              <a:rPr lang="en-US" baseline="0" dirty="0" smtClean="0"/>
+              <a:t> </a:t>
+            </a:r>
+            <a:r>
+              <a:rPr lang="en-US" baseline="0" dirty="0" err="1" smtClean="0"/>
+              <a:t>cài</a:t>
+            </a:r>
+            <a:r>
+              <a:rPr lang="en-US" baseline="0" dirty="0" smtClean="0"/>
+              <a:t> global </a:t>
+            </a:r>
+            <a:r>
+              <a:rPr lang="en-US" baseline="0" dirty="0" err="1" smtClean="0"/>
+              <a:t>để</a:t>
             </a:r>
             <a:r>
               <a:rPr lang="en-US" baseline="0" dirty="0" smtClean="0"/>
@@ -3559,7 +3508,7 @@
             </a:r>
             <a:r>
               <a:rPr lang="en-US" baseline="0" dirty="0" err="1" smtClean="0"/>
-              <a:t>lệnh</a:t>
+              <a:t>trực</a:t>
             </a:r>
             <a:r>
               <a:rPr lang="en-US" baseline="0" dirty="0" smtClean="0"/>
@@ -3567,12 +3516,38 @@
             </a:r>
             <a:r>
               <a:rPr lang="en-US" baseline="0" dirty="0" err="1" smtClean="0"/>
-              <a:t>webpack</a:t>
+              <a:t>tiếp</a:t>
             </a:r>
             <a:r>
               <a:rPr lang="en-US" baseline="0" dirty="0" smtClean="0"/>
               <a:t> </a:t>
             </a:r>
+            <a:r>
+              <a:rPr lang="en-US" baseline="0" dirty="0" err="1" smtClean="0"/>
+              <a:t>không</a:t>
+            </a:r>
+            <a:r>
+              <a:rPr lang="en-US" baseline="0" dirty="0" smtClean="0"/>
+              <a:t> </a:t>
+            </a:r>
+            <a:r>
+              <a:rPr lang="en-US" baseline="0" dirty="0" err="1" smtClean="0"/>
+              <a:t>thông</a:t>
+            </a:r>
+            <a:r>
+              <a:rPr lang="en-US" baseline="0" dirty="0" smtClean="0"/>
+              <a:t> qua </a:t>
+            </a:r>
+            <a:r>
+              <a:rPr lang="en-US" baseline="0" dirty="0" err="1" smtClean="0"/>
+              <a:t>npm</a:t>
+            </a:r>
+            <a:r>
+              <a:rPr lang="en-US" baseline="0" dirty="0" smtClean="0"/>
+              <a:t> </a:t>
+            </a:r>
+          </a:p>
+          <a:p>
             <a:endParaRPr lang="en-US" dirty="0"/>
           </a:p>
         </p:txBody>
@@ -3595,7 +3570,7 @@
             <a:fld id="{DFA466F2-9CED-4F1F-9613-11D467DD3EBF}" type="slidenum">
               <a:rPr lang="en-US" smtClean="0"/>
               <a:pPr/>
-              <a:t>11</a:t>
+              <a:t>10</a:t>
             </a:fld>
             <a:endParaRPr lang="en-US"/>
           </a:p>
@@ -3604,7 +3579,7 @@
     </p:spTree>
     <p:extLst>
       <p:ext uri="{BB962C8B-B14F-4D97-AF65-F5344CB8AC3E}">
-        <p14:creationId xmlns:p14="http://schemas.microsoft.com/office/powerpoint/2010/main" val="408082675"/>
+        <p14:creationId xmlns:p14="http://schemas.microsoft.com/office/powerpoint/2010/main" val="3362712890"/>
       </p:ext>
     </p:extLst>
   </p:cSld>
@@ -3659,8 +3634,12 @@
           <a:lstStyle/>
           <a:p>
             <a:r>
-              <a:rPr lang="en-US" dirty="0" smtClean="0"/>
-              <a:t>Babel</a:t>
+              <a:rPr lang="en-US" dirty="0" err="1" smtClean="0"/>
+              <a:t>Web</a:t>
+            </a:r>
+            <a:r>
+              <a:rPr lang="en-US" baseline="0" dirty="0" err="1" smtClean="0"/>
+              <a:t>pack</a:t>
             </a:r>
             <a:r>
               <a:rPr lang="en-US" baseline="0" dirty="0" smtClean="0"/>
@@ -3672,6 +3651,207 @@
             </a:r>
             <a:r>
               <a:rPr lang="en-US" baseline="0" dirty="0" smtClean="0"/>
+              <a:t> tool </a:t>
+            </a:r>
+            <a:r>
+              <a:rPr lang="en-US" baseline="0" dirty="0" err="1" smtClean="0"/>
+              <a:t>mới</a:t>
+            </a:r>
+            <a:r>
+              <a:rPr lang="en-US" baseline="0" dirty="0" smtClean="0"/>
+              <a:t> </a:t>
+            </a:r>
+            <a:r>
+              <a:rPr lang="en-US" baseline="0" dirty="0" err="1" smtClean="0"/>
+              <a:t>được</a:t>
+            </a:r>
+            <a:r>
+              <a:rPr lang="en-US" baseline="0" dirty="0" smtClean="0"/>
+              <a:t> </a:t>
+            </a:r>
+            <a:r>
+              <a:rPr lang="en-US" baseline="0" dirty="0" err="1" smtClean="0"/>
+              <a:t>phát</a:t>
+            </a:r>
+            <a:r>
+              <a:rPr lang="en-US" baseline="0" dirty="0" smtClean="0"/>
+              <a:t> </a:t>
+            </a:r>
+            <a:r>
+              <a:rPr lang="en-US" baseline="0" dirty="0" err="1" smtClean="0"/>
+              <a:t>triển</a:t>
+            </a:r>
+            <a:r>
+              <a:rPr lang="en-US" baseline="0" dirty="0" smtClean="0"/>
+              <a:t> </a:t>
+            </a:r>
+            <a:r>
+              <a:rPr lang="en-US" baseline="0" dirty="0" err="1" smtClean="0"/>
+              <a:t>và</a:t>
+            </a:r>
+            <a:r>
+              <a:rPr lang="en-US" baseline="0" dirty="0" smtClean="0"/>
+              <a:t> </a:t>
+            </a:r>
+            <a:r>
+              <a:rPr lang="en-US" baseline="0" dirty="0" err="1" smtClean="0"/>
+              <a:t>được</a:t>
+            </a:r>
+            <a:r>
+              <a:rPr lang="en-US" baseline="0" dirty="0" smtClean="0"/>
+              <a:t> </a:t>
+            </a:r>
+            <a:r>
+              <a:rPr lang="en-US" baseline="0" dirty="0" err="1" smtClean="0"/>
+              <a:t>sử</a:t>
+            </a:r>
+            <a:r>
+              <a:rPr lang="en-US" baseline="0" dirty="0" smtClean="0"/>
+              <a:t> </a:t>
+            </a:r>
+            <a:r>
+              <a:rPr lang="en-US" baseline="0" dirty="0" err="1" smtClean="0"/>
+              <a:t>dụng</a:t>
+            </a:r>
+            <a:r>
+              <a:rPr lang="en-US" baseline="0" dirty="0" smtClean="0"/>
+              <a:t> </a:t>
+            </a:r>
+            <a:r>
+              <a:rPr lang="en-US" baseline="0" dirty="0" err="1" smtClean="0"/>
+              <a:t>rất</a:t>
+            </a:r>
+            <a:r>
+              <a:rPr lang="en-US" baseline="0" dirty="0" smtClean="0"/>
+              <a:t> </a:t>
+            </a:r>
+            <a:r>
+              <a:rPr lang="en-US" baseline="0" dirty="0" err="1" smtClean="0"/>
+              <a:t>phổ</a:t>
+            </a:r>
+            <a:r>
+              <a:rPr lang="en-US" baseline="0" dirty="0" smtClean="0"/>
+              <a:t> </a:t>
+            </a:r>
+            <a:r>
+              <a:rPr lang="en-US" baseline="0" dirty="0" err="1" smtClean="0"/>
+              <a:t>biến</a:t>
+            </a:r>
+            <a:r>
+              <a:rPr lang="en-US" baseline="0" dirty="0" smtClean="0"/>
+              <a:t> </a:t>
+            </a:r>
+            <a:r>
+              <a:rPr lang="en-US" baseline="0" dirty="0" err="1" smtClean="0"/>
+              <a:t>với</a:t>
+            </a:r>
+            <a:r>
+              <a:rPr lang="en-US" baseline="0" dirty="0" smtClean="0"/>
+              <a:t> </a:t>
+            </a:r>
+            <a:r>
+              <a:rPr lang="en-US" baseline="0" dirty="0" err="1" smtClean="0"/>
+              <a:t>nhiều</a:t>
+            </a:r>
+            <a:r>
+              <a:rPr lang="en-US" baseline="0" dirty="0" smtClean="0"/>
+              <a:t> </a:t>
+            </a:r>
+            <a:r>
+              <a:rPr lang="en-US" baseline="0" dirty="0" err="1" smtClean="0"/>
+              <a:t>tinsnh</a:t>
+            </a:r>
+            <a:r>
+              <a:rPr lang="en-US" baseline="0" dirty="0" smtClean="0"/>
+              <a:t> </a:t>
+            </a:r>
+            <a:r>
+              <a:rPr lang="en-US" baseline="0" dirty="0" err="1" smtClean="0"/>
+              <a:t>năng</a:t>
+            </a:r>
+            <a:r>
+              <a:rPr lang="en-US" baseline="0" dirty="0" smtClean="0"/>
+              <a:t> </a:t>
+            </a:r>
+            <a:r>
+              <a:rPr lang="en-US" baseline="0" dirty="0" err="1" smtClean="0"/>
+              <a:t>vược</a:t>
+            </a:r>
+            <a:r>
+              <a:rPr lang="en-US" baseline="0" dirty="0" smtClean="0"/>
+              <a:t> </a:t>
+            </a:r>
+            <a:r>
+              <a:rPr lang="en-US" baseline="0" dirty="0" err="1" smtClean="0"/>
+              <a:t>trội</a:t>
+            </a:r>
+            <a:r>
+              <a:rPr lang="en-US" baseline="0" dirty="0" smtClean="0"/>
+              <a:t> </a:t>
+            </a:r>
+            <a:r>
+              <a:rPr lang="en-US" baseline="0" dirty="0" err="1" smtClean="0"/>
+              <a:t>hơn</a:t>
+            </a:r>
+            <a:endParaRPr lang="en-US" baseline="0" dirty="0" smtClean="0"/>
+          </a:p>
+          <a:p>
+            <a:r>
+              <a:rPr lang="en-US" baseline="0" dirty="0" err="1" smtClean="0"/>
+              <a:t>Weback</a:t>
+            </a:r>
+            <a:r>
+              <a:rPr lang="en-US" baseline="0" dirty="0" smtClean="0"/>
+              <a:t> </a:t>
+            </a:r>
+            <a:r>
+              <a:rPr lang="en-US" baseline="0" dirty="0" err="1" smtClean="0"/>
+              <a:t>chuyên</a:t>
+            </a:r>
+            <a:r>
+              <a:rPr lang="en-US" baseline="0" dirty="0" smtClean="0"/>
+              <a:t> </a:t>
+            </a:r>
+            <a:r>
+              <a:rPr lang="en-US" baseline="0" dirty="0" err="1" smtClean="0"/>
+              <a:t>dụng</a:t>
+            </a:r>
+            <a:r>
+              <a:rPr lang="en-US" baseline="0" dirty="0" smtClean="0"/>
+              <a:t> </a:t>
+            </a:r>
+            <a:r>
+              <a:rPr lang="en-US" baseline="0" dirty="0" err="1" smtClean="0"/>
+              <a:t>cho</a:t>
+            </a:r>
+            <a:r>
+              <a:rPr lang="en-US" baseline="0" dirty="0" smtClean="0"/>
+              <a:t> compile </a:t>
+            </a:r>
+            <a:r>
+              <a:rPr lang="en-US" baseline="0" dirty="0" err="1" smtClean="0"/>
+              <a:t>budle</a:t>
+            </a:r>
+            <a:r>
+              <a:rPr lang="en-US" baseline="0" dirty="0" smtClean="0"/>
+              <a:t> modules </a:t>
+            </a:r>
+          </a:p>
+          <a:p>
+            <a:r>
+              <a:rPr lang="en-US" baseline="0" dirty="0" err="1" smtClean="0"/>
+              <a:t>Chỉ</a:t>
+            </a:r>
+            <a:r>
+              <a:rPr lang="en-US" baseline="0" dirty="0" smtClean="0"/>
+              <a:t> </a:t>
+            </a:r>
+            <a:r>
+              <a:rPr lang="en-US" baseline="0" dirty="0" err="1" smtClean="0"/>
+              <a:t>cần</a:t>
+            </a:r>
+            <a:r>
+              <a:rPr lang="en-US" baseline="0" dirty="0" smtClean="0"/>
               <a:t> </a:t>
             </a:r>
             <a:r>
@@ -3680,11 +3860,11 @@
             </a:r>
             <a:r>
               <a:rPr lang="en-US" baseline="0" dirty="0" smtClean="0"/>
-              <a:t> compiler </a:t>
+              <a:t> </a:t>
             </a:r>
             <a:r>
               <a:rPr lang="en-US" baseline="0" dirty="0" err="1" smtClean="0"/>
-              <a:t>dùng</a:t>
+              <a:t>vài</a:t>
             </a:r>
             <a:r>
               <a:rPr lang="en-US" baseline="0" dirty="0" smtClean="0"/>
@@ -3692,15 +3872,15 @@
             </a:r>
             <a:r>
               <a:rPr lang="en-US" baseline="0" dirty="0" err="1" smtClean="0"/>
-              <a:t>để</a:t>
+              <a:t>config</a:t>
             </a:r>
             <a:r>
               <a:rPr lang="en-US" baseline="0" dirty="0" smtClean="0"/>
-              <a:t> convert </a:t>
+              <a:t> </a:t>
             </a:r>
             <a:r>
               <a:rPr lang="en-US" baseline="0" dirty="0" err="1" smtClean="0"/>
-              <a:t>các</a:t>
+              <a:t>đơn</a:t>
             </a:r>
             <a:r>
               <a:rPr lang="en-US" baseline="0" dirty="0" smtClean="0"/>
@@ -3708,7 +3888,7 @@
             </a:r>
             <a:r>
               <a:rPr lang="en-US" baseline="0" dirty="0" err="1" smtClean="0"/>
-              <a:t>ngôn</a:t>
+              <a:t>giảng</a:t>
             </a:r>
             <a:r>
               <a:rPr lang="en-US" baseline="0" dirty="0" smtClean="0"/>
@@ -3716,63 +3896,15 @@
             </a:r>
             <a:r>
               <a:rPr lang="en-US" baseline="0" dirty="0" err="1" smtClean="0"/>
-              <a:t>ngữ</a:t>
+              <a:t>sau</a:t>
             </a:r>
             <a:r>
               <a:rPr lang="en-US" baseline="0" dirty="0" smtClean="0"/>
-              <a:t> script </a:t>
+              <a:t> </a:t>
             </a:r>
             <a:r>
               <a:rPr lang="en-US" baseline="0" dirty="0" err="1" smtClean="0"/>
-              <a:t>mới</a:t>
-            </a:r>
-            <a:r>
-              <a:rPr lang="en-US" baseline="0" dirty="0" smtClean="0"/>
-              <a:t> (es6,coffe script, type script, …) </a:t>
-            </a:r>
-            <a:r>
-              <a:rPr lang="en-US" baseline="0" dirty="0" err="1" smtClean="0"/>
-              <a:t>thành</a:t>
-            </a:r>
-            <a:r>
-              <a:rPr lang="en-US" baseline="0" dirty="0" smtClean="0"/>
-              <a:t> </a:t>
-            </a:r>
-            <a:r>
-              <a:rPr lang="en-US" baseline="0" dirty="0" err="1" smtClean="0"/>
-              <a:t>javascript</a:t>
-            </a:r>
-            <a:r>
-              <a:rPr lang="en-US" baseline="0" dirty="0" smtClean="0"/>
-              <a:t> </a:t>
-            </a:r>
-            <a:r>
-              <a:rPr lang="en-US" baseline="0" dirty="0" err="1" smtClean="0"/>
-              <a:t>thuần</a:t>
-            </a:r>
-            <a:r>
-              <a:rPr lang="en-US" baseline="0" dirty="0" smtClean="0"/>
-              <a:t> </a:t>
-            </a:r>
-            <a:r>
-              <a:rPr lang="en-US" baseline="0" dirty="0" err="1" smtClean="0"/>
-              <a:t>để</a:t>
-            </a:r>
-            <a:r>
-              <a:rPr lang="en-US" baseline="0" dirty="0" smtClean="0"/>
-              <a:t> code </a:t>
-            </a:r>
-            <a:r>
-              <a:rPr lang="en-US" baseline="0" dirty="0" err="1" smtClean="0"/>
-              <a:t>có</a:t>
-            </a:r>
-            <a:r>
-              <a:rPr lang="en-US" baseline="0" dirty="0" smtClean="0"/>
-              <a:t> </a:t>
-            </a:r>
-            <a:r>
-              <a:rPr lang="en-US" baseline="0" dirty="0" err="1" smtClean="0"/>
-              <a:t>thể</a:t>
+              <a:t>đó</a:t>
             </a:r>
             <a:r>
               <a:rPr lang="en-US" baseline="0" dirty="0" smtClean="0"/>
@@ -3788,121 +3920,11 @@
             </a:r>
             <a:r>
               <a:rPr lang="en-US" baseline="0" dirty="0" err="1" smtClean="0"/>
-              <a:t>trên</a:t>
+              <a:t>lệnh</a:t>
             </a:r>
             <a:r>
               <a:rPr lang="en-US" baseline="0" dirty="0" smtClean="0"/>
               <a:t> </a:t>
-            </a:r>
-            <a:r>
-              <a:rPr lang="en-US" baseline="0" dirty="0" err="1" smtClean="0"/>
-              <a:t>tất</a:t>
-            </a:r>
-            <a:r>
-              <a:rPr lang="en-US" baseline="0" dirty="0" smtClean="0"/>
-              <a:t> </a:t>
-            </a:r>
-            <a:r>
-              <a:rPr lang="en-US" baseline="0" dirty="0" err="1" smtClean="0"/>
-              <a:t>cả</a:t>
-            </a:r>
-            <a:r>
-              <a:rPr lang="en-US" baseline="0" dirty="0" smtClean="0"/>
-              <a:t> </a:t>
-            </a:r>
-            <a:r>
-              <a:rPr lang="en-US" baseline="0" dirty="0" err="1" smtClean="0"/>
-              <a:t>các</a:t>
-            </a:r>
-            <a:r>
-              <a:rPr lang="en-US" baseline="0" dirty="0" smtClean="0"/>
-              <a:t> browser</a:t>
-            </a:r>
-          </a:p>
-          <a:p>
-            <a:r>
-              <a:rPr lang="en-US" baseline="0" dirty="0" smtClean="0"/>
-              <a:t>Babel </a:t>
-            </a:r>
-            <a:r>
-              <a:rPr lang="en-US" baseline="0" dirty="0" err="1" smtClean="0"/>
-              <a:t>sẻ</a:t>
-            </a:r>
-            <a:r>
-              <a:rPr lang="en-US" baseline="0" dirty="0" smtClean="0"/>
-              <a:t> </a:t>
-            </a:r>
-            <a:r>
-              <a:rPr lang="en-US" baseline="0" dirty="0" err="1" smtClean="0"/>
-              <a:t>được</a:t>
-            </a:r>
-            <a:r>
-              <a:rPr lang="en-US" baseline="0" dirty="0" smtClean="0"/>
-              <a:t> </a:t>
-            </a:r>
-            <a:r>
-              <a:rPr lang="en-US" baseline="0" dirty="0" err="1" smtClean="0"/>
-              <a:t>truyền</a:t>
-            </a:r>
-            <a:r>
-              <a:rPr lang="en-US" baseline="0" dirty="0" smtClean="0"/>
-              <a:t> </a:t>
-            </a:r>
-            <a:r>
-              <a:rPr lang="en-US" baseline="0" dirty="0" err="1" smtClean="0"/>
-              <a:t>trực</a:t>
-            </a:r>
-            <a:r>
-              <a:rPr lang="en-US" baseline="0" dirty="0" smtClean="0"/>
-              <a:t> </a:t>
-            </a:r>
-            <a:r>
-              <a:rPr lang="en-US" baseline="0" dirty="0" err="1" smtClean="0"/>
-              <a:t>tiếp</a:t>
-            </a:r>
-            <a:r>
-              <a:rPr lang="en-US" baseline="0" dirty="0" smtClean="0"/>
-              <a:t>, </a:t>
-            </a:r>
-            <a:r>
-              <a:rPr lang="en-US" baseline="0" dirty="0" err="1" smtClean="0"/>
-              <a:t>hoặc</a:t>
-            </a:r>
-            <a:r>
-              <a:rPr lang="en-US" baseline="0" dirty="0" smtClean="0"/>
-              <a:t> </a:t>
-            </a:r>
-            <a:r>
-              <a:rPr lang="en-US" baseline="0" dirty="0" err="1" smtClean="0"/>
-              <a:t>thông</a:t>
-            </a:r>
-            <a:r>
-              <a:rPr lang="en-US" baseline="0" dirty="0" smtClean="0"/>
-              <a:t> qua .</a:t>
-            </a:r>
-            <a:r>
-              <a:rPr lang="en-US" baseline="0" dirty="0" err="1" smtClean="0"/>
-              <a:t>babelirc</a:t>
-            </a:r>
-            <a:r>
-              <a:rPr lang="en-US" baseline="0" dirty="0" smtClean="0"/>
-              <a:t> file </a:t>
-            </a:r>
-            <a:r>
-              <a:rPr lang="en-US" baseline="0" dirty="0" err="1" smtClean="0"/>
-              <a:t>vào</a:t>
-            </a:r>
-            <a:r>
-              <a:rPr lang="en-US" baseline="0" dirty="0" smtClean="0"/>
-              <a:t> </a:t>
-            </a:r>
-            <a:r>
-              <a:rPr lang="en-US" baseline="0" dirty="0" err="1" smtClean="0"/>
-              <a:t>broserify</a:t>
-            </a:r>
-            <a:r>
-              <a:rPr lang="en-US" baseline="0" dirty="0" smtClean="0"/>
-              <a:t> hay </a:t>
             </a:r>
             <a:r>
               <a:rPr lang="en-US" baseline="0" dirty="0" err="1" smtClean="0"/>
@@ -3912,56 +3934,6 @@
               <a:rPr lang="en-US" baseline="0" dirty="0" smtClean="0"/>
               <a:t> </a:t>
             </a:r>
-            <a:r>
-              <a:rPr lang="en-US" baseline="0" dirty="0" err="1" smtClean="0"/>
-              <a:t>để</a:t>
-            </a:r>
-            <a:r>
-              <a:rPr lang="en-US" baseline="0" dirty="0" smtClean="0"/>
-              <a:t> </a:t>
-            </a:r>
-            <a:r>
-              <a:rPr lang="en-US" baseline="0" dirty="0" err="1" smtClean="0"/>
-              <a:t>sử</a:t>
-            </a:r>
-            <a:r>
-              <a:rPr lang="en-US" baseline="0" dirty="0" smtClean="0"/>
-              <a:t> </a:t>
-            </a:r>
-            <a:r>
-              <a:rPr lang="en-US" baseline="0" dirty="0" err="1" smtClean="0"/>
-              <a:t>dụng</a:t>
-            </a:r>
-            <a:r>
-              <a:rPr lang="en-US" baseline="0" dirty="0" smtClean="0"/>
-              <a:t> </a:t>
-            </a:r>
-            <a:r>
-              <a:rPr lang="en-US" baseline="0" dirty="0" err="1" smtClean="0"/>
-              <a:t>trong</a:t>
-            </a:r>
-            <a:r>
-              <a:rPr lang="en-US" baseline="0" dirty="0" smtClean="0"/>
-              <a:t> </a:t>
-            </a:r>
-            <a:r>
-              <a:rPr lang="en-US" baseline="0" dirty="0" err="1" smtClean="0"/>
-              <a:t>quá</a:t>
-            </a:r>
-            <a:r>
-              <a:rPr lang="en-US" baseline="0" dirty="0" smtClean="0"/>
-              <a:t> </a:t>
-            </a:r>
-            <a:r>
-              <a:rPr lang="en-US" baseline="0" dirty="0" err="1" smtClean="0"/>
-              <a:t>trình</a:t>
-            </a:r>
-            <a:r>
-              <a:rPr lang="en-US" baseline="0" dirty="0" smtClean="0"/>
-              <a:t> bundle script</a:t>
-            </a:r>
-          </a:p>
-          <a:p>
             <a:endParaRPr lang="en-US" dirty="0"/>
           </a:p>
         </p:txBody>
@@ -3984,7 +3956,7 @@
             <a:fld id="{DFA466F2-9CED-4F1F-9613-11D467DD3EBF}" type="slidenum">
               <a:rPr lang="en-US" smtClean="0"/>
               <a:pPr/>
-              <a:t>12</a:t>
+              <a:t>11</a:t>
             </a:fld>
             <a:endParaRPr lang="en-US"/>
           </a:p>
@@ -3993,7 +3965,7 @@
     </p:spTree>
     <p:extLst>
       <p:ext uri="{BB962C8B-B14F-4D97-AF65-F5344CB8AC3E}">
-        <p14:creationId xmlns:p14="http://schemas.microsoft.com/office/powerpoint/2010/main" val="982987118"/>
+        <p14:creationId xmlns:p14="http://schemas.microsoft.com/office/powerpoint/2010/main" val="408082675"/>
       </p:ext>
     </p:extLst>
   </p:cSld>
@@ -4048,8 +4020,8 @@
           <a:lstStyle/>
           <a:p>
             <a:r>
-              <a:rPr lang="en-US" dirty="0" err="1" smtClean="0"/>
-              <a:t>Jsx</a:t>
+              <a:rPr lang="en-US" dirty="0" smtClean="0"/>
+              <a:t>Babel</a:t>
             </a:r>
             <a:r>
               <a:rPr lang="en-US" baseline="0" dirty="0" smtClean="0"/>
@@ -4065,15 +4037,15 @@
             </a:r>
             <a:r>
               <a:rPr lang="en-US" baseline="0" dirty="0" err="1" smtClean="0"/>
-              <a:t>bộ</a:t>
+              <a:t>một</a:t>
             </a:r>
             <a:r>
               <a:rPr lang="en-US" baseline="0" dirty="0" smtClean="0"/>
-              <a:t> </a:t>
+              <a:t> compiler </a:t>
             </a:r>
             <a:r>
               <a:rPr lang="en-US" baseline="0" dirty="0" err="1" smtClean="0"/>
-              <a:t>cú</a:t>
+              <a:t>dùng</a:t>
             </a:r>
             <a:r>
               <a:rPr lang="en-US" baseline="0" dirty="0" smtClean="0"/>
@@ -4081,11 +4053,75 @@
             </a:r>
             <a:r>
               <a:rPr lang="en-US" baseline="0" dirty="0" err="1" smtClean="0"/>
-              <a:t>pháp</a:t>
+              <a:t>để</a:t>
             </a:r>
             <a:r>
               <a:rPr lang="en-US" baseline="0" dirty="0" smtClean="0"/>
-              <a:t> </a:t>
+              <a:t> convert </a:t>
+            </a:r>
+            <a:r>
+              <a:rPr lang="en-US" baseline="0" dirty="0" err="1" smtClean="0"/>
+              <a:t>các</a:t>
+            </a:r>
+            <a:r>
+              <a:rPr lang="en-US" baseline="0" dirty="0" smtClean="0"/>
+              <a:t> </a:t>
+            </a:r>
+            <a:r>
+              <a:rPr lang="en-US" baseline="0" dirty="0" err="1" smtClean="0"/>
+              <a:t>ngôn</a:t>
+            </a:r>
+            <a:r>
+              <a:rPr lang="en-US" baseline="0" dirty="0" smtClean="0"/>
+              <a:t> </a:t>
+            </a:r>
+            <a:r>
+              <a:rPr lang="en-US" baseline="0" dirty="0" err="1" smtClean="0"/>
+              <a:t>ngữ</a:t>
+            </a:r>
+            <a:r>
+              <a:rPr lang="en-US" baseline="0" dirty="0" smtClean="0"/>
+              <a:t> script </a:t>
+            </a:r>
+            <a:r>
+              <a:rPr lang="en-US" baseline="0" dirty="0" err="1" smtClean="0"/>
+              <a:t>mới</a:t>
+            </a:r>
+            <a:r>
+              <a:rPr lang="en-US" baseline="0" dirty="0" smtClean="0"/>
+              <a:t> (es6,coffe script, type script, …) </a:t>
+            </a:r>
+            <a:r>
+              <a:rPr lang="en-US" baseline="0" dirty="0" err="1" smtClean="0"/>
+              <a:t>thành</a:t>
+            </a:r>
+            <a:r>
+              <a:rPr lang="en-US" baseline="0" dirty="0" smtClean="0"/>
+              <a:t> </a:t>
+            </a:r>
+            <a:r>
+              <a:rPr lang="en-US" baseline="0" dirty="0" err="1" smtClean="0"/>
+              <a:t>javascript</a:t>
+            </a:r>
+            <a:r>
+              <a:rPr lang="en-US" baseline="0" dirty="0" smtClean="0"/>
+              <a:t> </a:t>
+            </a:r>
+            <a:r>
+              <a:rPr lang="en-US" baseline="0" dirty="0" err="1" smtClean="0"/>
+              <a:t>thuần</a:t>
+            </a:r>
+            <a:r>
+              <a:rPr lang="en-US" baseline="0" dirty="0" smtClean="0"/>
+              <a:t> </a:t>
+            </a:r>
+            <a:r>
+              <a:rPr lang="en-US" baseline="0" dirty="0" err="1" smtClean="0"/>
+              <a:t>để</a:t>
+            </a:r>
+            <a:r>
+              <a:rPr lang="en-US" baseline="0" dirty="0" smtClean="0"/>
+              <a:t> code </a:t>
             </a:r>
             <a:r>
               <a:rPr lang="en-US" baseline="0" dirty="0" err="1" smtClean="0"/>
@@ -4097,7 +4133,7 @@
             </a:r>
             <a:r>
               <a:rPr lang="en-US" baseline="0" dirty="0" err="1" smtClean="0"/>
-              <a:t>cấu</a:t>
+              <a:t>thể</a:t>
             </a:r>
             <a:r>
               <a:rPr lang="en-US" baseline="0" dirty="0" smtClean="0"/>
@@ -4105,7 +4141,7 @@
             </a:r>
             <a:r>
               <a:rPr lang="en-US" baseline="0" dirty="0" err="1" smtClean="0"/>
-              <a:t>trúc</a:t>
+              <a:t>chạy</a:t>
             </a:r>
             <a:r>
               <a:rPr lang="en-US" baseline="0" dirty="0" smtClean="0"/>
@@ -4113,7 +4149,7 @@
             </a:r>
             <a:r>
               <a:rPr lang="en-US" baseline="0" dirty="0" err="1" smtClean="0"/>
-              <a:t>tương</a:t>
+              <a:t>trên</a:t>
             </a:r>
             <a:r>
               <a:rPr lang="en-US" baseline="0" dirty="0" smtClean="0"/>
@@ -4121,7 +4157,7 @@
             </a:r>
             <a:r>
               <a:rPr lang="en-US" baseline="0" dirty="0" err="1" smtClean="0"/>
-              <a:t>tự</a:t>
+              <a:t>tất</a:t>
             </a:r>
             <a:r>
               <a:rPr lang="en-US" baseline="0" dirty="0" smtClean="0"/>
@@ -4129,11 +4165,25 @@
             </a:r>
             <a:r>
               <a:rPr lang="en-US" baseline="0" dirty="0" err="1" smtClean="0"/>
-              <a:t>như</a:t>
+              <a:t>cả</a:t>
             </a:r>
             <a:r>
               <a:rPr lang="en-US" baseline="0" dirty="0" smtClean="0"/>
-              <a:t> xml </a:t>
+              <a:t> </a:t>
+            </a:r>
+            <a:r>
+              <a:rPr lang="en-US" baseline="0" dirty="0" err="1" smtClean="0"/>
+              <a:t>các</a:t>
+            </a:r>
+            <a:r>
+              <a:rPr lang="en-US" baseline="0" dirty="0" smtClean="0"/>
+              <a:t> browser</a:t>
+            </a:r>
+          </a:p>
+          <a:p>
+            <a:r>
+              <a:rPr lang="en-US" baseline="0" dirty="0" smtClean="0"/>
+              <a:t>Babel </a:t>
             </a:r>
             <a:r>
               <a:rPr lang="en-US" baseline="0" dirty="0" err="1" smtClean="0"/>
@@ -4149,11 +4199,11 @@
             </a:r>
             <a:r>
               <a:rPr lang="en-US" baseline="0" dirty="0" smtClean="0"/>
-              <a:t>  </a:t>
+              <a:t> </a:t>
             </a:r>
             <a:r>
               <a:rPr lang="en-US" baseline="0" dirty="0" err="1" smtClean="0"/>
-              <a:t>biên</a:t>
+              <a:t>truyền</a:t>
             </a:r>
             <a:r>
               <a:rPr lang="en-US" baseline="0" dirty="0" smtClean="0"/>
@@ -4161,7 +4211,7 @@
             </a:r>
             <a:r>
               <a:rPr lang="en-US" baseline="0" dirty="0" err="1" smtClean="0"/>
-              <a:t>dịch</a:t>
+              <a:t>trực</a:t>
             </a:r>
             <a:r>
               <a:rPr lang="en-US" baseline="0" dirty="0" smtClean="0"/>
@@ -4169,15 +4219,15 @@
             </a:r>
             <a:r>
               <a:rPr lang="en-US" baseline="0" dirty="0" err="1" smtClean="0"/>
-              <a:t>về</a:t>
+              <a:t>tiếp</a:t>
             </a:r>
             <a:r>
               <a:rPr lang="en-US" baseline="0" dirty="0" smtClean="0"/>
-              <a:t> </a:t>
+              <a:t>, </a:t>
             </a:r>
             <a:r>
               <a:rPr lang="en-US" baseline="0" dirty="0" err="1" smtClean="0"/>
-              <a:t>javascript</a:t>
+              <a:t>hoặc</a:t>
             </a:r>
             <a:r>
               <a:rPr lang="en-US" baseline="0" dirty="0" smtClean="0"/>
@@ -4185,9 +4235,92 @@
             </a:r>
             <a:r>
               <a:rPr lang="en-US" baseline="0" dirty="0" err="1" smtClean="0"/>
-              <a:t>thuần</a:t>
-            </a:r>
-            <a:endParaRPr lang="en-US" baseline="0" dirty="0" smtClean="0"/>
+              <a:t>thông</a:t>
+            </a:r>
+            <a:r>
+              <a:rPr lang="en-US" baseline="0" dirty="0" smtClean="0"/>
+              <a:t> qua .</a:t>
+            </a:r>
+            <a:r>
+              <a:rPr lang="en-US" baseline="0" dirty="0" err="1" smtClean="0"/>
+              <a:t>babelirc</a:t>
+            </a:r>
+            <a:r>
+              <a:rPr lang="en-US" baseline="0" dirty="0" smtClean="0"/>
+              <a:t> file </a:t>
+            </a:r>
+            <a:r>
+              <a:rPr lang="en-US" baseline="0" dirty="0" err="1" smtClean="0"/>
+              <a:t>vào</a:t>
+            </a:r>
+            <a:r>
+              <a:rPr lang="en-US" baseline="0" dirty="0" smtClean="0"/>
+              <a:t> </a:t>
+            </a:r>
+            <a:r>
+              <a:rPr lang="en-US" baseline="0" dirty="0" err="1" smtClean="0"/>
+              <a:t>broserify</a:t>
+            </a:r>
+            <a:r>
+              <a:rPr lang="en-US" baseline="0" dirty="0" smtClean="0"/>
+              <a:t> hay </a:t>
+            </a:r>
+            <a:r>
+              <a:rPr lang="en-US" baseline="0" dirty="0" err="1" smtClean="0"/>
+              <a:t>webpack</a:t>
+            </a:r>
+            <a:r>
+              <a:rPr lang="en-US" baseline="0" dirty="0" smtClean="0"/>
+              <a:t> </a:t>
+            </a:r>
+            <a:r>
+              <a:rPr lang="en-US" baseline="0" dirty="0" err="1" smtClean="0"/>
+              <a:t>để</a:t>
+            </a:r>
+            <a:r>
+              <a:rPr lang="en-US" baseline="0" dirty="0" smtClean="0"/>
+              <a:t> </a:t>
+            </a:r>
+            <a:r>
+              <a:rPr lang="en-US" baseline="0" dirty="0" err="1" smtClean="0"/>
+              <a:t>sử</a:t>
+            </a:r>
+            <a:r>
+              <a:rPr lang="en-US" baseline="0" dirty="0" smtClean="0"/>
+              <a:t> </a:t>
+            </a:r>
+            <a:r>
+              <a:rPr lang="en-US" baseline="0" dirty="0" err="1" smtClean="0"/>
+              <a:t>dụng</a:t>
+            </a:r>
+            <a:r>
+              <a:rPr lang="en-US" baseline="0" dirty="0" smtClean="0"/>
+              <a:t> </a:t>
+            </a:r>
+            <a:r>
+              <a:rPr lang="en-US" baseline="0" dirty="0" err="1" smtClean="0"/>
+              <a:t>trong</a:t>
+            </a:r>
+            <a:r>
+              <a:rPr lang="en-US" baseline="0" dirty="0" smtClean="0"/>
+              <a:t> </a:t>
+            </a:r>
+            <a:r>
+              <a:rPr lang="en-US" baseline="0" dirty="0" err="1" smtClean="0"/>
+              <a:t>quá</a:t>
+            </a:r>
+            <a:r>
+              <a:rPr lang="en-US" baseline="0" dirty="0" smtClean="0"/>
+              <a:t> </a:t>
+            </a:r>
+            <a:r>
+              <a:rPr lang="en-US" baseline="0" dirty="0" err="1" smtClean="0"/>
+              <a:t>trình</a:t>
+            </a:r>
+            <a:r>
+              <a:rPr lang="en-US" baseline="0" dirty="0" smtClean="0"/>
+              <a:t> bundle script</a:t>
+            </a:r>
           </a:p>
           <a:p>
             <a:endParaRPr lang="en-US" dirty="0"/>
@@ -4212,7 +4345,7 @@
             <a:fld id="{DFA466F2-9CED-4F1F-9613-11D467DD3EBF}" type="slidenum">
               <a:rPr lang="en-US" smtClean="0"/>
               <a:pPr/>
-              <a:t>13</a:t>
+              <a:t>12</a:t>
             </a:fld>
             <a:endParaRPr lang="en-US"/>
           </a:p>
@@ -4221,7 +4354,7 @@
     </p:spTree>
     <p:extLst>
       <p:ext uri="{BB962C8B-B14F-4D97-AF65-F5344CB8AC3E}">
-        <p14:creationId xmlns:p14="http://schemas.microsoft.com/office/powerpoint/2010/main" val="4008753961"/>
+        <p14:creationId xmlns:p14="http://schemas.microsoft.com/office/powerpoint/2010/main" val="982987118"/>
       </p:ext>
     </p:extLst>
   </p:cSld>
@@ -4276,20 +4409,100 @@
           <a:lstStyle/>
           <a:p>
             <a:r>
-              <a:rPr lang="en-US" dirty="0" smtClean="0"/>
-              <a:t>Html</a:t>
+              <a:rPr lang="en-US" dirty="0" err="1" smtClean="0"/>
+              <a:t>Jsx</a:t>
             </a:r>
             <a:r>
               <a:rPr lang="en-US" baseline="0" dirty="0" smtClean="0"/>
-              <a:t> tag </a:t>
+              <a:t> </a:t>
             </a:r>
             <a:r>
               <a:rPr lang="en-US" baseline="0" dirty="0" err="1" smtClean="0"/>
-              <a:t>và</a:t>
+              <a:t>là</a:t>
             </a:r>
             <a:r>
               <a:rPr lang="en-US" baseline="0" dirty="0" smtClean="0"/>
-              <a:t> React Component </a:t>
+              <a:t> </a:t>
+            </a:r>
+            <a:r>
+              <a:rPr lang="en-US" baseline="0" dirty="0" err="1" smtClean="0"/>
+              <a:t>bộ</a:t>
+            </a:r>
+            <a:r>
+              <a:rPr lang="en-US" baseline="0" dirty="0" smtClean="0"/>
+              <a:t> </a:t>
+            </a:r>
+            <a:r>
+              <a:rPr lang="en-US" baseline="0" dirty="0" err="1" smtClean="0"/>
+              <a:t>cú</a:t>
+            </a:r>
+            <a:r>
+              <a:rPr lang="en-US" baseline="0" dirty="0" smtClean="0"/>
+              <a:t> </a:t>
+            </a:r>
+            <a:r>
+              <a:rPr lang="en-US" baseline="0" dirty="0" err="1" smtClean="0"/>
+              <a:t>pháp</a:t>
+            </a:r>
+            <a:r>
+              <a:rPr lang="en-US" baseline="0" dirty="0" smtClean="0"/>
+              <a:t> </a:t>
+            </a:r>
+            <a:r>
+              <a:rPr lang="en-US" baseline="0" dirty="0" err="1" smtClean="0"/>
+              <a:t>có</a:t>
+            </a:r>
+            <a:r>
+              <a:rPr lang="en-US" baseline="0" dirty="0" smtClean="0"/>
+              <a:t> </a:t>
+            </a:r>
+            <a:r>
+              <a:rPr lang="en-US" baseline="0" dirty="0" err="1" smtClean="0"/>
+              <a:t>cấu</a:t>
+            </a:r>
+            <a:r>
+              <a:rPr lang="en-US" baseline="0" dirty="0" smtClean="0"/>
+              <a:t> </a:t>
+            </a:r>
+            <a:r>
+              <a:rPr lang="en-US" baseline="0" dirty="0" err="1" smtClean="0"/>
+              <a:t>trúc</a:t>
+            </a:r>
+            <a:r>
+              <a:rPr lang="en-US" baseline="0" dirty="0" smtClean="0"/>
+              <a:t> </a:t>
+            </a:r>
+            <a:r>
+              <a:rPr lang="en-US" baseline="0" dirty="0" err="1" smtClean="0"/>
+              <a:t>tương</a:t>
+            </a:r>
+            <a:r>
+              <a:rPr lang="en-US" baseline="0" dirty="0" smtClean="0"/>
+              <a:t> </a:t>
+            </a:r>
+            <a:r>
+              <a:rPr lang="en-US" baseline="0" dirty="0" err="1" smtClean="0"/>
+              <a:t>tự</a:t>
+            </a:r>
+            <a:r>
+              <a:rPr lang="en-US" baseline="0" dirty="0" smtClean="0"/>
+              <a:t> </a:t>
+            </a:r>
+            <a:r>
+              <a:rPr lang="en-US" baseline="0" dirty="0" err="1" smtClean="0"/>
+              <a:t>như</a:t>
+            </a:r>
+            <a:r>
+              <a:rPr lang="en-US" baseline="0" dirty="0" smtClean="0"/>
+              <a:t> xml </a:t>
+            </a:r>
+            <a:r>
+              <a:rPr lang="en-US" baseline="0" dirty="0" err="1" smtClean="0"/>
+              <a:t>sẻ</a:t>
+            </a:r>
+            <a:r>
+              <a:rPr lang="en-US" baseline="0" dirty="0" smtClean="0"/>
+              <a:t> </a:t>
             </a:r>
             <a:r>
               <a:rPr lang="en-US" baseline="0" dirty="0" err="1" smtClean="0"/>
@@ -4297,11 +4510,11 @@
             </a:r>
             <a:r>
               <a:rPr lang="en-US" baseline="0" dirty="0" smtClean="0"/>
-              <a:t> </a:t>
+              <a:t>  </a:t>
             </a:r>
             <a:r>
               <a:rPr lang="en-US" baseline="0" dirty="0" err="1" smtClean="0"/>
-              <a:t>phân</a:t>
+              <a:t>biên</a:t>
             </a:r>
             <a:r>
               <a:rPr lang="en-US" baseline="0" dirty="0" smtClean="0"/>
@@ -4309,7 +4522,7 @@
             </a:r>
             <a:r>
               <a:rPr lang="en-US" baseline="0" dirty="0" err="1" smtClean="0"/>
-              <a:t>biệt</a:t>
+              <a:t>dịch</a:t>
             </a:r>
             <a:r>
               <a:rPr lang="en-US" baseline="0" dirty="0" smtClean="0"/>
@@ -4317,7 +4530,7 @@
             </a:r>
             <a:r>
               <a:rPr lang="en-US" baseline="0" dirty="0" err="1" smtClean="0"/>
-              <a:t>dự</a:t>
+              <a:t>về</a:t>
             </a:r>
             <a:r>
               <a:rPr lang="en-US" baseline="0" dirty="0" smtClean="0"/>
@@ -4325,7 +4538,7 @@
             </a:r>
             <a:r>
               <a:rPr lang="en-US" baseline="0" dirty="0" err="1" smtClean="0"/>
-              <a:t>vào</a:t>
+              <a:t>javascript</a:t>
             </a:r>
             <a:r>
               <a:rPr lang="en-US" baseline="0" dirty="0" smtClean="0"/>
@@ -4333,56 +4546,11 @@
             </a:r>
             <a:r>
               <a:rPr lang="en-US" baseline="0" dirty="0" err="1" smtClean="0"/>
-              <a:t>ký</a:t>
-            </a:r>
-            <a:r>
-              <a:rPr lang="en-US" baseline="0" dirty="0" smtClean="0"/>
-              <a:t> </a:t>
-            </a:r>
-            <a:r>
-              <a:rPr lang="en-US" baseline="0" dirty="0" err="1" smtClean="0"/>
-              <a:t>tự</a:t>
-            </a:r>
-            <a:r>
-              <a:rPr lang="en-US" baseline="0" dirty="0" smtClean="0"/>
-              <a:t> </a:t>
-            </a:r>
-            <a:r>
-              <a:rPr lang="en-US" baseline="0" dirty="0" err="1" smtClean="0"/>
-              <a:t>đầu</a:t>
-            </a:r>
-            <a:r>
-              <a:rPr lang="en-US" baseline="0" dirty="0" smtClean="0"/>
-              <a:t> </a:t>
-            </a:r>
-            <a:r>
-              <a:rPr lang="en-US" baseline="0" dirty="0" err="1" smtClean="0"/>
-              <a:t>tiên</a:t>
-            </a:r>
-            <a:r>
-              <a:rPr lang="en-US" baseline="0" dirty="0" smtClean="0"/>
-              <a:t> </a:t>
-            </a:r>
-            <a:r>
-              <a:rPr lang="en-US" baseline="0" dirty="0" err="1" smtClean="0"/>
-              <a:t>của</a:t>
-            </a:r>
-            <a:r>
-              <a:rPr lang="en-US" baseline="0" dirty="0" smtClean="0"/>
-              <a:t> </a:t>
-            </a:r>
-            <a:r>
-              <a:rPr lang="en-US" baseline="0" dirty="0" err="1" smtClean="0"/>
-              <a:t>thẻ</a:t>
-            </a:r>
-            <a:r>
-              <a:rPr lang="en-US" baseline="0" dirty="0" smtClean="0"/>
-              <a:t> </a:t>
-            </a:r>
-            <a:r>
-              <a:rPr lang="en-US" baseline="0" dirty="0" err="1" smtClean="0"/>
-              <a:t>Jsx</a:t>
-            </a:r>
+              <a:t>thuần</a:t>
+            </a:r>
+            <a:endParaRPr lang="en-US" baseline="0" dirty="0" smtClean="0"/>
+          </a:p>
+          <a:p>
             <a:endParaRPr lang="en-US" dirty="0"/>
           </a:p>
         </p:txBody>
@@ -4405,7 +4573,7 @@
             <a:fld id="{DFA466F2-9CED-4F1F-9613-11D467DD3EBF}" type="slidenum">
               <a:rPr lang="en-US" smtClean="0"/>
               <a:pPr/>
-              <a:t>14</a:t>
+              <a:t>13</a:t>
             </a:fld>
             <a:endParaRPr lang="en-US"/>
           </a:p>
@@ -4414,7 +4582,7 @@
     </p:spTree>
     <p:extLst>
       <p:ext uri="{BB962C8B-B14F-4D97-AF65-F5344CB8AC3E}">
-        <p14:creationId xmlns:p14="http://schemas.microsoft.com/office/powerpoint/2010/main" val="3948917153"/>
+        <p14:creationId xmlns:p14="http://schemas.microsoft.com/office/powerpoint/2010/main" val="4008753961"/>
       </p:ext>
     </p:extLst>
   </p:cSld>
@@ -4468,6 +4636,114 @@
           <a:bodyPr/>
           <a:lstStyle/>
           <a:p>
+            <a:r>
+              <a:rPr lang="en-US" dirty="0" smtClean="0"/>
+              <a:t>Html</a:t>
+            </a:r>
+            <a:r>
+              <a:rPr lang="en-US" baseline="0" dirty="0" smtClean="0"/>
+              <a:t> tag </a:t>
+            </a:r>
+            <a:r>
+              <a:rPr lang="en-US" baseline="0" dirty="0" err="1" smtClean="0"/>
+              <a:t>và</a:t>
+            </a:r>
+            <a:r>
+              <a:rPr lang="en-US" baseline="0" dirty="0" smtClean="0"/>
+              <a:t> React Component </a:t>
+            </a:r>
+            <a:r>
+              <a:rPr lang="en-US" baseline="0" dirty="0" err="1" smtClean="0"/>
+              <a:t>được</a:t>
+            </a:r>
+            <a:r>
+              <a:rPr lang="en-US" baseline="0" dirty="0" smtClean="0"/>
+              <a:t> </a:t>
+            </a:r>
+            <a:r>
+              <a:rPr lang="en-US" baseline="0" dirty="0" err="1" smtClean="0"/>
+              <a:t>phân</a:t>
+            </a:r>
+            <a:r>
+              <a:rPr lang="en-US" baseline="0" dirty="0" smtClean="0"/>
+              <a:t> </a:t>
+            </a:r>
+            <a:r>
+              <a:rPr lang="en-US" baseline="0" dirty="0" err="1" smtClean="0"/>
+              <a:t>biệt</a:t>
+            </a:r>
+            <a:r>
+              <a:rPr lang="en-US" baseline="0" dirty="0" smtClean="0"/>
+              <a:t> </a:t>
+            </a:r>
+            <a:r>
+              <a:rPr lang="en-US" baseline="0" dirty="0" err="1" smtClean="0"/>
+              <a:t>dự</a:t>
+            </a:r>
+            <a:r>
+              <a:rPr lang="en-US" baseline="0" dirty="0" smtClean="0"/>
+              <a:t> </a:t>
+            </a:r>
+            <a:r>
+              <a:rPr lang="en-US" baseline="0" dirty="0" err="1" smtClean="0"/>
+              <a:t>vào</a:t>
+            </a:r>
+            <a:r>
+              <a:rPr lang="en-US" baseline="0" dirty="0" smtClean="0"/>
+              <a:t> </a:t>
+            </a:r>
+            <a:r>
+              <a:rPr lang="en-US" baseline="0" dirty="0" err="1" smtClean="0"/>
+              <a:t>ký</a:t>
+            </a:r>
+            <a:r>
+              <a:rPr lang="en-US" baseline="0" dirty="0" smtClean="0"/>
+              <a:t> </a:t>
+            </a:r>
+            <a:r>
+              <a:rPr lang="en-US" baseline="0" dirty="0" err="1" smtClean="0"/>
+              <a:t>tự</a:t>
+            </a:r>
+            <a:r>
+              <a:rPr lang="en-US" baseline="0" dirty="0" smtClean="0"/>
+              <a:t> </a:t>
+            </a:r>
+            <a:r>
+              <a:rPr lang="en-US" baseline="0" dirty="0" err="1" smtClean="0"/>
+              <a:t>đầu</a:t>
+            </a:r>
+            <a:r>
+              <a:rPr lang="en-US" baseline="0" dirty="0" smtClean="0"/>
+              <a:t> </a:t>
+            </a:r>
+            <a:r>
+              <a:rPr lang="en-US" baseline="0" dirty="0" err="1" smtClean="0"/>
+              <a:t>tiên</a:t>
+            </a:r>
+            <a:r>
+              <a:rPr lang="en-US" baseline="0" dirty="0" smtClean="0"/>
+              <a:t> </a:t>
+            </a:r>
+            <a:r>
+              <a:rPr lang="en-US" baseline="0" dirty="0" err="1" smtClean="0"/>
+              <a:t>của</a:t>
+            </a:r>
+            <a:r>
+              <a:rPr lang="en-US" baseline="0" dirty="0" smtClean="0"/>
+              <a:t> </a:t>
+            </a:r>
+            <a:r>
+              <a:rPr lang="en-US" baseline="0" dirty="0" err="1" smtClean="0"/>
+              <a:t>thẻ</a:t>
+            </a:r>
+            <a:r>
+              <a:rPr lang="en-US" baseline="0" dirty="0" smtClean="0"/>
+              <a:t> </a:t>
+            </a:r>
+            <a:r>
+              <a:rPr lang="en-US" baseline="0" dirty="0" err="1" smtClean="0"/>
+              <a:t>Jsx</a:t>
+            </a:r>
             <a:endParaRPr lang="en-US" dirty="0"/>
           </a:p>
         </p:txBody>
@@ -4490,7 +4766,7 @@
             <a:fld id="{DFA466F2-9CED-4F1F-9613-11D467DD3EBF}" type="slidenum">
               <a:rPr lang="en-US" smtClean="0"/>
               <a:pPr/>
-              <a:t>15</a:t>
+              <a:t>14</a:t>
             </a:fld>
             <a:endParaRPr lang="en-US"/>
           </a:p>
@@ -4499,7 +4775,7 @@
     </p:spTree>
     <p:extLst>
       <p:ext uri="{BB962C8B-B14F-4D97-AF65-F5344CB8AC3E}">
-        <p14:creationId xmlns:p14="http://schemas.microsoft.com/office/powerpoint/2010/main" val="897308346"/>
+        <p14:creationId xmlns:p14="http://schemas.microsoft.com/office/powerpoint/2010/main" val="3948917153"/>
       </p:ext>
     </p:extLst>
   </p:cSld>
@@ -4877,7 +5153,7 @@
             <a:fld id="{4AAD347D-5ACD-4C99-B74B-A9C85AD731AF}" type="datetimeFigureOut">
               <a:rPr lang="en-US" smtClean="0"/>
               <a:pPr/>
-              <a:t>4/21/2016</a:t>
+              <a:t>4/22/2016</a:t>
             </a:fld>
             <a:endParaRPr lang="en-US" dirty="0"/>
           </a:p>
@@ -5126,7 +5402,7 @@
             <a:fld id="{4509A250-FF31-4206-8172-F9D3106AACB1}" type="datetimeFigureOut">
               <a:rPr lang="en-US" smtClean="0"/>
               <a:pPr/>
-              <a:t>4/21/2016</a:t>
+              <a:t>4/22/2016</a:t>
             </a:fld>
             <a:endParaRPr lang="en-US" dirty="0"/>
           </a:p>
@@ -5514,7 +5790,7 @@
             <a:fld id="{4509A250-FF31-4206-8172-F9D3106AACB1}" type="datetimeFigureOut">
               <a:rPr lang="en-US" smtClean="0"/>
               <a:pPr/>
-              <a:t>4/21/2016</a:t>
+              <a:t>4/22/2016</a:t>
             </a:fld>
             <a:endParaRPr lang="en-US" dirty="0"/>
           </a:p>
@@ -5745,7 +6021,7 @@
             <a:fld id="{4509A250-FF31-4206-8172-F9D3106AACB1}" type="datetimeFigureOut">
               <a:rPr lang="en-US" smtClean="0"/>
               <a:pPr/>
-              <a:t>4/21/2016</a:t>
+              <a:t>4/22/2016</a:t>
             </a:fld>
             <a:endParaRPr lang="en-US" dirty="0"/>
           </a:p>
@@ -6238,7 +6514,7 @@
             <a:fld id="{9796027F-7875-4030-9381-8BD8C4F21935}" type="datetimeFigureOut">
               <a:rPr lang="en-US" smtClean="0"/>
               <a:pPr/>
-              <a:t>4/21/2016</a:t>
+              <a:t>4/22/2016</a:t>
             </a:fld>
             <a:endParaRPr lang="en-US" dirty="0"/>
           </a:p>
@@ -6550,7 +6826,7 @@
             <a:fld id="{9796027F-7875-4030-9381-8BD8C4F21935}" type="datetimeFigureOut">
               <a:rPr lang="en-US" smtClean="0"/>
               <a:pPr/>
-              <a:t>4/21/2016</a:t>
+              <a:t>4/22/2016</a:t>
             </a:fld>
             <a:endParaRPr lang="en-US" dirty="0"/>
           </a:p>
@@ -6943,7 +7219,7 @@
             <a:fld id="{9796027F-7875-4030-9381-8BD8C4F21935}" type="datetimeFigureOut">
               <a:rPr lang="en-US" smtClean="0"/>
               <a:pPr/>
-              <a:t>4/21/2016</a:t>
+              <a:t>4/22/2016</a:t>
             </a:fld>
             <a:endParaRPr lang="en-US" dirty="0"/>
           </a:p>
@@ -7063,7 +7339,7 @@
             <a:fld id="{4509A250-FF31-4206-8172-F9D3106AACB1}" type="datetimeFigureOut">
               <a:rPr lang="en-US" smtClean="0"/>
               <a:pPr/>
-              <a:t>4/21/2016</a:t>
+              <a:t>4/22/2016</a:t>
             </a:fld>
             <a:endParaRPr lang="en-US" dirty="0"/>
           </a:p>
@@ -7160,7 +7436,7 @@
             <a:fld id="{4509A250-FF31-4206-8172-F9D3106AACB1}" type="datetimeFigureOut">
               <a:rPr lang="en-US" smtClean="0"/>
               <a:pPr/>
-              <a:t>4/21/2016</a:t>
+              <a:t>4/22/2016</a:t>
             </a:fld>
             <a:endParaRPr lang="en-US" dirty="0"/>
           </a:p>
@@ -7462,7 +7738,7 @@
             <a:fld id="{4509A250-FF31-4206-8172-F9D3106AACB1}" type="datetimeFigureOut">
               <a:rPr lang="en-US" smtClean="0"/>
               <a:pPr/>
-              <a:t>4/21/2016</a:t>
+              <a:t>4/22/2016</a:t>
             </a:fld>
             <a:endParaRPr lang="en-US" dirty="0"/>
           </a:p>
@@ -7729,7 +8005,7 @@
             <a:fld id="{4509A250-FF31-4206-8172-F9D3106AACB1}" type="datetimeFigureOut">
               <a:rPr lang="en-US" smtClean="0"/>
               <a:pPr/>
-              <a:t>4/21/2016</a:t>
+              <a:t>4/22/2016</a:t>
             </a:fld>
             <a:endParaRPr lang="en-US" dirty="0"/>
           </a:p>
@@ -8149,7 +8425,7 @@
             <a:fld id="{4AAD347D-5ACD-4C99-B74B-A9C85AD731AF}" type="datetimeFigureOut">
               <a:rPr lang="en-US" smtClean="0"/>
               <a:pPr/>
-              <a:t>4/21/2016</a:t>
+              <a:t>4/22/2016</a:t>
             </a:fld>
             <a:endParaRPr lang="en-US" dirty="0"/>
           </a:p>
@@ -15931,7 +16207,6 @@
               <a:rPr lang="en-US" sz="2400" dirty="0" smtClean="0"/>
               <a:t>React Router</a:t>
             </a:r>
-            <a:endParaRPr lang="en-US" sz="2400" dirty="0" smtClean="0"/>
           </a:p>
           <a:p>
             <a:pPr marL="457200" indent="-457200">
@@ -21131,27 +21406,24 @@
           </a:bodyPr>
           <a:lstStyle/>
           <a:p>
+            <a:pPr>
+              <a:buFont typeface="Wingdings" panose="05000000000000000000" pitchFamily="2" charset="2"/>
+              <a:buChar char="Ø"/>
+            </a:pPr>
+            <a:r>
+              <a:rPr lang="en-US" dirty="0" smtClean="0">
+                <a:latin typeface="Century Gothic (Headings)"/>
+              </a:rPr>
+              <a:t>Virtual DOM</a:t>
+            </a:r>
+          </a:p>
+          <a:p>
             <a:pPr marL="0" indent="0">
               <a:buNone/>
             </a:pPr>
-            <a:r>
-              <a:rPr lang="en-US" dirty="0"/>
-              <a:t>React Router is a powerful routing library built on top of </a:t>
-            </a:r>
-            <a:r>
-              <a:rPr lang="en-US" dirty="0">
-                <a:hlinkClick r:id="rId3"/>
-              </a:rPr>
-              <a:t>React</a:t>
-            </a:r>
-            <a:r>
-              <a:rPr lang="en-US" dirty="0"/>
-              <a:t> that helps you add new screens and flows to your application incredibly quickly, all while keeping the URL in sync with what's being displayed on the page</a:t>
-            </a:r>
-            <a:r>
-              <a:rPr lang="en-US" dirty="0" smtClean="0"/>
-              <a:t>.</a:t>
-            </a:r>
+            <a:endParaRPr lang="en-US" dirty="0" smtClean="0">
+              <a:latin typeface="Century Gothic (Headings)"/>
+            </a:endParaRPr>
           </a:p>
           <a:p>
             <a:pPr marL="0" indent="0">
@@ -21162,8 +21434,9 @@
             </a:endParaRPr>
           </a:p>
           <a:p>
-            <a:pPr marL="0" indent="0">
-              <a:buNone/>
+            <a:pPr>
+              <a:buFont typeface="Wingdings" panose="05000000000000000000" pitchFamily="2" charset="2"/>
+              <a:buChar char="Ø"/>
             </a:pPr>
             <a:endParaRPr lang="vi-VN" dirty="0" smtClean="0">
               <a:latin typeface="Century Gothic (Headings)"/>
@@ -21171,409 +21444,88 @@
           </a:p>
         </p:txBody>
       </p:sp>
-      <p:sp>
-        <p:nvSpPr>
-          <p:cNvPr id="5" name="TextBox 4"/>
-          <p:cNvSpPr txBox="1"/>
+      <p:pic>
+        <p:nvPicPr>
+          <p:cNvPr id="1028" name="Picture 4" descr="http://toobler.com/blog/wp-content/uploads/2015/06/reactjs-virtual-dom-real-dom.jpg"/>
+          <p:cNvPicPr>
+            <a:picLocks noChangeAspect="1" noChangeArrowheads="1"/>
+          </p:cNvPicPr>
           <p:nvPr/>
-        </p:nvSpPr>
-        <p:spPr>
+        </p:nvPicPr>
+        <p:blipFill>
+          <a:blip r:embed="rId3">
+            <a:extLst>
+              <a:ext uri="{28A0092B-C50C-407E-A947-70E740481C1C}">
+                <a14:useLocalDpi xmlns:a14="http://schemas.microsoft.com/office/drawing/2010/main" val="0"/>
+              </a:ext>
+            </a:extLst>
+          </a:blip>
+          <a:srcRect/>
+          <a:stretch>
+            <a:fillRect/>
+          </a:stretch>
+        </p:blipFill>
+        <p:spPr bwMode="auto">
           <a:xfrm>
-            <a:off x="130627" y="2159177"/>
-            <a:ext cx="4865915" cy="3970318"/>
+            <a:off x="5993976" y="1715253"/>
+            <a:ext cx="6076950" cy="4562476"/>
           </a:xfrm>
           <a:prstGeom prst="rect">
             <a:avLst/>
           </a:prstGeom>
           <a:noFill/>
+          <a:extLst>
+            <a:ext uri="{909E8E84-426E-40DD-AFC4-6F175D3DCCD1}">
+              <a14:hiddenFill xmlns:a14="http://schemas.microsoft.com/office/drawing/2010/main">
+                <a:solidFill>
+                  <a:srgbClr val="FFFFFF"/>
+                </a:solidFill>
+              </a14:hiddenFill>
+            </a:ext>
+          </a:extLst>
         </p:spPr>
-        <p:txBody>
-          <a:bodyPr wrap="square" rtlCol="0">
-            <a:spAutoFit/>
-          </a:bodyPr>
-          <a:lstStyle/>
-          <a:p>
-            <a:r>
-              <a:rPr lang="en-US" dirty="0"/>
-              <a:t>path: /</a:t>
-            </a:r>
-            <a:r>
-              <a:rPr lang="en-US" dirty="0" smtClean="0"/>
-              <a:t>inbox/messages/1234</a:t>
-            </a:r>
-            <a:endParaRPr lang="en-US" dirty="0"/>
-          </a:p>
-          <a:p>
-            <a:r>
-              <a:rPr lang="en-US" dirty="0"/>
-              <a:t>+---------+------------+------------------------+</a:t>
-            </a:r>
-          </a:p>
-          <a:p>
-            <a:r>
-              <a:rPr lang="en-US" dirty="0"/>
-              <a:t>| About   |    Inbox   </a:t>
-            </a:r>
-            <a:r>
-              <a:rPr lang="en-US" dirty="0" smtClean="0"/>
-              <a:t>    |                                        </a:t>
-            </a:r>
-            <a:r>
-              <a:rPr lang="en-US" dirty="0"/>
-              <a:t>|</a:t>
-            </a:r>
-          </a:p>
-          <a:p>
-            <a:r>
-              <a:rPr lang="en-US" dirty="0"/>
-              <a:t>+---------+            </a:t>
-            </a:r>
-            <a:r>
-              <a:rPr lang="en-US" dirty="0" smtClean="0"/>
-              <a:t>        +------------------------+</a:t>
-            </a:r>
-            <a:endParaRPr lang="en-US" dirty="0"/>
-          </a:p>
-          <a:p>
-            <a:r>
-              <a:rPr lang="en-US" dirty="0"/>
-              <a:t>| Compose    Reply    </a:t>
-            </a:r>
-            <a:r>
-              <a:rPr lang="en-US" dirty="0" err="1"/>
-              <a:t>Reply</a:t>
-            </a:r>
-            <a:r>
-              <a:rPr lang="en-US" dirty="0"/>
-              <a:t> All    Archive     </a:t>
-            </a:r>
-            <a:r>
-              <a:rPr lang="en-US" dirty="0" smtClean="0"/>
-              <a:t>|</a:t>
-            </a:r>
-            <a:endParaRPr lang="en-US" dirty="0"/>
-          </a:p>
-          <a:p>
-            <a:r>
-              <a:rPr lang="en-US" dirty="0" smtClean="0"/>
-              <a:t>+------------------------------------------------+</a:t>
-            </a:r>
-            <a:endParaRPr lang="en-US" dirty="0"/>
-          </a:p>
-          <a:p>
-            <a:r>
-              <a:rPr lang="en-US" dirty="0"/>
-              <a:t>|Movie tomorrow|                                </a:t>
-            </a:r>
-            <a:r>
-              <a:rPr lang="en-US" dirty="0" smtClean="0"/>
-              <a:t>              |</a:t>
-            </a:r>
-            <a:endParaRPr lang="en-US" dirty="0"/>
-          </a:p>
-          <a:p>
-            <a:r>
-              <a:rPr lang="en-US" dirty="0" smtClean="0"/>
-              <a:t>+--------------------+   </a:t>
-            </a:r>
-            <a:r>
-              <a:rPr lang="en-US" dirty="0"/>
-              <a:t>Subject: TPS Report </a:t>
-            </a:r>
-            <a:r>
-              <a:rPr lang="en-US" dirty="0" smtClean="0"/>
-              <a:t>|</a:t>
-            </a:r>
-            <a:endParaRPr lang="en-US" dirty="0"/>
-          </a:p>
-          <a:p>
-            <a:r>
-              <a:rPr lang="en-US" dirty="0"/>
-              <a:t>|TPS Report        </a:t>
-            </a:r>
-            <a:r>
-              <a:rPr lang="en-US" dirty="0" smtClean="0"/>
-              <a:t>       From</a:t>
-            </a:r>
-            <a:r>
-              <a:rPr lang="en-US" dirty="0"/>
-              <a:t>:    </a:t>
-            </a:r>
-            <a:r>
-              <a:rPr lang="en-US" dirty="0" smtClean="0"/>
-              <a:t>boss@big.co|</a:t>
-            </a:r>
-            <a:endParaRPr lang="en-US" dirty="0"/>
-          </a:p>
-          <a:p>
-            <a:r>
-              <a:rPr lang="en-US" dirty="0" smtClean="0"/>
-              <a:t>+--------------------+                                            |</a:t>
-            </a:r>
-            <a:endParaRPr lang="en-US" dirty="0"/>
-          </a:p>
-          <a:p>
-            <a:r>
-              <a:rPr lang="en-US" dirty="0"/>
-              <a:t>|New Pull </a:t>
-            </a:r>
-            <a:r>
-              <a:rPr lang="en-US" dirty="0" err="1" smtClean="0"/>
-              <a:t>Reque</a:t>
-            </a:r>
-            <a:r>
-              <a:rPr lang="en-US" dirty="0" smtClean="0"/>
-              <a:t>   |   </a:t>
-            </a:r>
-            <a:r>
-              <a:rPr lang="en-US" dirty="0"/>
-              <a:t>So ...                      </a:t>
-            </a:r>
-            <a:r>
-              <a:rPr lang="en-US" dirty="0" smtClean="0"/>
-              <a:t>          |</a:t>
-            </a:r>
-            <a:endParaRPr lang="en-US" dirty="0"/>
-          </a:p>
-          <a:p>
-            <a:r>
-              <a:rPr lang="en-US" dirty="0" smtClean="0"/>
-              <a:t>+--------------------+                                            |</a:t>
-            </a:r>
-            <a:endParaRPr lang="en-US" dirty="0"/>
-          </a:p>
-          <a:p>
-            <a:r>
-              <a:rPr lang="en-US" dirty="0"/>
-              <a:t>|...          </a:t>
-            </a:r>
-            <a:r>
-              <a:rPr lang="en-US" dirty="0" smtClean="0"/>
-              <a:t>                     </a:t>
-            </a:r>
-            <a:r>
-              <a:rPr lang="en-US" dirty="0"/>
-              <a:t>|                                </a:t>
-            </a:r>
-            <a:r>
-              <a:rPr lang="en-US" dirty="0" smtClean="0"/>
-              <a:t>             |</a:t>
-            </a:r>
-            <a:endParaRPr lang="en-US" dirty="0"/>
-          </a:p>
-          <a:p>
-            <a:r>
-              <a:rPr lang="en-US" dirty="0" smtClean="0"/>
-              <a:t>+--------------+--------------------------------+</a:t>
-            </a:r>
-            <a:endParaRPr lang="en-US" dirty="0"/>
-          </a:p>
-        </p:txBody>
-      </p:sp>
-      <p:sp>
-        <p:nvSpPr>
-          <p:cNvPr id="7" name="TextBox 6"/>
-          <p:cNvSpPr txBox="1"/>
+      </p:pic>
+      <p:pic>
+        <p:nvPicPr>
+          <p:cNvPr id="1032" name="Picture 8" descr="http://i.imgur.com/y2r2eh7.png"/>
+          <p:cNvPicPr>
+            <a:picLocks noChangeAspect="1" noChangeArrowheads="1"/>
+          </p:cNvPicPr>
           <p:nvPr/>
-        </p:nvSpPr>
-        <p:spPr>
+        </p:nvPicPr>
+        <p:blipFill>
+          <a:blip r:embed="rId4">
+            <a:extLst>
+              <a:ext uri="{28A0092B-C50C-407E-A947-70E740481C1C}">
+                <a14:useLocalDpi xmlns:a14="http://schemas.microsoft.com/office/drawing/2010/main" val="0"/>
+              </a:ext>
+            </a:extLst>
+          </a:blip>
+          <a:srcRect/>
+          <a:stretch>
+            <a:fillRect/>
+          </a:stretch>
+        </p:blipFill>
+        <p:spPr bwMode="auto">
           <a:xfrm>
-            <a:off x="6629396" y="2122511"/>
-            <a:ext cx="4865915" cy="3970318"/>
+            <a:off x="213630" y="4320583"/>
+            <a:ext cx="5162550" cy="2181226"/>
           </a:xfrm>
           <a:prstGeom prst="rect">
             <a:avLst/>
           </a:prstGeom>
           <a:noFill/>
+          <a:extLst>
+            <a:ext uri="{909E8E84-426E-40DD-AFC4-6F175D3DCCD1}">
+              <a14:hiddenFill xmlns:a14="http://schemas.microsoft.com/office/drawing/2010/main">
+                <a:solidFill>
+                  <a:srgbClr val="FFFFFF"/>
+                </a:solidFill>
+              </a14:hiddenFill>
+            </a:ext>
+          </a:extLst>
         </p:spPr>
-        <p:txBody>
-          <a:bodyPr wrap="square" rtlCol="0">
-            <a:spAutoFit/>
-          </a:bodyPr>
-          <a:lstStyle/>
-          <a:p>
-            <a:r>
-              <a:rPr lang="en-US" dirty="0"/>
-              <a:t>path: /</a:t>
-            </a:r>
-            <a:r>
-              <a:rPr lang="en-US" dirty="0" smtClean="0"/>
-              <a:t>inbox</a:t>
-            </a:r>
-            <a:endParaRPr lang="en-US" dirty="0"/>
-          </a:p>
-          <a:p>
-            <a:r>
-              <a:rPr lang="en-US" dirty="0" smtClean="0"/>
-              <a:t>+---------+------------+-------------------------+</a:t>
-            </a:r>
-            <a:endParaRPr lang="en-US" dirty="0"/>
-          </a:p>
-          <a:p>
-            <a:r>
-              <a:rPr lang="en-US" dirty="0"/>
-              <a:t>| About   |    Inbox  </a:t>
-            </a:r>
-            <a:r>
-              <a:rPr lang="en-US" dirty="0" smtClean="0"/>
-              <a:t>    </a:t>
-            </a:r>
-            <a:r>
-              <a:rPr lang="en-US" dirty="0"/>
-              <a:t>|                        </a:t>
-            </a:r>
-            <a:r>
-              <a:rPr lang="en-US" dirty="0" smtClean="0"/>
-              <a:t>                   |</a:t>
-            </a:r>
-            <a:endParaRPr lang="en-US" dirty="0"/>
-          </a:p>
-          <a:p>
-            <a:r>
-              <a:rPr lang="en-US" dirty="0"/>
-              <a:t>+---------+            </a:t>
-            </a:r>
-            <a:r>
-              <a:rPr lang="en-US" dirty="0" smtClean="0"/>
-              <a:t>        +-------------------------+</a:t>
-            </a:r>
-            <a:endParaRPr lang="en-US" dirty="0"/>
-          </a:p>
-          <a:p>
-            <a:r>
-              <a:rPr lang="en-US" dirty="0"/>
-              <a:t>| Compose    Reply    </a:t>
-            </a:r>
-            <a:r>
-              <a:rPr lang="en-US" dirty="0" err="1"/>
-              <a:t>Reply</a:t>
-            </a:r>
-            <a:r>
-              <a:rPr lang="en-US" dirty="0"/>
-              <a:t> All    Archive      </a:t>
-            </a:r>
-            <a:r>
-              <a:rPr lang="en-US" dirty="0" smtClean="0"/>
-              <a:t> |</a:t>
-            </a:r>
-            <a:endParaRPr lang="en-US" dirty="0"/>
-          </a:p>
-          <a:p>
-            <a:r>
-              <a:rPr lang="en-US" dirty="0" smtClean="0"/>
-              <a:t>+-------------------------------------------------+</a:t>
-            </a:r>
-            <a:endParaRPr lang="en-US" dirty="0"/>
-          </a:p>
-          <a:p>
-            <a:r>
-              <a:rPr lang="en-US" dirty="0"/>
-              <a:t>|Movie tomorrow|                                </a:t>
-            </a:r>
-            <a:r>
-              <a:rPr lang="en-US" dirty="0" smtClean="0"/>
-              <a:t>                |</a:t>
-            </a:r>
-            <a:endParaRPr lang="en-US" dirty="0"/>
-          </a:p>
-          <a:p>
-            <a:r>
-              <a:rPr lang="en-US" dirty="0" smtClean="0"/>
-              <a:t>+-------------------+   </a:t>
-            </a:r>
-            <a:r>
-              <a:rPr lang="en-US" dirty="0"/>
-              <a:t>10 Unread Messages  </a:t>
-            </a:r>
-            <a:r>
-              <a:rPr lang="en-US" dirty="0" smtClean="0"/>
-              <a:t> </a:t>
-            </a:r>
-            <a:r>
-              <a:rPr lang="en-US" dirty="0"/>
-              <a:t>|</a:t>
-            </a:r>
-          </a:p>
-          <a:p>
-            <a:r>
-              <a:rPr lang="en-US" dirty="0"/>
-              <a:t>|TPS Report    </a:t>
-            </a:r>
-            <a:r>
-              <a:rPr lang="en-US" dirty="0" smtClean="0"/>
-              <a:t>      |   </a:t>
-            </a:r>
-            <a:r>
-              <a:rPr lang="en-US" dirty="0"/>
-              <a:t>22 drafts                    </a:t>
-            </a:r>
-            <a:r>
-              <a:rPr lang="en-US" dirty="0" smtClean="0"/>
-              <a:t>        |</a:t>
-            </a:r>
-            <a:endParaRPr lang="en-US" dirty="0"/>
-          </a:p>
-          <a:p>
-            <a:r>
-              <a:rPr lang="en-US" dirty="0" smtClean="0"/>
-              <a:t>+-------------------+                                                </a:t>
-            </a:r>
-            <a:r>
-              <a:rPr lang="en-US" dirty="0"/>
-              <a:t>|</a:t>
-            </a:r>
-          </a:p>
-          <a:p>
-            <a:r>
-              <a:rPr lang="en-US" dirty="0"/>
-              <a:t>|New Pull </a:t>
-            </a:r>
-            <a:r>
-              <a:rPr lang="en-US" dirty="0" err="1" smtClean="0"/>
-              <a:t>Reque</a:t>
-            </a:r>
-            <a:r>
-              <a:rPr lang="en-US" dirty="0" smtClean="0"/>
-              <a:t> |                                                 </a:t>
-            </a:r>
-            <a:r>
-              <a:rPr lang="en-US" dirty="0"/>
-              <a:t>|</a:t>
-            </a:r>
-          </a:p>
-          <a:p>
-            <a:r>
-              <a:rPr lang="en-US" dirty="0" smtClean="0"/>
-              <a:t>+-------------------+                                                </a:t>
-            </a:r>
-            <a:r>
-              <a:rPr lang="en-US" dirty="0"/>
-              <a:t>|</a:t>
-            </a:r>
-          </a:p>
-          <a:p>
-            <a:r>
-              <a:rPr lang="en-US" dirty="0"/>
-              <a:t>|...           </a:t>
-            </a:r>
-            <a:r>
-              <a:rPr lang="en-US" dirty="0" smtClean="0"/>
-              <a:t>                   |                                                </a:t>
-            </a:r>
-            <a:r>
-              <a:rPr lang="en-US" dirty="0"/>
-              <a:t>|</a:t>
-            </a:r>
-          </a:p>
-          <a:p>
-            <a:r>
-              <a:rPr lang="en-US" dirty="0" smtClean="0"/>
-              <a:t>+-------------------+----------------------------+</a:t>
-            </a:r>
-            <a:endParaRPr lang="en-US" dirty="0"/>
-          </a:p>
-        </p:txBody>
-      </p:sp>
+      </p:pic>
     </p:spTree>
     <p:extLst>
       <p:ext uri="{BB962C8B-B14F-4D97-AF65-F5344CB8AC3E}">
@@ -21623,7 +21575,7 @@
         </p:nvSpPr>
         <p:spPr>
           <a:xfrm>
-            <a:off x="657102" y="299859"/>
+            <a:off x="761999" y="559678"/>
             <a:ext cx="11208327" cy="820235"/>
           </a:xfrm>
         </p:spPr>
@@ -21663,13 +21615,13 @@
         </p:nvSpPr>
         <p:spPr>
           <a:xfrm>
-            <a:off x="531811" y="1299709"/>
-            <a:ext cx="6963003" cy="4801736"/>
+            <a:off x="1" y="1126671"/>
+            <a:ext cx="12192000" cy="5486399"/>
           </a:xfrm>
         </p:spPr>
         <p:txBody>
           <a:bodyPr>
-            <a:normAutofit fontScale="70000" lnSpcReduction="20000"/>
+            <a:normAutofit/>
           </a:bodyPr>
           <a:lstStyle/>
           <a:p>
@@ -21677,18 +21629,29 @@
               <a:buNone/>
             </a:pPr>
             <a:r>
-              <a:rPr lang="en-US" sz="2400" dirty="0">
-                <a:latin typeface="Century Gothic (Headings)"/>
-              </a:rPr>
-              <a:t>A route configuration is basically a set of instructions that tell a router how to try to match the URL and what code to run when it </a:t>
-            </a:r>
-            <a:r>
-              <a:rPr lang="en-US" sz="2400" dirty="0" smtClean="0">
-                <a:latin typeface="Century Gothic (Headings)"/>
-              </a:rPr>
-              <a:t>does</a:t>
-            </a:r>
-            <a:endParaRPr lang="vi-VN" sz="2400" dirty="0" smtClean="0">
+              <a:rPr lang="en-US" dirty="0"/>
+              <a:t>React Router is a powerful routing library built on top of </a:t>
+            </a:r>
+            <a:r>
+              <a:rPr lang="en-US" dirty="0">
+                <a:hlinkClick r:id="rId3"/>
+              </a:rPr>
+              <a:t>React</a:t>
+            </a:r>
+            <a:r>
+              <a:rPr lang="en-US" dirty="0"/>
+              <a:t> that helps you add new screens and flows to your application incredibly quickly, all while keeping the URL in sync with what's being displayed on the page</a:t>
+            </a:r>
+            <a:r>
+              <a:rPr lang="en-US" dirty="0" smtClean="0"/>
+              <a:t>.</a:t>
+            </a:r>
+          </a:p>
+          <a:p>
+            <a:pPr marL="0" indent="0">
+              <a:buNone/>
+            </a:pPr>
+            <a:endParaRPr lang="en-US" dirty="0">
               <a:latin typeface="Century Gothic (Headings)"/>
             </a:endParaRPr>
           </a:p>
@@ -21696,290 +21659,7 @@
             <a:pPr marL="0" indent="0">
               <a:buNone/>
             </a:pPr>
-            <a:r>
-              <a:rPr lang="en-US" sz="2400" dirty="0">
-                <a:solidFill>
-                  <a:srgbClr val="00B0F0"/>
-                </a:solidFill>
-                <a:latin typeface="Century Gothic (Headings)"/>
-              </a:rPr>
-              <a:t>render((</a:t>
-            </a:r>
-          </a:p>
-          <a:p>
-            <a:pPr marL="0" indent="0">
-              <a:buNone/>
-            </a:pPr>
-            <a:r>
-              <a:rPr lang="en-US" sz="2400" dirty="0">
-                <a:latin typeface="Century Gothic (Headings)"/>
-              </a:rPr>
-              <a:t>  </a:t>
-            </a:r>
-            <a:r>
-              <a:rPr lang="en-US" sz="2400" dirty="0">
-                <a:solidFill>
-                  <a:srgbClr val="00B0F0"/>
-                </a:solidFill>
-                <a:latin typeface="Century Gothic (Headings)"/>
-              </a:rPr>
-              <a:t>&lt;</a:t>
-            </a:r>
-            <a:r>
-              <a:rPr lang="en-US" sz="2400" dirty="0" smtClean="0">
-                <a:solidFill>
-                  <a:srgbClr val="00B0F0"/>
-                </a:solidFill>
-                <a:latin typeface="Century Gothic (Headings)"/>
-              </a:rPr>
-              <a:t>Router</a:t>
-            </a:r>
-            <a:r>
-              <a:rPr lang="vi-VN" sz="2400" dirty="0">
-                <a:solidFill>
-                  <a:srgbClr val="00B0F0"/>
-                </a:solidFill>
-                <a:latin typeface="Century Gothic (Headings)"/>
-              </a:rPr>
-              <a:t> history={history}</a:t>
-            </a:r>
-            <a:r>
-              <a:rPr lang="en-US" sz="2400" dirty="0" smtClean="0">
-                <a:solidFill>
-                  <a:srgbClr val="00B0F0"/>
-                </a:solidFill>
-                <a:latin typeface="Century Gothic (Headings)"/>
-              </a:rPr>
-              <a:t>&gt;</a:t>
-            </a:r>
-            <a:endParaRPr lang="en-US" sz="2400" dirty="0">
-              <a:solidFill>
-                <a:srgbClr val="00B0F0"/>
-              </a:solidFill>
-              <a:latin typeface="Century Gothic (Headings)"/>
-            </a:endParaRPr>
-          </a:p>
-          <a:p>
-            <a:pPr marL="0" indent="0">
-              <a:buNone/>
-            </a:pPr>
-            <a:r>
-              <a:rPr lang="en-US" sz="2400" dirty="0">
-                <a:solidFill>
-                  <a:srgbClr val="00B0F0"/>
-                </a:solidFill>
-                <a:latin typeface="Century Gothic (Headings)"/>
-              </a:rPr>
-              <a:t>    &lt;Route path="/" component={App}&gt;</a:t>
-            </a:r>
-          </a:p>
-          <a:p>
-            <a:pPr marL="0" indent="0">
-              <a:buNone/>
-            </a:pPr>
-            <a:r>
-              <a:rPr lang="en-US" sz="2400" dirty="0">
-                <a:solidFill>
-                  <a:srgbClr val="00B0F0"/>
-                </a:solidFill>
-                <a:latin typeface="Century Gothic (Headings)"/>
-              </a:rPr>
-              <a:t>      &lt;</a:t>
-            </a:r>
-            <a:r>
-              <a:rPr lang="en-US" sz="2400" dirty="0" err="1">
-                <a:solidFill>
-                  <a:srgbClr val="00B0F0"/>
-                </a:solidFill>
-                <a:latin typeface="Century Gothic (Headings)"/>
-              </a:rPr>
-              <a:t>IndexRoute</a:t>
-            </a:r>
-            <a:r>
-              <a:rPr lang="en-US" sz="2400" dirty="0">
-                <a:solidFill>
-                  <a:srgbClr val="00B0F0"/>
-                </a:solidFill>
-                <a:latin typeface="Century Gothic (Headings)"/>
-              </a:rPr>
-              <a:t> component={Dashboard} /&gt;</a:t>
-            </a:r>
-          </a:p>
-          <a:p>
-            <a:pPr marL="0" indent="0">
-              <a:buNone/>
-            </a:pPr>
-            <a:r>
-              <a:rPr lang="en-US" sz="2400" dirty="0">
-                <a:solidFill>
-                  <a:srgbClr val="00B0F0"/>
-                </a:solidFill>
-                <a:latin typeface="Century Gothic (Headings)"/>
-              </a:rPr>
-              <a:t>      &lt;Route path="about" component={About} /&gt;</a:t>
-            </a:r>
-          </a:p>
-          <a:p>
-            <a:pPr marL="0" indent="0">
-              <a:buNone/>
-            </a:pPr>
-            <a:r>
-              <a:rPr lang="en-US" sz="2400" dirty="0">
-                <a:solidFill>
-                  <a:srgbClr val="00B0F0"/>
-                </a:solidFill>
-                <a:latin typeface="Century Gothic (Headings)"/>
-              </a:rPr>
-              <a:t>      &lt;Route path="inbox" component={Inbox}&gt;</a:t>
-            </a:r>
-          </a:p>
-          <a:p>
-            <a:pPr marL="0" indent="0">
-              <a:buNone/>
-            </a:pPr>
-            <a:r>
-              <a:rPr lang="vi-VN" sz="2400" dirty="0" smtClean="0">
-                <a:solidFill>
-                  <a:srgbClr val="00B0F0"/>
-                </a:solidFill>
-                <a:latin typeface="Century Gothic (Headings)"/>
-              </a:rPr>
-              <a:t>	</a:t>
-            </a:r>
-            <a:r>
-              <a:rPr lang="en-US" sz="2400" dirty="0" smtClean="0">
-                <a:solidFill>
-                  <a:srgbClr val="00B0F0"/>
-                </a:solidFill>
-                <a:latin typeface="Century Gothic (Headings)"/>
-              </a:rPr>
-              <a:t>&lt;</a:t>
-            </a:r>
-            <a:r>
-              <a:rPr lang="en-US" sz="2400" dirty="0">
-                <a:solidFill>
-                  <a:srgbClr val="00B0F0"/>
-                </a:solidFill>
-                <a:latin typeface="Century Gothic (Headings)"/>
-              </a:rPr>
-              <a:t>Route path="/messages/:id" component={Message} </a:t>
-            </a:r>
-            <a:r>
-              <a:rPr lang="en-US" sz="2400" dirty="0" smtClean="0">
-                <a:solidFill>
-                  <a:srgbClr val="00B0F0"/>
-                </a:solidFill>
-                <a:latin typeface="Century Gothic (Headings)"/>
-              </a:rPr>
-              <a:t>/&gt;</a:t>
-            </a:r>
-            <a:endParaRPr lang="vi-VN" sz="2400" dirty="0" smtClean="0">
-              <a:solidFill>
-                <a:srgbClr val="00B0F0"/>
-              </a:solidFill>
-              <a:latin typeface="Century Gothic (Headings)"/>
-            </a:endParaRPr>
-          </a:p>
-          <a:p>
-            <a:pPr marL="0" indent="0">
-              <a:buNone/>
-            </a:pPr>
-            <a:r>
-              <a:rPr lang="vi-VN" sz="2400" dirty="0">
-                <a:solidFill>
-                  <a:srgbClr val="00B0F0"/>
-                </a:solidFill>
-                <a:latin typeface="Century Gothic (Headings)"/>
-              </a:rPr>
-              <a:t>	</a:t>
-            </a:r>
-            <a:r>
-              <a:rPr lang="en-US" sz="2400" dirty="0">
-                <a:solidFill>
-                  <a:srgbClr val="00B0F0"/>
-                </a:solidFill>
-                <a:latin typeface="Century Gothic (Headings)"/>
-              </a:rPr>
-              <a:t>&lt;Redirect from="messages/:id" to="/messages/:id" /&gt;</a:t>
-            </a:r>
-          </a:p>
-          <a:p>
-            <a:pPr marL="0" indent="0">
-              <a:buNone/>
-            </a:pPr>
-            <a:r>
-              <a:rPr lang="en-US" sz="2400" dirty="0">
-                <a:solidFill>
-                  <a:srgbClr val="00B0F0"/>
-                </a:solidFill>
-                <a:latin typeface="Century Gothic (Headings)"/>
-              </a:rPr>
-              <a:t>      &lt;/Route&gt;</a:t>
-            </a:r>
-          </a:p>
-          <a:p>
-            <a:pPr marL="0" indent="0">
-              <a:buNone/>
-            </a:pPr>
-            <a:r>
-              <a:rPr lang="en-US" sz="2400" dirty="0">
-                <a:solidFill>
-                  <a:srgbClr val="00B0F0"/>
-                </a:solidFill>
-                <a:latin typeface="Century Gothic (Headings)"/>
-              </a:rPr>
-              <a:t>    &lt;/Route&gt;</a:t>
-            </a:r>
-          </a:p>
-          <a:p>
-            <a:pPr marL="0" indent="0">
-              <a:buNone/>
-            </a:pPr>
-            <a:r>
-              <a:rPr lang="en-US" sz="2400" dirty="0">
-                <a:solidFill>
-                  <a:srgbClr val="00B0F0"/>
-                </a:solidFill>
-                <a:latin typeface="Century Gothic (Headings)"/>
-              </a:rPr>
-              <a:t>  &lt;/Router&gt;</a:t>
-            </a:r>
-          </a:p>
-          <a:p>
-            <a:pPr marL="0" indent="0">
-              <a:buNone/>
-            </a:pPr>
-            <a:r>
-              <a:rPr lang="en-US" sz="2400" dirty="0">
-                <a:solidFill>
-                  <a:srgbClr val="00B0F0"/>
-                </a:solidFill>
-                <a:latin typeface="Century Gothic (Headings)"/>
-              </a:rPr>
-              <a:t>), </a:t>
-            </a:r>
-            <a:r>
-              <a:rPr lang="en-US" sz="2400" dirty="0" err="1">
-                <a:solidFill>
-                  <a:srgbClr val="00B0F0"/>
-                </a:solidFill>
-                <a:latin typeface="Century Gothic (Headings)"/>
-              </a:rPr>
-              <a:t>document.body</a:t>
-            </a:r>
-            <a:r>
-              <a:rPr lang="en-US" sz="2400" dirty="0">
-                <a:solidFill>
-                  <a:srgbClr val="00B0F0"/>
-                </a:solidFill>
-                <a:latin typeface="Century Gothic (Headings)"/>
-              </a:rPr>
-              <a:t>)</a:t>
-            </a:r>
-            <a:endParaRPr lang="en-US" sz="2400" dirty="0" smtClean="0">
-              <a:solidFill>
-                <a:srgbClr val="00B0F0"/>
-              </a:solidFill>
+            <a:endParaRPr lang="vi-VN" dirty="0" smtClean="0">
               <a:latin typeface="Century Gothic (Headings)"/>
             </a:endParaRPr>
           </a:p>
@@ -21987,14 +21667,14 @@
       </p:sp>
       <p:sp>
         <p:nvSpPr>
-          <p:cNvPr id="4" name="TextBox 3"/>
+          <p:cNvPr id="5" name="TextBox 4"/>
           <p:cNvSpPr txBox="1"/>
           <p:nvPr/>
         </p:nvSpPr>
         <p:spPr>
           <a:xfrm>
-            <a:off x="7494814" y="1577130"/>
-            <a:ext cx="3706586" cy="4524315"/>
+            <a:off x="130627" y="2159177"/>
+            <a:ext cx="4865915" cy="3970318"/>
           </a:xfrm>
           <a:prstGeom prst="rect">
             <a:avLst/>
@@ -22008,118 +21688,382 @@
           <a:lstStyle/>
           <a:p>
             <a:r>
-              <a:rPr lang="en-US" dirty="0" smtClean="0">
-                <a:solidFill>
-                  <a:srgbClr val="0070C0"/>
-                </a:solidFill>
-              </a:rPr>
-              <a:t>/</a:t>
-            </a:r>
-          </a:p>
-          <a:p>
+              <a:rPr lang="en-US" dirty="0"/>
+              <a:t>path: /</a:t>
+            </a:r>
             <a:r>
               <a:rPr lang="en-US" dirty="0" smtClean="0"/>
-              <a:t> -&gt; &lt;App&gt;&lt;Dashboard/&gt;&lt;a&gt;</a:t>
-            </a:r>
-          </a:p>
-          <a:p>
-            <a:endParaRPr lang="en-US" dirty="0" smtClean="0"/>
-          </a:p>
-          <a:p>
-            <a:r>
-              <a:rPr lang="en-US" dirty="0" smtClean="0">
-                <a:solidFill>
-                  <a:srgbClr val="0070C0"/>
-                </a:solidFill>
-              </a:rPr>
-              <a:t>/about</a:t>
-            </a:r>
-          </a:p>
-          <a:p>
+              <a:t>inbox/messages/1234</a:t>
+            </a:r>
+            <a:endParaRPr lang="en-US" dirty="0"/>
+          </a:p>
+          <a:p>
+            <a:r>
+              <a:rPr lang="en-US" dirty="0"/>
+              <a:t>+---------+------------+------------------------+</a:t>
+            </a:r>
+          </a:p>
+          <a:p>
+            <a:r>
+              <a:rPr lang="en-US" dirty="0"/>
+              <a:t>| About   |    Inbox   </a:t>
+            </a:r>
             <a:r>
               <a:rPr lang="en-US" dirty="0" smtClean="0"/>
-              <a:t>-&gt;&lt;App&gt;&lt;About/&gt;&lt;/App&gt;</a:t>
-            </a:r>
-          </a:p>
-          <a:p>
-            <a:endParaRPr lang="en-US" dirty="0" smtClean="0"/>
-          </a:p>
-          <a:p>
-            <a:r>
-              <a:rPr lang="en-US" dirty="0" smtClean="0">
-                <a:solidFill>
-                  <a:srgbClr val="0070C0"/>
-                </a:solidFill>
-              </a:rPr>
-              <a:t>/inbox</a:t>
-            </a:r>
-          </a:p>
-          <a:p>
+              <a:t>    |                                        </a:t>
+            </a:r>
+            <a:r>
+              <a:rPr lang="en-US" dirty="0"/>
+              <a:t>|</a:t>
+            </a:r>
+          </a:p>
+          <a:p>
+            <a:r>
+              <a:rPr lang="en-US" dirty="0"/>
+              <a:t>+---------+            </a:t>
+            </a:r>
             <a:r>
               <a:rPr lang="en-US" dirty="0" smtClean="0"/>
-              <a:t>-&gt;&lt;App&gt;&lt;Inbox/&gt;&lt;/App&gt;</a:t>
-            </a:r>
-          </a:p>
-          <a:p>
-            <a:endParaRPr lang="en-US" dirty="0" smtClean="0"/>
-          </a:p>
-          <a:p>
-            <a:r>
-              <a:rPr lang="en-US" dirty="0" smtClean="0">
-                <a:solidFill>
-                  <a:srgbClr val="0070C0"/>
-                </a:solidFill>
-              </a:rPr>
-              <a:t>/inbox/</a:t>
-            </a:r>
-            <a:r>
-              <a:rPr lang="en-US" dirty="0" err="1" smtClean="0">
-                <a:solidFill>
-                  <a:srgbClr val="0070C0"/>
-                </a:solidFill>
-              </a:rPr>
-              <a:t>messafe</a:t>
-            </a:r>
-            <a:r>
-              <a:rPr lang="en-US" dirty="0" smtClean="0">
-                <a:solidFill>
-                  <a:srgbClr val="0070C0"/>
-                </a:solidFill>
-              </a:rPr>
-              <a:t>/123</a:t>
-            </a:r>
-          </a:p>
-          <a:p>
+              <a:t>        +------------------------+</a:t>
+            </a:r>
+            <a:endParaRPr lang="en-US" dirty="0"/>
+          </a:p>
+          <a:p>
+            <a:r>
+              <a:rPr lang="en-US" dirty="0"/>
+              <a:t>| Compose    Reply    </a:t>
+            </a:r>
+            <a:r>
+              <a:rPr lang="en-US" dirty="0" err="1"/>
+              <a:t>Reply</a:t>
+            </a:r>
+            <a:r>
+              <a:rPr lang="en-US" dirty="0"/>
+              <a:t> All    Archive     </a:t>
+            </a:r>
             <a:r>
               <a:rPr lang="en-US" dirty="0" smtClean="0"/>
-              <a:t>-&gt;&lt;App&gt;</a:t>
-            </a:r>
+              <a:t>|</a:t>
+            </a:r>
+            <a:endParaRPr lang="en-US" dirty="0"/>
           </a:p>
           <a:p>
             <a:r>
               <a:rPr lang="en-US" dirty="0" smtClean="0"/>
-              <a:t>	&lt;Inbox&gt;</a:t>
-            </a:r>
-          </a:p>
-          <a:p>
+              <a:t>+------------------------------------------------+</a:t>
+            </a:r>
+            <a:endParaRPr lang="en-US" dirty="0"/>
+          </a:p>
+          <a:p>
+            <a:r>
+              <a:rPr lang="en-US" dirty="0"/>
+              <a:t>|Movie tomorrow|                                </a:t>
+            </a:r>
             <a:r>
               <a:rPr lang="en-US" dirty="0" smtClean="0"/>
-              <a:t>		&lt;Message/&gt;</a:t>
-            </a:r>
+              <a:t>              |</a:t>
+            </a:r>
+            <a:endParaRPr lang="en-US" dirty="0"/>
           </a:p>
           <a:p>
             <a:r>
               <a:rPr lang="en-US" dirty="0" smtClean="0"/>
-              <a:t>	&lt;Inbox&gt;</a:t>
-            </a:r>
-          </a:p>
-          <a:p>
+              <a:t>+--------------------+   </a:t>
+            </a:r>
+            <a:r>
+              <a:rPr lang="en-US" dirty="0"/>
+              <a:t>Subject: TPS Report </a:t>
+            </a:r>
             <a:r>
               <a:rPr lang="en-US" dirty="0" smtClean="0"/>
-              <a:t>&lt;/App&gt;</a:t>
-            </a:r>
-          </a:p>
-          <a:p>
+              <a:t>|</a:t>
+            </a:r>
+            <a:endParaRPr lang="en-US" dirty="0"/>
+          </a:p>
+          <a:p>
+            <a:r>
+              <a:rPr lang="en-US" dirty="0"/>
+              <a:t>|TPS Report        </a:t>
+            </a:r>
+            <a:r>
+              <a:rPr lang="en-US" dirty="0" smtClean="0"/>
+              <a:t>       From</a:t>
+            </a:r>
+            <a:r>
+              <a:rPr lang="en-US" dirty="0"/>
+              <a:t>:    </a:t>
+            </a:r>
+            <a:r>
+              <a:rPr lang="en-US" dirty="0" smtClean="0"/>
+              <a:t>boss@big.co|</a:t>
+            </a:r>
+            <a:endParaRPr lang="en-US" dirty="0"/>
+          </a:p>
+          <a:p>
+            <a:r>
+              <a:rPr lang="en-US" dirty="0" smtClean="0"/>
+              <a:t>+--------------------+                                            |</a:t>
+            </a:r>
+            <a:endParaRPr lang="en-US" dirty="0"/>
+          </a:p>
+          <a:p>
+            <a:r>
+              <a:rPr lang="en-US" dirty="0"/>
+              <a:t>|New Pull </a:t>
+            </a:r>
+            <a:r>
+              <a:rPr lang="en-US" dirty="0" err="1" smtClean="0"/>
+              <a:t>Reque</a:t>
+            </a:r>
+            <a:r>
+              <a:rPr lang="en-US" dirty="0" smtClean="0"/>
+              <a:t>   |   </a:t>
+            </a:r>
+            <a:r>
+              <a:rPr lang="en-US" dirty="0"/>
+              <a:t>So ...                      </a:t>
+            </a:r>
+            <a:r>
+              <a:rPr lang="en-US" dirty="0" smtClean="0"/>
+              <a:t>          |</a:t>
+            </a:r>
+            <a:endParaRPr lang="en-US" dirty="0"/>
+          </a:p>
+          <a:p>
+            <a:r>
+              <a:rPr lang="en-US" dirty="0" smtClean="0"/>
+              <a:t>+--------------------+                                            |</a:t>
+            </a:r>
+            <a:endParaRPr lang="en-US" dirty="0"/>
+          </a:p>
+          <a:p>
+            <a:r>
+              <a:rPr lang="en-US" dirty="0"/>
+              <a:t>|...          </a:t>
+            </a:r>
+            <a:r>
+              <a:rPr lang="en-US" dirty="0" smtClean="0"/>
+              <a:t>                     </a:t>
+            </a:r>
+            <a:r>
+              <a:rPr lang="en-US" dirty="0"/>
+              <a:t>|                                </a:t>
+            </a:r>
+            <a:r>
+              <a:rPr lang="en-US" dirty="0" smtClean="0"/>
+              <a:t>             |</a:t>
+            </a:r>
+            <a:endParaRPr lang="en-US" dirty="0"/>
+          </a:p>
+          <a:p>
+            <a:r>
+              <a:rPr lang="en-US" dirty="0" smtClean="0"/>
+              <a:t>+--------------+--------------------------------+</a:t>
+            </a:r>
+            <a:endParaRPr lang="en-US" dirty="0"/>
+          </a:p>
+        </p:txBody>
+      </p:sp>
+      <p:sp>
+        <p:nvSpPr>
+          <p:cNvPr id="7" name="TextBox 6"/>
+          <p:cNvSpPr txBox="1"/>
+          <p:nvPr/>
+        </p:nvSpPr>
+        <p:spPr>
+          <a:xfrm>
+            <a:off x="6629396" y="2122511"/>
+            <a:ext cx="4865915" cy="3970318"/>
+          </a:xfrm>
+          <a:prstGeom prst="rect">
+            <a:avLst/>
+          </a:prstGeom>
+          <a:noFill/>
+        </p:spPr>
+        <p:txBody>
+          <a:bodyPr wrap="square" rtlCol="0">
+            <a:spAutoFit/>
+          </a:bodyPr>
+          <a:lstStyle/>
+          <a:p>
+            <a:r>
+              <a:rPr lang="en-US" dirty="0"/>
+              <a:t>path: /</a:t>
+            </a:r>
+            <a:r>
+              <a:rPr lang="en-US" dirty="0" smtClean="0"/>
+              <a:t>inbox</a:t>
+            </a:r>
+            <a:endParaRPr lang="en-US" dirty="0"/>
+          </a:p>
+          <a:p>
+            <a:r>
+              <a:rPr lang="en-US" dirty="0" smtClean="0"/>
+              <a:t>+---------+------------+-------------------------+</a:t>
+            </a:r>
+            <a:endParaRPr lang="en-US" dirty="0"/>
+          </a:p>
+          <a:p>
+            <a:r>
+              <a:rPr lang="en-US" dirty="0"/>
+              <a:t>| About   |    Inbox  </a:t>
+            </a:r>
+            <a:r>
+              <a:rPr lang="en-US" dirty="0" smtClean="0"/>
+              <a:t>    </a:t>
+            </a:r>
+            <a:r>
+              <a:rPr lang="en-US" dirty="0"/>
+              <a:t>|                        </a:t>
+            </a:r>
+            <a:r>
+              <a:rPr lang="en-US" dirty="0" smtClean="0"/>
+              <a:t>                   |</a:t>
+            </a:r>
+            <a:endParaRPr lang="en-US" dirty="0"/>
+          </a:p>
+          <a:p>
+            <a:r>
+              <a:rPr lang="en-US" dirty="0"/>
+              <a:t>+---------+            </a:t>
+            </a:r>
+            <a:r>
+              <a:rPr lang="en-US" dirty="0" smtClean="0"/>
+              <a:t>        +-------------------------+</a:t>
+            </a:r>
+            <a:endParaRPr lang="en-US" dirty="0"/>
+          </a:p>
+          <a:p>
+            <a:r>
+              <a:rPr lang="en-US" dirty="0"/>
+              <a:t>| Compose    Reply    </a:t>
+            </a:r>
+            <a:r>
+              <a:rPr lang="en-US" dirty="0" err="1"/>
+              <a:t>Reply</a:t>
+            </a:r>
+            <a:r>
+              <a:rPr lang="en-US" dirty="0"/>
+              <a:t> All    Archive      </a:t>
+            </a:r>
+            <a:r>
+              <a:rPr lang="en-US" dirty="0" smtClean="0"/>
+              <a:t> |</a:t>
+            </a:r>
+            <a:endParaRPr lang="en-US" dirty="0"/>
+          </a:p>
+          <a:p>
+            <a:r>
+              <a:rPr lang="en-US" dirty="0" smtClean="0"/>
+              <a:t>+-------------------------------------------------+</a:t>
+            </a:r>
+            <a:endParaRPr lang="en-US" dirty="0"/>
+          </a:p>
+          <a:p>
+            <a:r>
+              <a:rPr lang="en-US" dirty="0"/>
+              <a:t>|Movie tomorrow|                                </a:t>
+            </a:r>
+            <a:r>
+              <a:rPr lang="en-US" dirty="0" smtClean="0"/>
+              <a:t>                |</a:t>
+            </a:r>
+            <a:endParaRPr lang="en-US" dirty="0"/>
+          </a:p>
+          <a:p>
+            <a:r>
+              <a:rPr lang="en-US" dirty="0" smtClean="0"/>
+              <a:t>+-------------------+   </a:t>
+            </a:r>
+            <a:r>
+              <a:rPr lang="en-US" dirty="0"/>
+              <a:t>10 Unread Messages  </a:t>
+            </a:r>
+            <a:r>
+              <a:rPr lang="en-US" dirty="0" smtClean="0"/>
+              <a:t> </a:t>
+            </a:r>
+            <a:r>
+              <a:rPr lang="en-US" dirty="0"/>
+              <a:t>|</a:t>
+            </a:r>
+          </a:p>
+          <a:p>
+            <a:r>
+              <a:rPr lang="en-US" dirty="0"/>
+              <a:t>|TPS Report    </a:t>
+            </a:r>
+            <a:r>
+              <a:rPr lang="en-US" dirty="0" smtClean="0"/>
+              <a:t>      |   </a:t>
+            </a:r>
+            <a:r>
+              <a:rPr lang="en-US" dirty="0"/>
+              <a:t>22 drafts                    </a:t>
+            </a:r>
+            <a:r>
+              <a:rPr lang="en-US" dirty="0" smtClean="0"/>
+              <a:t>        |</a:t>
+            </a:r>
+            <a:endParaRPr lang="en-US" dirty="0"/>
+          </a:p>
+          <a:p>
+            <a:r>
+              <a:rPr lang="en-US" dirty="0" smtClean="0"/>
+              <a:t>+-------------------+                                                </a:t>
+            </a:r>
+            <a:r>
+              <a:rPr lang="en-US" dirty="0"/>
+              <a:t>|</a:t>
+            </a:r>
+          </a:p>
+          <a:p>
+            <a:r>
+              <a:rPr lang="en-US" dirty="0"/>
+              <a:t>|New Pull </a:t>
+            </a:r>
+            <a:r>
+              <a:rPr lang="en-US" dirty="0" err="1" smtClean="0"/>
+              <a:t>Reque</a:t>
+            </a:r>
+            <a:r>
+              <a:rPr lang="en-US" dirty="0" smtClean="0"/>
+              <a:t> |                                                 </a:t>
+            </a:r>
+            <a:r>
+              <a:rPr lang="en-US" dirty="0"/>
+              <a:t>|</a:t>
+            </a:r>
+          </a:p>
+          <a:p>
+            <a:r>
+              <a:rPr lang="en-US" dirty="0" smtClean="0"/>
+              <a:t>+-------------------+                                                </a:t>
+            </a:r>
+            <a:r>
+              <a:rPr lang="en-US" dirty="0"/>
+              <a:t>|</a:t>
+            </a:r>
+          </a:p>
+          <a:p>
+            <a:r>
+              <a:rPr lang="en-US" dirty="0"/>
+              <a:t>|...           </a:t>
+            </a:r>
+            <a:r>
+              <a:rPr lang="en-US" dirty="0" smtClean="0"/>
+              <a:t>                   |                                                </a:t>
+            </a:r>
+            <a:r>
+              <a:rPr lang="en-US" dirty="0"/>
+              <a:t>|</a:t>
+            </a:r>
+          </a:p>
+          <a:p>
+            <a:r>
+              <a:rPr lang="en-US" dirty="0" smtClean="0"/>
+              <a:t>+-------------------+----------------------------+</a:t>
+            </a:r>
             <a:endParaRPr lang="en-US" dirty="0"/>
           </a:p>
         </p:txBody>
@@ -22127,7 +22071,7 @@
     </p:spTree>
     <p:extLst>
       <p:ext uri="{BB962C8B-B14F-4D97-AF65-F5344CB8AC3E}">
-        <p14:creationId xmlns:p14="http://schemas.microsoft.com/office/powerpoint/2010/main" val="3374472592"/>
+        <p14:creationId xmlns:p14="http://schemas.microsoft.com/office/powerpoint/2010/main" val="885773868"/>
       </p:ext>
     </p:extLst>
   </p:cSld>
@@ -22309,9 +22253,6 @@
               </a:rPr>
               <a:t>…</a:t>
             </a:r>
-            <a:endParaRPr lang="en-US" sz="2400" dirty="0" smtClean="0">
-              <a:latin typeface="Century Gothic (Headings)"/>
-            </a:endParaRPr>
           </a:p>
         </p:txBody>
       </p:sp>
@@ -22336,6 +22277,556 @@
 </file>
 
 <file path=ppt/slides/slide40.xml><?xml version="1.0" encoding="utf-8"?>
+<p:sld xmlns:a="http://schemas.openxmlformats.org/drawingml/2006/main" xmlns:r="http://schemas.openxmlformats.org/officeDocument/2006/relationships" xmlns:p="http://schemas.openxmlformats.org/presentationml/2006/main">
+  <p:cSld>
+    <p:spTree>
+      <p:nvGrpSpPr>
+        <p:cNvPr id="1" name=""/>
+        <p:cNvGrpSpPr/>
+        <p:nvPr/>
+      </p:nvGrpSpPr>
+      <p:grpSpPr>
+        <a:xfrm>
+          <a:off x="0" y="0"/>
+          <a:ext cx="0" cy="0"/>
+          <a:chOff x="0" y="0"/>
+          <a:chExt cx="0" cy="0"/>
+        </a:xfrm>
+      </p:grpSpPr>
+      <p:sp>
+        <p:nvSpPr>
+          <p:cNvPr id="2" name="Title 1"/>
+          <p:cNvSpPr>
+            <a:spLocks noGrp="1"/>
+          </p:cNvSpPr>
+          <p:nvPr>
+            <p:ph type="title"/>
+          </p:nvPr>
+        </p:nvSpPr>
+        <p:spPr>
+          <a:xfrm>
+            <a:off x="657102" y="299859"/>
+            <a:ext cx="11208327" cy="820235"/>
+          </a:xfrm>
+        </p:spPr>
+        <p:txBody>
+          <a:bodyPr/>
+          <a:lstStyle/>
+          <a:p>
+            <a:r>
+              <a:rPr lang="en-US" dirty="0"/>
+              <a:t>React</a:t>
+            </a:r>
+            <a:r>
+              <a:rPr lang="en-US" b="1" dirty="0"/>
+              <a:t> </a:t>
+            </a:r>
+            <a:r>
+              <a:rPr lang="vi-VN" dirty="0" smtClean="0">
+                <a:latin typeface="Century Gothic (Headings)"/>
+              </a:rPr>
+              <a:t>Router</a:t>
+            </a:r>
+            <a:endParaRPr lang="en-US" dirty="0">
+              <a:latin typeface="Century Gothic (Headings)"/>
+            </a:endParaRPr>
+          </a:p>
+        </p:txBody>
+      </p:sp>
+      <p:sp>
+        <p:nvSpPr>
+          <p:cNvPr id="3" name="Content Placeholder 2"/>
+          <p:cNvSpPr>
+            <a:spLocks noGrp="1"/>
+          </p:cNvSpPr>
+          <p:nvPr>
+            <p:ph idx="1"/>
+          </p:nvPr>
+        </p:nvSpPr>
+        <p:spPr>
+          <a:xfrm>
+            <a:off x="531811" y="1299709"/>
+            <a:ext cx="6963003" cy="4801736"/>
+          </a:xfrm>
+        </p:spPr>
+        <p:txBody>
+          <a:bodyPr>
+            <a:normAutofit fontScale="70000" lnSpcReduction="20000"/>
+          </a:bodyPr>
+          <a:lstStyle/>
+          <a:p>
+            <a:pPr marL="0" indent="0">
+              <a:buNone/>
+            </a:pPr>
+            <a:r>
+              <a:rPr lang="en-US" sz="2400" dirty="0">
+                <a:latin typeface="Century Gothic (Headings)"/>
+              </a:rPr>
+              <a:t>A route configuration is basically a set of instructions that tell a router how to try to match the URL and what code to run when it </a:t>
+            </a:r>
+            <a:r>
+              <a:rPr lang="en-US" sz="2400" dirty="0" smtClean="0">
+                <a:latin typeface="Century Gothic (Headings)"/>
+              </a:rPr>
+              <a:t>does</a:t>
+            </a:r>
+            <a:endParaRPr lang="vi-VN" sz="2400" dirty="0" smtClean="0">
+              <a:latin typeface="Century Gothic (Headings)"/>
+            </a:endParaRPr>
+          </a:p>
+          <a:p>
+            <a:pPr marL="0" indent="0">
+              <a:buNone/>
+            </a:pPr>
+            <a:r>
+              <a:rPr lang="en-US" sz="2400" dirty="0">
+                <a:solidFill>
+                  <a:srgbClr val="00B0F0"/>
+                </a:solidFill>
+                <a:latin typeface="Century Gothic (Headings)"/>
+              </a:rPr>
+              <a:t>render((</a:t>
+            </a:r>
+          </a:p>
+          <a:p>
+            <a:pPr marL="0" indent="0">
+              <a:buNone/>
+            </a:pPr>
+            <a:r>
+              <a:rPr lang="en-US" sz="2400" dirty="0">
+                <a:latin typeface="Century Gothic (Headings)"/>
+              </a:rPr>
+              <a:t>  </a:t>
+            </a:r>
+            <a:r>
+              <a:rPr lang="en-US" sz="2400" dirty="0">
+                <a:solidFill>
+                  <a:srgbClr val="00B0F0"/>
+                </a:solidFill>
+                <a:latin typeface="Century Gothic (Headings)"/>
+              </a:rPr>
+              <a:t>&lt;</a:t>
+            </a:r>
+            <a:r>
+              <a:rPr lang="en-US" sz="2400" dirty="0" smtClean="0">
+                <a:solidFill>
+                  <a:srgbClr val="00B0F0"/>
+                </a:solidFill>
+                <a:latin typeface="Century Gothic (Headings)"/>
+              </a:rPr>
+              <a:t>Router</a:t>
+            </a:r>
+            <a:r>
+              <a:rPr lang="vi-VN" sz="2400" dirty="0">
+                <a:solidFill>
+                  <a:srgbClr val="00B0F0"/>
+                </a:solidFill>
+                <a:latin typeface="Century Gothic (Headings)"/>
+              </a:rPr>
+              <a:t> history={history}</a:t>
+            </a:r>
+            <a:r>
+              <a:rPr lang="en-US" sz="2400" dirty="0" smtClean="0">
+                <a:solidFill>
+                  <a:srgbClr val="00B0F0"/>
+                </a:solidFill>
+                <a:latin typeface="Century Gothic (Headings)"/>
+              </a:rPr>
+              <a:t>&gt;</a:t>
+            </a:r>
+            <a:endParaRPr lang="en-US" sz="2400" dirty="0">
+              <a:solidFill>
+                <a:srgbClr val="00B0F0"/>
+              </a:solidFill>
+              <a:latin typeface="Century Gothic (Headings)"/>
+            </a:endParaRPr>
+          </a:p>
+          <a:p>
+            <a:pPr marL="0" indent="0">
+              <a:buNone/>
+            </a:pPr>
+            <a:r>
+              <a:rPr lang="en-US" sz="2400" dirty="0">
+                <a:solidFill>
+                  <a:srgbClr val="00B0F0"/>
+                </a:solidFill>
+                <a:latin typeface="Century Gothic (Headings)"/>
+              </a:rPr>
+              <a:t>    &lt;Route path="/" component={App}&gt;</a:t>
+            </a:r>
+          </a:p>
+          <a:p>
+            <a:pPr marL="0" indent="0">
+              <a:buNone/>
+            </a:pPr>
+            <a:r>
+              <a:rPr lang="en-US" sz="2400" dirty="0">
+                <a:solidFill>
+                  <a:srgbClr val="00B0F0"/>
+                </a:solidFill>
+                <a:latin typeface="Century Gothic (Headings)"/>
+              </a:rPr>
+              <a:t>      &lt;</a:t>
+            </a:r>
+            <a:r>
+              <a:rPr lang="en-US" sz="2400" dirty="0" err="1">
+                <a:solidFill>
+                  <a:srgbClr val="00B0F0"/>
+                </a:solidFill>
+                <a:latin typeface="Century Gothic (Headings)"/>
+              </a:rPr>
+              <a:t>IndexRoute</a:t>
+            </a:r>
+            <a:r>
+              <a:rPr lang="en-US" sz="2400" dirty="0">
+                <a:solidFill>
+                  <a:srgbClr val="00B0F0"/>
+                </a:solidFill>
+                <a:latin typeface="Century Gothic (Headings)"/>
+              </a:rPr>
+              <a:t> component={Dashboard} /&gt;</a:t>
+            </a:r>
+          </a:p>
+          <a:p>
+            <a:pPr marL="0" indent="0">
+              <a:buNone/>
+            </a:pPr>
+            <a:r>
+              <a:rPr lang="en-US" sz="2400" dirty="0">
+                <a:solidFill>
+                  <a:srgbClr val="00B0F0"/>
+                </a:solidFill>
+                <a:latin typeface="Century Gothic (Headings)"/>
+              </a:rPr>
+              <a:t>      &lt;Route path="about" component={About} /&gt;</a:t>
+            </a:r>
+          </a:p>
+          <a:p>
+            <a:pPr marL="0" indent="0">
+              <a:buNone/>
+            </a:pPr>
+            <a:r>
+              <a:rPr lang="en-US" sz="2400" dirty="0">
+                <a:solidFill>
+                  <a:srgbClr val="00B0F0"/>
+                </a:solidFill>
+                <a:latin typeface="Century Gothic (Headings)"/>
+              </a:rPr>
+              <a:t>      &lt;Route path="inbox" component={Inbox}&gt;</a:t>
+            </a:r>
+          </a:p>
+          <a:p>
+            <a:pPr marL="0" indent="0">
+              <a:buNone/>
+            </a:pPr>
+            <a:r>
+              <a:rPr lang="vi-VN" sz="2400" dirty="0" smtClean="0">
+                <a:solidFill>
+                  <a:srgbClr val="00B0F0"/>
+                </a:solidFill>
+                <a:latin typeface="Century Gothic (Headings)"/>
+              </a:rPr>
+              <a:t>	</a:t>
+            </a:r>
+            <a:r>
+              <a:rPr lang="en-US" sz="2400" dirty="0" smtClean="0">
+                <a:solidFill>
+                  <a:srgbClr val="00B0F0"/>
+                </a:solidFill>
+                <a:latin typeface="Century Gothic (Headings)"/>
+              </a:rPr>
+              <a:t>&lt;</a:t>
+            </a:r>
+            <a:r>
+              <a:rPr lang="en-US" sz="2400" dirty="0">
+                <a:solidFill>
+                  <a:srgbClr val="00B0F0"/>
+                </a:solidFill>
+                <a:latin typeface="Century Gothic (Headings)"/>
+              </a:rPr>
+              <a:t>Route path="/messages/:id" component={Message} </a:t>
+            </a:r>
+            <a:r>
+              <a:rPr lang="en-US" sz="2400" dirty="0" smtClean="0">
+                <a:solidFill>
+                  <a:srgbClr val="00B0F0"/>
+                </a:solidFill>
+                <a:latin typeface="Century Gothic (Headings)"/>
+              </a:rPr>
+              <a:t>/&gt;</a:t>
+            </a:r>
+            <a:endParaRPr lang="vi-VN" sz="2400" dirty="0" smtClean="0">
+              <a:solidFill>
+                <a:srgbClr val="00B0F0"/>
+              </a:solidFill>
+              <a:latin typeface="Century Gothic (Headings)"/>
+            </a:endParaRPr>
+          </a:p>
+          <a:p>
+            <a:pPr marL="0" indent="0">
+              <a:buNone/>
+            </a:pPr>
+            <a:r>
+              <a:rPr lang="vi-VN" sz="2400" dirty="0">
+                <a:solidFill>
+                  <a:srgbClr val="00B0F0"/>
+                </a:solidFill>
+                <a:latin typeface="Century Gothic (Headings)"/>
+              </a:rPr>
+              <a:t>	</a:t>
+            </a:r>
+            <a:r>
+              <a:rPr lang="en-US" sz="2400" dirty="0">
+                <a:solidFill>
+                  <a:srgbClr val="00B0F0"/>
+                </a:solidFill>
+                <a:latin typeface="Century Gothic (Headings)"/>
+              </a:rPr>
+              <a:t>&lt;Redirect from="messages/:id" to="/messages/:id" /&gt;</a:t>
+            </a:r>
+          </a:p>
+          <a:p>
+            <a:pPr marL="0" indent="0">
+              <a:buNone/>
+            </a:pPr>
+            <a:r>
+              <a:rPr lang="en-US" sz="2400" dirty="0">
+                <a:solidFill>
+                  <a:srgbClr val="00B0F0"/>
+                </a:solidFill>
+                <a:latin typeface="Century Gothic (Headings)"/>
+              </a:rPr>
+              <a:t>      &lt;/Route&gt;</a:t>
+            </a:r>
+          </a:p>
+          <a:p>
+            <a:pPr marL="0" indent="0">
+              <a:buNone/>
+            </a:pPr>
+            <a:r>
+              <a:rPr lang="en-US" sz="2400" dirty="0">
+                <a:solidFill>
+                  <a:srgbClr val="00B0F0"/>
+                </a:solidFill>
+                <a:latin typeface="Century Gothic (Headings)"/>
+              </a:rPr>
+              <a:t>    &lt;/Route&gt;</a:t>
+            </a:r>
+          </a:p>
+          <a:p>
+            <a:pPr marL="0" indent="0">
+              <a:buNone/>
+            </a:pPr>
+            <a:r>
+              <a:rPr lang="en-US" sz="2400" dirty="0">
+                <a:solidFill>
+                  <a:srgbClr val="00B0F0"/>
+                </a:solidFill>
+                <a:latin typeface="Century Gothic (Headings)"/>
+              </a:rPr>
+              <a:t>  &lt;/Router&gt;</a:t>
+            </a:r>
+          </a:p>
+          <a:p>
+            <a:pPr marL="0" indent="0">
+              <a:buNone/>
+            </a:pPr>
+            <a:r>
+              <a:rPr lang="en-US" sz="2400" dirty="0">
+                <a:solidFill>
+                  <a:srgbClr val="00B0F0"/>
+                </a:solidFill>
+                <a:latin typeface="Century Gothic (Headings)"/>
+              </a:rPr>
+              <a:t>), </a:t>
+            </a:r>
+            <a:r>
+              <a:rPr lang="en-US" sz="2400" dirty="0" err="1">
+                <a:solidFill>
+                  <a:srgbClr val="00B0F0"/>
+                </a:solidFill>
+                <a:latin typeface="Century Gothic (Headings)"/>
+              </a:rPr>
+              <a:t>document.body</a:t>
+            </a:r>
+            <a:r>
+              <a:rPr lang="en-US" sz="2400" dirty="0">
+                <a:solidFill>
+                  <a:srgbClr val="00B0F0"/>
+                </a:solidFill>
+                <a:latin typeface="Century Gothic (Headings)"/>
+              </a:rPr>
+              <a:t>)</a:t>
+            </a:r>
+            <a:endParaRPr lang="en-US" sz="2400" dirty="0" smtClean="0">
+              <a:solidFill>
+                <a:srgbClr val="00B0F0"/>
+              </a:solidFill>
+              <a:latin typeface="Century Gothic (Headings)"/>
+            </a:endParaRPr>
+          </a:p>
+        </p:txBody>
+      </p:sp>
+      <p:sp>
+        <p:nvSpPr>
+          <p:cNvPr id="4" name="TextBox 3"/>
+          <p:cNvSpPr txBox="1"/>
+          <p:nvPr/>
+        </p:nvSpPr>
+        <p:spPr>
+          <a:xfrm>
+            <a:off x="7494814" y="1577130"/>
+            <a:ext cx="3706586" cy="4524315"/>
+          </a:xfrm>
+          <a:prstGeom prst="rect">
+            <a:avLst/>
+          </a:prstGeom>
+          <a:noFill/>
+        </p:spPr>
+        <p:txBody>
+          <a:bodyPr wrap="square" rtlCol="0">
+            <a:spAutoFit/>
+          </a:bodyPr>
+          <a:lstStyle/>
+          <a:p>
+            <a:r>
+              <a:rPr lang="en-US" dirty="0" smtClean="0">
+                <a:solidFill>
+                  <a:srgbClr val="0070C0"/>
+                </a:solidFill>
+              </a:rPr>
+              <a:t>/</a:t>
+            </a:r>
+          </a:p>
+          <a:p>
+            <a:r>
+              <a:rPr lang="en-US" dirty="0" smtClean="0"/>
+              <a:t> -&gt; &lt;App&gt;&lt;Dashboard/&gt;&lt;a&gt;</a:t>
+            </a:r>
+          </a:p>
+          <a:p>
+            <a:endParaRPr lang="en-US" dirty="0" smtClean="0"/>
+          </a:p>
+          <a:p>
+            <a:r>
+              <a:rPr lang="en-US" dirty="0" smtClean="0">
+                <a:solidFill>
+                  <a:srgbClr val="0070C0"/>
+                </a:solidFill>
+              </a:rPr>
+              <a:t>/about</a:t>
+            </a:r>
+          </a:p>
+          <a:p>
+            <a:r>
+              <a:rPr lang="en-US" dirty="0" smtClean="0"/>
+              <a:t>-&gt;&lt;App&gt;&lt;About/&gt;&lt;/App&gt;</a:t>
+            </a:r>
+          </a:p>
+          <a:p>
+            <a:endParaRPr lang="en-US" dirty="0" smtClean="0"/>
+          </a:p>
+          <a:p>
+            <a:r>
+              <a:rPr lang="en-US" dirty="0" smtClean="0">
+                <a:solidFill>
+                  <a:srgbClr val="0070C0"/>
+                </a:solidFill>
+              </a:rPr>
+              <a:t>/inbox</a:t>
+            </a:r>
+          </a:p>
+          <a:p>
+            <a:r>
+              <a:rPr lang="en-US" dirty="0" smtClean="0"/>
+              <a:t>-&gt;&lt;App&gt;&lt;Inbox/&gt;&lt;/App&gt;</a:t>
+            </a:r>
+          </a:p>
+          <a:p>
+            <a:endParaRPr lang="en-US" dirty="0" smtClean="0"/>
+          </a:p>
+          <a:p>
+            <a:r>
+              <a:rPr lang="en-US" dirty="0" smtClean="0">
+                <a:solidFill>
+                  <a:srgbClr val="0070C0"/>
+                </a:solidFill>
+              </a:rPr>
+              <a:t>/inbox/</a:t>
+            </a:r>
+            <a:r>
+              <a:rPr lang="en-US" dirty="0" err="1" smtClean="0">
+                <a:solidFill>
+                  <a:srgbClr val="0070C0"/>
+                </a:solidFill>
+              </a:rPr>
+              <a:t>messafe</a:t>
+            </a:r>
+            <a:r>
+              <a:rPr lang="en-US" dirty="0" smtClean="0">
+                <a:solidFill>
+                  <a:srgbClr val="0070C0"/>
+                </a:solidFill>
+              </a:rPr>
+              <a:t>/123</a:t>
+            </a:r>
+          </a:p>
+          <a:p>
+            <a:r>
+              <a:rPr lang="en-US" dirty="0" smtClean="0"/>
+              <a:t>-&gt;&lt;App&gt;</a:t>
+            </a:r>
+          </a:p>
+          <a:p>
+            <a:r>
+              <a:rPr lang="en-US" dirty="0" smtClean="0"/>
+              <a:t>	&lt;Inbox&gt;</a:t>
+            </a:r>
+          </a:p>
+          <a:p>
+            <a:r>
+              <a:rPr lang="en-US" dirty="0" smtClean="0"/>
+              <a:t>		&lt;Message/&gt;</a:t>
+            </a:r>
+          </a:p>
+          <a:p>
+            <a:r>
+              <a:rPr lang="en-US" dirty="0" smtClean="0"/>
+              <a:t>	&lt;Inbox&gt;</a:t>
+            </a:r>
+          </a:p>
+          <a:p>
+            <a:r>
+              <a:rPr lang="en-US" dirty="0" smtClean="0"/>
+              <a:t>&lt;/App&gt;</a:t>
+            </a:r>
+          </a:p>
+          <a:p>
+            <a:endParaRPr lang="en-US" dirty="0"/>
+          </a:p>
+        </p:txBody>
+      </p:sp>
+    </p:spTree>
+    <p:extLst>
+      <p:ext uri="{BB962C8B-B14F-4D97-AF65-F5344CB8AC3E}">
+        <p14:creationId xmlns:p14="http://schemas.microsoft.com/office/powerpoint/2010/main" val="3374472592"/>
+      </p:ext>
+    </p:extLst>
+  </p:cSld>
+  <p:clrMapOvr>
+    <a:masterClrMapping/>
+  </p:clrMapOvr>
+  <p:timing>
+    <p:tnLst>
+      <p:par>
+        <p:cTn id="1" dur="indefinite" restart="never" nodeType="tmRoot"/>
+      </p:par>
+    </p:tnLst>
+  </p:timing>
+</p:sld>
+</file>
+
+<file path=ppt/slides/slide41.xml><?xml version="1.0" encoding="utf-8"?>
 <p:sld xmlns:a="http://schemas.openxmlformats.org/drawingml/2006/main" xmlns:r="http://schemas.openxmlformats.org/officeDocument/2006/relationships" xmlns:p="http://schemas.openxmlformats.org/presentationml/2006/main">
   <p:cSld>
     <p:spTree>
@@ -23187,7 +23678,7 @@
 </p:sld>
 </file>
 
-<file path=ppt/slides/slide41.xml><?xml version="1.0" encoding="utf-8"?>
+<file path=ppt/slides/slide42.xml><?xml version="1.0" encoding="utf-8"?>
 <p:sld xmlns:a="http://schemas.openxmlformats.org/drawingml/2006/main" xmlns:r="http://schemas.openxmlformats.org/officeDocument/2006/relationships" xmlns:p="http://schemas.openxmlformats.org/presentationml/2006/main">
   <p:cSld>
     <p:spTree>
@@ -24060,7 +24551,7 @@
 </p:sld>
 </file>
 
-<file path=ppt/slides/slide42.xml><?xml version="1.0" encoding="utf-8"?>
+<file path=ppt/slides/slide43.xml><?xml version="1.0" encoding="utf-8"?>
 <p:sld xmlns:a="http://schemas.openxmlformats.org/drawingml/2006/main" xmlns:r="http://schemas.openxmlformats.org/officeDocument/2006/relationships" xmlns:p="http://schemas.openxmlformats.org/presentationml/2006/main">
   <p:cSld>
     <p:spTree>
@@ -24948,7 +25439,7 @@
 </p:sld>
 </file>
 
-<file path=ppt/slides/slide43.xml><?xml version="1.0" encoding="utf-8"?>
+<file path=ppt/slides/slide44.xml><?xml version="1.0" encoding="utf-8"?>
 <p:sld xmlns:a="http://schemas.openxmlformats.org/drawingml/2006/main" xmlns:r="http://schemas.openxmlformats.org/officeDocument/2006/relationships" xmlns:p="http://schemas.openxmlformats.org/presentationml/2006/main">
   <p:cSld>
     <p:spTree>
@@ -25826,7 +26317,7 @@
 </p:sld>
 </file>
 
-<file path=ppt/slides/slide44.xml><?xml version="1.0" encoding="utf-8"?>
+<file path=ppt/slides/slide45.xml><?xml version="1.0" encoding="utf-8"?>
 <p:sld xmlns:a="http://schemas.openxmlformats.org/drawingml/2006/main" xmlns:r="http://schemas.openxmlformats.org/officeDocument/2006/relationships" xmlns:p="http://schemas.openxmlformats.org/presentationml/2006/main">
   <p:cSld>
     <p:spTree>
@@ -25962,7 +26453,7 @@
 </p:sld>
 </file>
 
-<file path=ppt/slides/slide45.xml><?xml version="1.0" encoding="utf-8"?>
+<file path=ppt/slides/slide46.xml><?xml version="1.0" encoding="utf-8"?>
 <p:sld xmlns:a="http://schemas.openxmlformats.org/drawingml/2006/main" xmlns:r="http://schemas.openxmlformats.org/officeDocument/2006/relationships" xmlns:p="http://schemas.openxmlformats.org/presentationml/2006/main">
   <p:cSld>
     <p:spTree>
@@ -26053,7 +26544,7 @@
 </p:sld>
 </file>
 
-<file path=ppt/slides/slide46.xml><?xml version="1.0" encoding="utf-8"?>
+<file path=ppt/slides/slide47.xml><?xml version="1.0" encoding="utf-8"?>
 <p:sld xmlns:a="http://schemas.openxmlformats.org/drawingml/2006/main" xmlns:r="http://schemas.openxmlformats.org/officeDocument/2006/relationships" xmlns:p="http://schemas.openxmlformats.org/presentationml/2006/main">
   <p:cSld>
     <p:spTree>
@@ -26141,7 +26632,7 @@
 </p:sld>
 </file>
 
-<file path=ppt/slides/slide47.xml><?xml version="1.0" encoding="utf-8"?>
+<file path=ppt/slides/slide48.xml><?xml version="1.0" encoding="utf-8"?>
 <p:sld xmlns:a="http://schemas.openxmlformats.org/drawingml/2006/main" xmlns:r="http://schemas.openxmlformats.org/officeDocument/2006/relationships" xmlns:p="http://schemas.openxmlformats.org/presentationml/2006/main">
   <p:cSld>
     <p:spTree>
@@ -26464,7 +26955,7 @@
 </p:sld>
 </file>
 
-<file path=ppt/slides/slide48.xml><?xml version="1.0" encoding="utf-8"?>
+<file path=ppt/slides/slide49.xml><?xml version="1.0" encoding="utf-8"?>
 <p:sld xmlns:a="http://schemas.openxmlformats.org/drawingml/2006/main" xmlns:r="http://schemas.openxmlformats.org/officeDocument/2006/relationships" xmlns:p="http://schemas.openxmlformats.org/presentationml/2006/main">
   <p:cSld>
     <p:spTree>
@@ -26592,108 +27083,6 @@
 </p:sld>
 </file>
 
-<file path=ppt/slides/slide49.xml><?xml version="1.0" encoding="utf-8"?>
-<p:sld xmlns:a="http://schemas.openxmlformats.org/drawingml/2006/main" xmlns:r="http://schemas.openxmlformats.org/officeDocument/2006/relationships" xmlns:p="http://schemas.openxmlformats.org/presentationml/2006/main">
-  <p:cSld>
-    <p:spTree>
-      <p:nvGrpSpPr>
-        <p:cNvPr id="1" name=""/>
-        <p:cNvGrpSpPr/>
-        <p:nvPr/>
-      </p:nvGrpSpPr>
-      <p:grpSpPr>
-        <a:xfrm>
-          <a:off x="0" y="0"/>
-          <a:ext cx="0" cy="0"/>
-          <a:chOff x="0" y="0"/>
-          <a:chExt cx="0" cy="0"/>
-        </a:xfrm>
-      </p:grpSpPr>
-      <p:sp>
-        <p:nvSpPr>
-          <p:cNvPr id="2" name="Title 1"/>
-          <p:cNvSpPr>
-            <a:spLocks noGrp="1"/>
-          </p:cNvSpPr>
-          <p:nvPr>
-            <p:ph type="title"/>
-          </p:nvPr>
-        </p:nvSpPr>
-        <p:spPr/>
-        <p:txBody>
-          <a:bodyPr/>
-          <a:lstStyle/>
-          <a:p>
-            <a:r>
-              <a:rPr lang="vi-VN" dirty="0" smtClean="0"/>
-              <a:t>FLUX - </a:t>
-            </a:r>
-            <a:r>
-              <a:rPr lang="vi-VN" dirty="0"/>
-              <a:t>Stores</a:t>
-            </a:r>
-            <a:endParaRPr lang="en-US" dirty="0">
-              <a:latin typeface="Century Gothic (Headings)"/>
-            </a:endParaRPr>
-          </a:p>
-        </p:txBody>
-      </p:sp>
-      <p:sp>
-        <p:nvSpPr>
-          <p:cNvPr id="3" name="Content Placeholder 2"/>
-          <p:cNvSpPr>
-            <a:spLocks noGrp="1"/>
-          </p:cNvSpPr>
-          <p:nvPr>
-            <p:ph idx="1"/>
-          </p:nvPr>
-        </p:nvSpPr>
-        <p:spPr/>
-        <p:txBody>
-          <a:bodyPr>
-            <a:normAutofit/>
-          </a:bodyPr>
-          <a:lstStyle/>
-          <a:p>
-            <a:pPr marL="0" indent="0">
-              <a:buNone/>
-            </a:pPr>
-            <a:r>
-              <a:rPr lang="en-US" sz="2800" b="1" dirty="0" smtClean="0"/>
-              <a:t>Stores</a:t>
-            </a:r>
-            <a:r>
-              <a:rPr lang="vi-VN" sz="2800" b="1" dirty="0" smtClean="0"/>
-              <a:t>: </a:t>
-            </a:r>
-            <a:r>
-              <a:rPr lang="en-US" sz="2800" dirty="0"/>
-              <a:t> Stores manage application state for a particular domain within your application. From a high level, this basically means that per app section, stores manage the data, data retrieval methods and dispatcher callbacks.</a:t>
-            </a:r>
-            <a:endParaRPr lang="vi-VN" sz="2800" b="1" dirty="0" smtClean="0"/>
-          </a:p>
-        </p:txBody>
-      </p:sp>
-    </p:spTree>
-    <p:extLst>
-      <p:ext uri="{BB962C8B-B14F-4D97-AF65-F5344CB8AC3E}">
-        <p14:creationId xmlns:p14="http://schemas.microsoft.com/office/powerpoint/2010/main" val="1307085733"/>
-      </p:ext>
-    </p:extLst>
-  </p:cSld>
-  <p:clrMapOvr>
-    <a:masterClrMapping/>
-  </p:clrMapOvr>
-  <p:timing>
-    <p:tnLst>
-      <p:par>
-        <p:cTn id="1" dur="indefinite" restart="never" nodeType="tmRoot"/>
-      </p:par>
-    </p:tnLst>
-  </p:timing>
-</p:sld>
-</file>
-
 <file path=ppt/slides/slide5.xml><?xml version="1.0" encoding="utf-8"?>
 <p:sld xmlns:a="http://schemas.openxmlformats.org/drawingml/2006/main" xmlns:r="http://schemas.openxmlformats.org/officeDocument/2006/relationships" xmlns:p="http://schemas.openxmlformats.org/presentationml/2006/main">
   <p:cSld>
@@ -27159,25 +27548,19 @@
             <p:ph type="title"/>
           </p:nvPr>
         </p:nvSpPr>
-        <p:spPr>
-          <a:xfrm>
-            <a:off x="761999" y="559677"/>
-            <a:ext cx="11025447" cy="5275857"/>
-          </a:xfrm>
-        </p:spPr>
+        <p:spPr/>
         <p:txBody>
-          <a:bodyPr>
-            <a:normAutofit/>
-          </a:bodyPr>
+          <a:bodyPr/>
           <a:lstStyle/>
           <a:p>
             <a:r>
               <a:rPr lang="vi-VN" dirty="0" smtClean="0"/>
-              <a:t>FLUX – Stores</a:t>
-            </a:r>
-            <a:br>
-              <a:rPr lang="vi-VN" dirty="0" smtClean="0"/>
-            </a:br>
+              <a:t>FLUX - </a:t>
+            </a:r>
+            <a:r>
+              <a:rPr lang="vi-VN" dirty="0"/>
+              <a:t>Stores</a:t>
+            </a:r>
             <a:endParaRPr lang="en-US" dirty="0">
               <a:latin typeface="Century Gothic (Headings)"/>
             </a:endParaRPr>
@@ -27194,15 +27577,10 @@
             <p:ph idx="1"/>
           </p:nvPr>
         </p:nvSpPr>
-        <p:spPr>
-          <a:xfrm>
-            <a:off x="433841" y="559677"/>
-            <a:ext cx="8946541" cy="5445455"/>
-          </a:xfrm>
-        </p:spPr>
+        <p:spPr/>
         <p:txBody>
           <a:bodyPr>
-            <a:normAutofit fontScale="47500" lnSpcReduction="20000"/>
+            <a:normAutofit/>
           </a:bodyPr>
           <a:lstStyle/>
           <a:p>
@@ -27210,235 +27588,16 @@
               <a:buNone/>
             </a:pPr>
             <a:r>
-              <a:rPr lang="vi-VN" sz="2800" b="1" dirty="0"/>
-              <a:t>function loadShoes(data) {</a:t>
-            </a:r>
-          </a:p>
-          <a:p>
-            <a:pPr marL="0" indent="0">
-              <a:buNone/>
-            </a:pPr>
+              <a:rPr lang="en-US" sz="2800" b="1" dirty="0" smtClean="0"/>
+              <a:t>Stores</a:t>
+            </a:r>
             <a:r>
               <a:rPr lang="vi-VN" sz="2800" b="1" dirty="0" smtClean="0"/>
-              <a:t>	  </a:t>
-            </a:r>
-            <a:r>
-              <a:rPr lang="vi-VN" sz="2800" b="1" dirty="0"/>
-              <a:t>_shoes = data.shoes;</a:t>
-            </a:r>
-          </a:p>
-          <a:p>
-            <a:pPr marL="0" indent="0">
-              <a:buNone/>
-            </a:pPr>
-            <a:r>
-              <a:rPr lang="vi-VN" sz="2800" b="1" dirty="0"/>
-              <a:t>}</a:t>
-            </a:r>
-            <a:endParaRPr lang="vi-VN" sz="2800" b="1" dirty="0" smtClean="0"/>
-          </a:p>
-          <a:p>
-            <a:pPr marL="0" indent="0">
-              <a:buNone/>
-            </a:pPr>
-            <a:r>
-              <a:rPr lang="vi-VN" sz="2800" b="1" dirty="0" smtClean="0"/>
-              <a:t>var </a:t>
-            </a:r>
-            <a:r>
-              <a:rPr lang="vi-VN" sz="2800" b="1" dirty="0"/>
-              <a:t>ShoeStore = merge(EventEmitter.prototype, </a:t>
-            </a:r>
-            <a:r>
-              <a:rPr lang="vi-VN" sz="2800" b="1" dirty="0" smtClean="0"/>
-              <a:t>{</a:t>
-            </a:r>
-            <a:endParaRPr lang="vi-VN" sz="2800" b="1" dirty="0"/>
-          </a:p>
-          <a:p>
-            <a:pPr marL="0" indent="0">
-              <a:buNone/>
-            </a:pPr>
-            <a:r>
-              <a:rPr lang="vi-VN" sz="2800" b="1" dirty="0"/>
-              <a:t>  </a:t>
-            </a:r>
-            <a:r>
-              <a:rPr lang="vi-VN" sz="2800" b="1" dirty="0" smtClean="0"/>
-              <a:t>	// </a:t>
-            </a:r>
-            <a:r>
-              <a:rPr lang="vi-VN" sz="2800" b="1" dirty="0"/>
-              <a:t>Returns all shoes</a:t>
-            </a:r>
-          </a:p>
-          <a:p>
-            <a:pPr marL="400050" lvl="1" indent="0">
-              <a:buNone/>
-            </a:pPr>
-            <a:r>
-              <a:rPr lang="vi-VN" sz="2600" b="1" dirty="0"/>
-              <a:t>  getShoes: function() {</a:t>
-            </a:r>
-          </a:p>
-          <a:p>
-            <a:pPr marL="400050" lvl="1" indent="0">
-              <a:buNone/>
-            </a:pPr>
-            <a:r>
-              <a:rPr lang="vi-VN" sz="2600" b="1" dirty="0"/>
-              <a:t>    </a:t>
-            </a:r>
-            <a:r>
-              <a:rPr lang="vi-VN" sz="2600" b="1" dirty="0" smtClean="0"/>
-              <a:t>	return </a:t>
-            </a:r>
-            <a:r>
-              <a:rPr lang="vi-VN" sz="2600" b="1" dirty="0"/>
-              <a:t>_shoes;</a:t>
-            </a:r>
-          </a:p>
-          <a:p>
-            <a:pPr marL="400050" lvl="1" indent="0">
-              <a:buNone/>
-            </a:pPr>
-            <a:r>
-              <a:rPr lang="vi-VN" sz="2600" b="1" dirty="0"/>
-              <a:t>  </a:t>
-            </a:r>
-            <a:r>
-              <a:rPr lang="vi-VN" sz="2600" b="1" dirty="0" smtClean="0"/>
-              <a:t>},</a:t>
-            </a:r>
-            <a:endParaRPr lang="vi-VN" sz="2600" b="1" dirty="0"/>
-          </a:p>
-          <a:p>
-            <a:pPr marL="400050" lvl="1" indent="0">
-              <a:buNone/>
-            </a:pPr>
-            <a:r>
-              <a:rPr lang="vi-VN" sz="2600" b="1" dirty="0"/>
-              <a:t>  emitChange: function() {</a:t>
-            </a:r>
-          </a:p>
-          <a:p>
-            <a:pPr marL="400050" lvl="1" indent="0">
-              <a:buNone/>
-            </a:pPr>
-            <a:r>
-              <a:rPr lang="vi-VN" sz="2600" b="1" dirty="0"/>
-              <a:t>    </a:t>
-            </a:r>
-            <a:r>
-              <a:rPr lang="vi-VN" sz="2600" b="1" dirty="0" smtClean="0"/>
-              <a:t>	this.emit</a:t>
-            </a:r>
-            <a:r>
-              <a:rPr lang="vi-VN" sz="2600" b="1" dirty="0"/>
-              <a:t>('change');</a:t>
-            </a:r>
-          </a:p>
-          <a:p>
-            <a:pPr marL="400050" lvl="1" indent="0">
-              <a:buNone/>
-            </a:pPr>
-            <a:r>
-              <a:rPr lang="vi-VN" sz="2600" b="1" dirty="0"/>
-              <a:t>  </a:t>
-            </a:r>
-            <a:r>
-              <a:rPr lang="vi-VN" sz="2600" b="1" dirty="0" smtClean="0"/>
-              <a:t>},</a:t>
-            </a:r>
-            <a:endParaRPr lang="vi-VN" sz="2600" b="1" dirty="0"/>
-          </a:p>
-          <a:p>
-            <a:pPr marL="400050" lvl="1" indent="0">
-              <a:buNone/>
-            </a:pPr>
-            <a:r>
-              <a:rPr lang="vi-VN" sz="2600" b="1" dirty="0"/>
-              <a:t>  addChangeListener: function(callback) {</a:t>
-            </a:r>
-          </a:p>
-          <a:p>
-            <a:pPr marL="400050" lvl="1" indent="0">
-              <a:buNone/>
-            </a:pPr>
-            <a:r>
-              <a:rPr lang="vi-VN" sz="2600" b="1" dirty="0"/>
-              <a:t>   </a:t>
-            </a:r>
-            <a:r>
-              <a:rPr lang="vi-VN" sz="2600" b="1" dirty="0" smtClean="0"/>
-              <a:t>	 </a:t>
-            </a:r>
-            <a:r>
-              <a:rPr lang="vi-VN" sz="2600" b="1" dirty="0"/>
-              <a:t>this.on('change', callback);</a:t>
-            </a:r>
-          </a:p>
-          <a:p>
-            <a:pPr marL="400050" lvl="1" indent="0">
-              <a:buNone/>
-            </a:pPr>
-            <a:r>
-              <a:rPr lang="vi-VN" sz="2600" b="1" dirty="0"/>
-              <a:t>  </a:t>
-            </a:r>
-            <a:r>
-              <a:rPr lang="vi-VN" sz="2600" b="1" dirty="0" smtClean="0"/>
-              <a:t>},</a:t>
-            </a:r>
-            <a:endParaRPr lang="vi-VN" sz="2600" b="1" dirty="0"/>
-          </a:p>
-          <a:p>
-            <a:pPr marL="400050" lvl="1" indent="0">
-              <a:buNone/>
-            </a:pPr>
-            <a:r>
-              <a:rPr lang="vi-VN" sz="2600" b="1" dirty="0"/>
-              <a:t>  removeChangeListener: function(callback) {</a:t>
-            </a:r>
-          </a:p>
-          <a:p>
-            <a:pPr marL="400050" lvl="1" indent="0">
-              <a:buNone/>
-            </a:pPr>
-            <a:r>
-              <a:rPr lang="vi-VN" sz="2600" b="1" dirty="0"/>
-              <a:t>   </a:t>
-            </a:r>
-            <a:r>
-              <a:rPr lang="vi-VN" sz="2600" b="1" dirty="0" smtClean="0"/>
-              <a:t>	 </a:t>
-            </a:r>
-            <a:r>
-              <a:rPr lang="vi-VN" sz="2600" b="1" dirty="0"/>
-              <a:t>this.removeListener('change', callback);</a:t>
-            </a:r>
-          </a:p>
-          <a:p>
-            <a:pPr marL="400050" lvl="1" indent="0">
-              <a:buNone/>
-            </a:pPr>
-            <a:r>
-              <a:rPr lang="vi-VN" sz="2600" b="1" dirty="0"/>
-              <a:t>  </a:t>
-            </a:r>
-            <a:r>
-              <a:rPr lang="vi-VN" sz="2600" b="1" dirty="0" smtClean="0"/>
-              <a:t>}</a:t>
-            </a:r>
-            <a:endParaRPr lang="vi-VN" sz="2600" b="1" dirty="0"/>
-          </a:p>
-          <a:p>
-            <a:pPr marL="0" indent="0">
-              <a:buNone/>
-            </a:pPr>
-            <a:r>
-              <a:rPr lang="vi-VN" sz="2800" b="1" dirty="0"/>
-              <a:t>});</a:t>
+              <a:t>: </a:t>
+            </a:r>
+            <a:r>
+              <a:rPr lang="en-US" sz="2800" dirty="0"/>
+              <a:t> Stores manage application state for a particular domain within your application. From a high level, this basically means that per app section, stores manage the data, data retrieval methods and dispatcher callbacks.</a:t>
             </a:r>
             <a:endParaRPr lang="vi-VN" sz="2800" b="1" dirty="0" smtClean="0"/>
           </a:p>
@@ -27447,7 +27606,7 @@
     </p:spTree>
     <p:extLst>
       <p:ext uri="{BB962C8B-B14F-4D97-AF65-F5344CB8AC3E}">
-        <p14:creationId xmlns:p14="http://schemas.microsoft.com/office/powerpoint/2010/main" val="2278799731"/>
+        <p14:creationId xmlns:p14="http://schemas.microsoft.com/office/powerpoint/2010/main" val="1307085733"/>
       </p:ext>
     </p:extLst>
   </p:cSld>
@@ -27493,6 +27652,338 @@
         </p:nvSpPr>
         <p:spPr>
           <a:xfrm>
+            <a:off x="761999" y="559677"/>
+            <a:ext cx="11025447" cy="5275857"/>
+          </a:xfrm>
+        </p:spPr>
+        <p:txBody>
+          <a:bodyPr>
+            <a:normAutofit/>
+          </a:bodyPr>
+          <a:lstStyle/>
+          <a:p>
+            <a:r>
+              <a:rPr lang="vi-VN" dirty="0" smtClean="0"/>
+              <a:t>FLUX – Stores</a:t>
+            </a:r>
+            <a:br>
+              <a:rPr lang="vi-VN" dirty="0" smtClean="0"/>
+            </a:br>
+            <a:endParaRPr lang="en-US" dirty="0">
+              <a:latin typeface="Century Gothic (Headings)"/>
+            </a:endParaRPr>
+          </a:p>
+        </p:txBody>
+      </p:sp>
+      <p:sp>
+        <p:nvSpPr>
+          <p:cNvPr id="3" name="Content Placeholder 2"/>
+          <p:cNvSpPr>
+            <a:spLocks noGrp="1"/>
+          </p:cNvSpPr>
+          <p:nvPr>
+            <p:ph idx="1"/>
+          </p:nvPr>
+        </p:nvSpPr>
+        <p:spPr>
+          <a:xfrm>
+            <a:off x="433841" y="559677"/>
+            <a:ext cx="8946541" cy="5445455"/>
+          </a:xfrm>
+        </p:spPr>
+        <p:txBody>
+          <a:bodyPr>
+            <a:normAutofit fontScale="47500" lnSpcReduction="20000"/>
+          </a:bodyPr>
+          <a:lstStyle/>
+          <a:p>
+            <a:pPr marL="0" indent="0">
+              <a:buNone/>
+            </a:pPr>
+            <a:r>
+              <a:rPr lang="vi-VN" sz="2800" b="1" dirty="0"/>
+              <a:t>function loadShoes(data) {</a:t>
+            </a:r>
+          </a:p>
+          <a:p>
+            <a:pPr marL="0" indent="0">
+              <a:buNone/>
+            </a:pPr>
+            <a:r>
+              <a:rPr lang="vi-VN" sz="2800" b="1" dirty="0" smtClean="0"/>
+              <a:t>	  </a:t>
+            </a:r>
+            <a:r>
+              <a:rPr lang="vi-VN" sz="2800" b="1" dirty="0"/>
+              <a:t>_shoes = data.shoes;</a:t>
+            </a:r>
+          </a:p>
+          <a:p>
+            <a:pPr marL="0" indent="0">
+              <a:buNone/>
+            </a:pPr>
+            <a:r>
+              <a:rPr lang="vi-VN" sz="2800" b="1" dirty="0"/>
+              <a:t>}</a:t>
+            </a:r>
+            <a:endParaRPr lang="vi-VN" sz="2800" b="1" dirty="0" smtClean="0"/>
+          </a:p>
+          <a:p>
+            <a:pPr marL="0" indent="0">
+              <a:buNone/>
+            </a:pPr>
+            <a:r>
+              <a:rPr lang="vi-VN" sz="2800" b="1" dirty="0" smtClean="0"/>
+              <a:t>var </a:t>
+            </a:r>
+            <a:r>
+              <a:rPr lang="vi-VN" sz="2800" b="1" dirty="0"/>
+              <a:t>ShoeStore = merge(EventEmitter.prototype, </a:t>
+            </a:r>
+            <a:r>
+              <a:rPr lang="vi-VN" sz="2800" b="1" dirty="0" smtClean="0"/>
+              <a:t>{</a:t>
+            </a:r>
+            <a:endParaRPr lang="vi-VN" sz="2800" b="1" dirty="0"/>
+          </a:p>
+          <a:p>
+            <a:pPr marL="0" indent="0">
+              <a:buNone/>
+            </a:pPr>
+            <a:r>
+              <a:rPr lang="vi-VN" sz="2800" b="1" dirty="0"/>
+              <a:t>  </a:t>
+            </a:r>
+            <a:r>
+              <a:rPr lang="vi-VN" sz="2800" b="1" dirty="0" smtClean="0"/>
+              <a:t>	// </a:t>
+            </a:r>
+            <a:r>
+              <a:rPr lang="vi-VN" sz="2800" b="1" dirty="0"/>
+              <a:t>Returns all shoes</a:t>
+            </a:r>
+          </a:p>
+          <a:p>
+            <a:pPr marL="400050" lvl="1" indent="0">
+              <a:buNone/>
+            </a:pPr>
+            <a:r>
+              <a:rPr lang="vi-VN" sz="2600" b="1" dirty="0"/>
+              <a:t>  getShoes: function() {</a:t>
+            </a:r>
+          </a:p>
+          <a:p>
+            <a:pPr marL="400050" lvl="1" indent="0">
+              <a:buNone/>
+            </a:pPr>
+            <a:r>
+              <a:rPr lang="vi-VN" sz="2600" b="1" dirty="0"/>
+              <a:t>    </a:t>
+            </a:r>
+            <a:r>
+              <a:rPr lang="vi-VN" sz="2600" b="1" dirty="0" smtClean="0"/>
+              <a:t>	return </a:t>
+            </a:r>
+            <a:r>
+              <a:rPr lang="vi-VN" sz="2600" b="1" dirty="0"/>
+              <a:t>_shoes;</a:t>
+            </a:r>
+          </a:p>
+          <a:p>
+            <a:pPr marL="400050" lvl="1" indent="0">
+              <a:buNone/>
+            </a:pPr>
+            <a:r>
+              <a:rPr lang="vi-VN" sz="2600" b="1" dirty="0"/>
+              <a:t>  </a:t>
+            </a:r>
+            <a:r>
+              <a:rPr lang="vi-VN" sz="2600" b="1" dirty="0" smtClean="0"/>
+              <a:t>},</a:t>
+            </a:r>
+            <a:endParaRPr lang="vi-VN" sz="2600" b="1" dirty="0"/>
+          </a:p>
+          <a:p>
+            <a:pPr marL="400050" lvl="1" indent="0">
+              <a:buNone/>
+            </a:pPr>
+            <a:r>
+              <a:rPr lang="vi-VN" sz="2600" b="1" dirty="0"/>
+              <a:t>  emitChange: function() {</a:t>
+            </a:r>
+          </a:p>
+          <a:p>
+            <a:pPr marL="400050" lvl="1" indent="0">
+              <a:buNone/>
+            </a:pPr>
+            <a:r>
+              <a:rPr lang="vi-VN" sz="2600" b="1" dirty="0"/>
+              <a:t>    </a:t>
+            </a:r>
+            <a:r>
+              <a:rPr lang="vi-VN" sz="2600" b="1" dirty="0" smtClean="0"/>
+              <a:t>	this.emit</a:t>
+            </a:r>
+            <a:r>
+              <a:rPr lang="vi-VN" sz="2600" b="1" dirty="0"/>
+              <a:t>('change');</a:t>
+            </a:r>
+          </a:p>
+          <a:p>
+            <a:pPr marL="400050" lvl="1" indent="0">
+              <a:buNone/>
+            </a:pPr>
+            <a:r>
+              <a:rPr lang="vi-VN" sz="2600" b="1" dirty="0"/>
+              <a:t>  </a:t>
+            </a:r>
+            <a:r>
+              <a:rPr lang="vi-VN" sz="2600" b="1" dirty="0" smtClean="0"/>
+              <a:t>},</a:t>
+            </a:r>
+            <a:endParaRPr lang="vi-VN" sz="2600" b="1" dirty="0"/>
+          </a:p>
+          <a:p>
+            <a:pPr marL="400050" lvl="1" indent="0">
+              <a:buNone/>
+            </a:pPr>
+            <a:r>
+              <a:rPr lang="vi-VN" sz="2600" b="1" dirty="0"/>
+              <a:t>  addChangeListener: function(callback) {</a:t>
+            </a:r>
+          </a:p>
+          <a:p>
+            <a:pPr marL="400050" lvl="1" indent="0">
+              <a:buNone/>
+            </a:pPr>
+            <a:r>
+              <a:rPr lang="vi-VN" sz="2600" b="1" dirty="0"/>
+              <a:t>   </a:t>
+            </a:r>
+            <a:r>
+              <a:rPr lang="vi-VN" sz="2600" b="1" dirty="0" smtClean="0"/>
+              <a:t>	 </a:t>
+            </a:r>
+            <a:r>
+              <a:rPr lang="vi-VN" sz="2600" b="1" dirty="0"/>
+              <a:t>this.on('change', callback);</a:t>
+            </a:r>
+          </a:p>
+          <a:p>
+            <a:pPr marL="400050" lvl="1" indent="0">
+              <a:buNone/>
+            </a:pPr>
+            <a:r>
+              <a:rPr lang="vi-VN" sz="2600" b="1" dirty="0"/>
+              <a:t>  </a:t>
+            </a:r>
+            <a:r>
+              <a:rPr lang="vi-VN" sz="2600" b="1" dirty="0" smtClean="0"/>
+              <a:t>},</a:t>
+            </a:r>
+            <a:endParaRPr lang="vi-VN" sz="2600" b="1" dirty="0"/>
+          </a:p>
+          <a:p>
+            <a:pPr marL="400050" lvl="1" indent="0">
+              <a:buNone/>
+            </a:pPr>
+            <a:r>
+              <a:rPr lang="vi-VN" sz="2600" b="1" dirty="0"/>
+              <a:t>  removeChangeListener: function(callback) {</a:t>
+            </a:r>
+          </a:p>
+          <a:p>
+            <a:pPr marL="400050" lvl="1" indent="0">
+              <a:buNone/>
+            </a:pPr>
+            <a:r>
+              <a:rPr lang="vi-VN" sz="2600" b="1" dirty="0"/>
+              <a:t>   </a:t>
+            </a:r>
+            <a:r>
+              <a:rPr lang="vi-VN" sz="2600" b="1" dirty="0" smtClean="0"/>
+              <a:t>	 </a:t>
+            </a:r>
+            <a:r>
+              <a:rPr lang="vi-VN" sz="2600" b="1" dirty="0"/>
+              <a:t>this.removeListener('change', callback);</a:t>
+            </a:r>
+          </a:p>
+          <a:p>
+            <a:pPr marL="400050" lvl="1" indent="0">
+              <a:buNone/>
+            </a:pPr>
+            <a:r>
+              <a:rPr lang="vi-VN" sz="2600" b="1" dirty="0"/>
+              <a:t>  </a:t>
+            </a:r>
+            <a:r>
+              <a:rPr lang="vi-VN" sz="2600" b="1" dirty="0" smtClean="0"/>
+              <a:t>}</a:t>
+            </a:r>
+            <a:endParaRPr lang="vi-VN" sz="2600" b="1" dirty="0"/>
+          </a:p>
+          <a:p>
+            <a:pPr marL="0" indent="0">
+              <a:buNone/>
+            </a:pPr>
+            <a:r>
+              <a:rPr lang="vi-VN" sz="2800" b="1" dirty="0"/>
+              <a:t>});</a:t>
+            </a:r>
+            <a:endParaRPr lang="vi-VN" sz="2800" b="1" dirty="0" smtClean="0"/>
+          </a:p>
+        </p:txBody>
+      </p:sp>
+    </p:spTree>
+    <p:extLst>
+      <p:ext uri="{BB962C8B-B14F-4D97-AF65-F5344CB8AC3E}">
+        <p14:creationId xmlns:p14="http://schemas.microsoft.com/office/powerpoint/2010/main" val="2278799731"/>
+      </p:ext>
+    </p:extLst>
+  </p:cSld>
+  <p:clrMapOvr>
+    <a:masterClrMapping/>
+  </p:clrMapOvr>
+  <p:timing>
+    <p:tnLst>
+      <p:par>
+        <p:cTn id="1" dur="indefinite" restart="never" nodeType="tmRoot"/>
+      </p:par>
+    </p:tnLst>
+  </p:timing>
+</p:sld>
+</file>
+
+<file path=ppt/slides/slide52.xml><?xml version="1.0" encoding="utf-8"?>
+<p:sld xmlns:a="http://schemas.openxmlformats.org/drawingml/2006/main" xmlns:r="http://schemas.openxmlformats.org/officeDocument/2006/relationships" xmlns:p="http://schemas.openxmlformats.org/presentationml/2006/main">
+  <p:cSld>
+    <p:spTree>
+      <p:nvGrpSpPr>
+        <p:cNvPr id="1" name=""/>
+        <p:cNvGrpSpPr/>
+        <p:nvPr/>
+      </p:nvGrpSpPr>
+      <p:grpSpPr>
+        <a:xfrm>
+          <a:off x="0" y="0"/>
+          <a:ext cx="0" cy="0"/>
+          <a:chOff x="0" y="0"/>
+          <a:chExt cx="0" cy="0"/>
+        </a:xfrm>
+      </p:grpSpPr>
+      <p:sp>
+        <p:nvSpPr>
+          <p:cNvPr id="2" name="Title 1"/>
+          <p:cNvSpPr>
+            <a:spLocks noGrp="1"/>
+          </p:cNvSpPr>
+          <p:nvPr>
+            <p:ph type="title"/>
+          </p:nvPr>
+        </p:nvSpPr>
+        <p:spPr>
+          <a:xfrm>
             <a:off x="761999" y="559678"/>
             <a:ext cx="11141825" cy="4952492"/>
           </a:xfrm>
@@ -27796,7 +28287,7 @@
 </p:sld>
 </file>
 
-<file path=ppt/slides/slide52.xml><?xml version="1.0" encoding="utf-8"?>
+<file path=ppt/slides/slide53.xml><?xml version="1.0" encoding="utf-8"?>
 <p:sld xmlns:a="http://schemas.openxmlformats.org/drawingml/2006/main" xmlns:r="http://schemas.openxmlformats.org/officeDocument/2006/relationships" xmlns:p="http://schemas.openxmlformats.org/presentationml/2006/main">
   <p:cSld>
     <p:spTree>
@@ -27891,7 +28382,7 @@
 </p:sld>
 </file>
 
-<file path=ppt/slides/slide53.xml><?xml version="1.0" encoding="utf-8"?>
+<file path=ppt/slides/slide54.xml><?xml version="1.0" encoding="utf-8"?>
 <p:sld xmlns:a="http://schemas.openxmlformats.org/drawingml/2006/main" xmlns:r="http://schemas.openxmlformats.org/officeDocument/2006/relationships" xmlns:p="http://schemas.openxmlformats.org/presentationml/2006/main">
   <p:cSld>
     <p:spTree>
@@ -28283,7 +28774,7 @@
 </p:sld>
 </file>
 
-<file path=ppt/slides/slide54.xml><?xml version="1.0" encoding="utf-8"?>
+<file path=ppt/slides/slide55.xml><?xml version="1.0" encoding="utf-8"?>
 <p:sld xmlns:a="http://schemas.openxmlformats.org/drawingml/2006/main" xmlns:r="http://schemas.openxmlformats.org/officeDocument/2006/relationships" xmlns:p="http://schemas.openxmlformats.org/presentationml/2006/main">
   <p:cSld>
     <p:spTree>
@@ -28414,7 +28905,7 @@
 </p:sld>
 </file>
 
-<file path=ppt/slides/slide55.xml><?xml version="1.0" encoding="utf-8"?>
+<file path=ppt/slides/slide56.xml><?xml version="1.0" encoding="utf-8"?>
 <p:sld xmlns:a="http://schemas.openxmlformats.org/drawingml/2006/main" xmlns:r="http://schemas.openxmlformats.org/officeDocument/2006/relationships" xmlns:p="http://schemas.openxmlformats.org/presentationml/2006/main">
   <p:cSld>
     <p:spTree>
@@ -29349,7 +29840,7 @@
 </p:sld>
 </file>
 
-<file path=ppt/slides/slide56.xml><?xml version="1.0" encoding="utf-8"?>
+<file path=ppt/slides/slide57.xml><?xml version="1.0" encoding="utf-8"?>
 <p:sld xmlns:a="http://schemas.openxmlformats.org/drawingml/2006/main" xmlns:r="http://schemas.openxmlformats.org/officeDocument/2006/relationships" xmlns:p="http://schemas.openxmlformats.org/presentationml/2006/main">
   <p:cSld>
     <p:spTree>
@@ -29457,7 +29948,7 @@
 </p:sld>
 </file>
 
-<file path=ppt/slides/slide57.xml><?xml version="1.0" encoding="utf-8"?>
+<file path=ppt/slides/slide58.xml><?xml version="1.0" encoding="utf-8"?>
 <p:sld xmlns:a="http://schemas.openxmlformats.org/drawingml/2006/main" xmlns:r="http://schemas.openxmlformats.org/officeDocument/2006/relationships" xmlns:p="http://schemas.openxmlformats.org/presentationml/2006/main">
   <p:cSld>
     <p:spTree>
